--- a/データ分析活用事例.pptx
+++ b/データ分析活用事例.pptx
@@ -5,10 +5,10 @@
     <p:sldMasterId id="2147483648" r:id="rId1"/>
   </p:sldMasterIdLst>
   <p:notesMasterIdLst>
-    <p:notesMasterId r:id="rId26"/>
+    <p:notesMasterId r:id="rId28"/>
   </p:notesMasterIdLst>
   <p:handoutMasterIdLst>
-    <p:handoutMasterId r:id="rId27"/>
+    <p:handoutMasterId r:id="rId29"/>
   </p:handoutMasterIdLst>
   <p:sldIdLst>
     <p:sldId id="256" r:id="rId2"/>
@@ -27,14 +27,16 @@
     <p:sldId id="278" r:id="rId15"/>
     <p:sldId id="275" r:id="rId16"/>
     <p:sldId id="281" r:id="rId17"/>
-    <p:sldId id="268" r:id="rId18"/>
-    <p:sldId id="270" r:id="rId19"/>
-    <p:sldId id="271" r:id="rId20"/>
-    <p:sldId id="279" r:id="rId21"/>
-    <p:sldId id="280" r:id="rId22"/>
-    <p:sldId id="260" r:id="rId23"/>
-    <p:sldId id="274" r:id="rId24"/>
-    <p:sldId id="257" r:id="rId25"/>
+    <p:sldId id="283" r:id="rId18"/>
+    <p:sldId id="268" r:id="rId19"/>
+    <p:sldId id="270" r:id="rId20"/>
+    <p:sldId id="271" r:id="rId21"/>
+    <p:sldId id="279" r:id="rId22"/>
+    <p:sldId id="280" r:id="rId23"/>
+    <p:sldId id="260" r:id="rId24"/>
+    <p:sldId id="284" r:id="rId25"/>
+    <p:sldId id="274" r:id="rId26"/>
+    <p:sldId id="257" r:id="rId27"/>
   </p:sldIdLst>
   <p:sldSz cx="10688638" cy="7562850"/>
   <p:notesSz cx="6858000" cy="9144000"/>
@@ -255,6 +257,7 @@
           </a:p>
         </c:rich>
       </c:tx>
+      <c:layout/>
       <c:overlay val="0"/>
       <c:spPr>
         <a:noFill/>
@@ -774,6 +777,7 @@
     </c:plotArea>
     <c:legend>
       <c:legendPos val="b"/>
+      <c:layout/>
       <c:overlay val="0"/>
       <c:spPr>
         <a:noFill/>
@@ -1469,7 +1473,7 @@
             <a:fld id="{B09D5584-349C-8144-9B17-527661C479AC}" type="datetimeFigureOut">
               <a:rPr kumimoji="1" lang="ja-JP" altLang="en-US" smtClean="0"/>
               <a:pPr/>
-              <a:t>2022/6/7</a:t>
+              <a:t>2022/6/20</a:t>
             </a:fld>
             <a:endParaRPr kumimoji="1" lang="ja-JP" altLang="en-US"/>
           </a:p>
@@ -1637,7 +1641,7 @@
             <a:fld id="{ABEBC6D5-B1A9-6B44-AEBE-D53B4116582D}" type="datetimeFigureOut">
               <a:rPr kumimoji="1" lang="ja-JP" altLang="en-US" smtClean="0"/>
               <a:pPr/>
-              <a:t>2022/6/7</a:t>
+              <a:t>2022/6/20</a:t>
             </a:fld>
             <a:endParaRPr kumimoji="1" lang="ja-JP" altLang="en-US"/>
           </a:p>
@@ -2018,7 +2022,7 @@
               <a:pPr/>
               <a:t>2</a:t>
             </a:fld>
-            <a:endParaRPr kumimoji="1" lang="ja-JP" altLang="en-US"/>
+            <a:endParaRPr kumimoji="1" lang="ja-JP" altLang="en-US" dirty="0"/>
           </a:p>
         </p:txBody>
       </p:sp>
@@ -2110,7 +2114,7 @@
     </p:spTree>
     <p:extLst>
       <p:ext uri="{BB962C8B-B14F-4D97-AF65-F5344CB8AC3E}">
-        <p14:creationId xmlns:p14="http://schemas.microsoft.com/office/powerpoint/2010/main" val="2495336491"/>
+        <p14:creationId xmlns:p14="http://schemas.microsoft.com/office/powerpoint/2010/main" val="444718790"/>
       </p:ext>
     </p:extLst>
   </p:cSld>
@@ -2195,7 +2199,7 @@
     </p:spTree>
     <p:extLst>
       <p:ext uri="{BB962C8B-B14F-4D97-AF65-F5344CB8AC3E}">
-        <p14:creationId xmlns:p14="http://schemas.microsoft.com/office/powerpoint/2010/main" val="2652750324"/>
+        <p14:creationId xmlns:p14="http://schemas.microsoft.com/office/powerpoint/2010/main" val="2495336491"/>
       </p:ext>
     </p:extLst>
   </p:cSld>
@@ -2280,7 +2284,7 @@
     </p:spTree>
     <p:extLst>
       <p:ext uri="{BB962C8B-B14F-4D97-AF65-F5344CB8AC3E}">
-        <p14:creationId xmlns:p14="http://schemas.microsoft.com/office/powerpoint/2010/main" val="274455234"/>
+        <p14:creationId xmlns:p14="http://schemas.microsoft.com/office/powerpoint/2010/main" val="2652750324"/>
       </p:ext>
     </p:extLst>
   </p:cSld>
@@ -2365,7 +2369,7 @@
     </p:spTree>
     <p:extLst>
       <p:ext uri="{BB962C8B-B14F-4D97-AF65-F5344CB8AC3E}">
-        <p14:creationId xmlns:p14="http://schemas.microsoft.com/office/powerpoint/2010/main" val="3714110271"/>
+        <p14:creationId xmlns:p14="http://schemas.microsoft.com/office/powerpoint/2010/main" val="274455234"/>
       </p:ext>
     </p:extLst>
   </p:cSld>
@@ -2450,6 +2454,176 @@
     </p:spTree>
     <p:extLst>
       <p:ext uri="{BB962C8B-B14F-4D97-AF65-F5344CB8AC3E}">
+        <p14:creationId xmlns:p14="http://schemas.microsoft.com/office/powerpoint/2010/main" val="3714110271"/>
+      </p:ext>
+    </p:extLst>
+  </p:cSld>
+  <p:clrMapOvr>
+    <a:masterClrMapping/>
+  </p:clrMapOvr>
+</p:notes>
+</file>
+
+<file path=ppt/notesSlides/notesSlide15.xml><?xml version="1.0" encoding="utf-8"?>
+<p:notes xmlns:a="http://schemas.openxmlformats.org/drawingml/2006/main" xmlns:r="http://schemas.openxmlformats.org/officeDocument/2006/relationships" xmlns:p="http://schemas.openxmlformats.org/presentationml/2006/main">
+  <p:cSld>
+    <p:spTree>
+      <p:nvGrpSpPr>
+        <p:cNvPr id="1" name=""/>
+        <p:cNvGrpSpPr/>
+        <p:nvPr/>
+      </p:nvGrpSpPr>
+      <p:grpSpPr>
+        <a:xfrm>
+          <a:off x="0" y="0"/>
+          <a:ext cx="0" cy="0"/>
+          <a:chOff x="0" y="0"/>
+          <a:chExt cx="0" cy="0"/>
+        </a:xfrm>
+      </p:grpSpPr>
+      <p:sp>
+        <p:nvSpPr>
+          <p:cNvPr id="2" name="スライド イメージ プレースホルダー 1"/>
+          <p:cNvSpPr>
+            <a:spLocks noGrp="1" noRot="1" noChangeAspect="1"/>
+          </p:cNvSpPr>
+          <p:nvPr>
+            <p:ph type="sldImg"/>
+          </p:nvPr>
+        </p:nvSpPr>
+        <p:spPr/>
+      </p:sp>
+      <p:sp>
+        <p:nvSpPr>
+          <p:cNvPr id="3" name="ノート プレースホルダー 2"/>
+          <p:cNvSpPr>
+            <a:spLocks noGrp="1"/>
+          </p:cNvSpPr>
+          <p:nvPr>
+            <p:ph type="body" idx="1"/>
+          </p:nvPr>
+        </p:nvSpPr>
+        <p:spPr/>
+        <p:txBody>
+          <a:bodyPr/>
+          <a:lstStyle/>
+          <a:p>
+            <a:endParaRPr kumimoji="1" lang="ja-JP" altLang="en-US"/>
+          </a:p>
+        </p:txBody>
+      </p:sp>
+      <p:sp>
+        <p:nvSpPr>
+          <p:cNvPr id="4" name="スライド番号プレースホルダー 3"/>
+          <p:cNvSpPr>
+            <a:spLocks noGrp="1"/>
+          </p:cNvSpPr>
+          <p:nvPr>
+            <p:ph type="sldNum" sz="quarter" idx="10"/>
+          </p:nvPr>
+        </p:nvSpPr>
+        <p:spPr/>
+        <p:txBody>
+          <a:bodyPr/>
+          <a:lstStyle/>
+          <a:p>
+            <a:fld id="{3A7FD790-B24A-3C4F-AFBD-F252CBA5F2CF}" type="slidenum">
+              <a:rPr lang="ja-JP" altLang="en-US" smtClean="0"/>
+              <a:pPr/>
+              <a:t>24</a:t>
+            </a:fld>
+            <a:endParaRPr lang="ja-JP" altLang="en-US" dirty="0"/>
+          </a:p>
+        </p:txBody>
+      </p:sp>
+    </p:spTree>
+    <p:extLst>
+      <p:ext uri="{BB962C8B-B14F-4D97-AF65-F5344CB8AC3E}">
+        <p14:creationId xmlns:p14="http://schemas.microsoft.com/office/powerpoint/2010/main" val="997291897"/>
+      </p:ext>
+    </p:extLst>
+  </p:cSld>
+  <p:clrMapOvr>
+    <a:masterClrMapping/>
+  </p:clrMapOvr>
+</p:notes>
+</file>
+
+<file path=ppt/notesSlides/notesSlide16.xml><?xml version="1.0" encoding="utf-8"?>
+<p:notes xmlns:a="http://schemas.openxmlformats.org/drawingml/2006/main" xmlns:r="http://schemas.openxmlformats.org/officeDocument/2006/relationships" xmlns:p="http://schemas.openxmlformats.org/presentationml/2006/main">
+  <p:cSld>
+    <p:spTree>
+      <p:nvGrpSpPr>
+        <p:cNvPr id="1" name=""/>
+        <p:cNvGrpSpPr/>
+        <p:nvPr/>
+      </p:nvGrpSpPr>
+      <p:grpSpPr>
+        <a:xfrm>
+          <a:off x="0" y="0"/>
+          <a:ext cx="0" cy="0"/>
+          <a:chOff x="0" y="0"/>
+          <a:chExt cx="0" cy="0"/>
+        </a:xfrm>
+      </p:grpSpPr>
+      <p:sp>
+        <p:nvSpPr>
+          <p:cNvPr id="2" name="スライド イメージ プレースホルダー 1"/>
+          <p:cNvSpPr>
+            <a:spLocks noGrp="1" noRot="1" noChangeAspect="1"/>
+          </p:cNvSpPr>
+          <p:nvPr>
+            <p:ph type="sldImg"/>
+          </p:nvPr>
+        </p:nvSpPr>
+        <p:spPr/>
+      </p:sp>
+      <p:sp>
+        <p:nvSpPr>
+          <p:cNvPr id="3" name="ノート プレースホルダー 2"/>
+          <p:cNvSpPr>
+            <a:spLocks noGrp="1"/>
+          </p:cNvSpPr>
+          <p:nvPr>
+            <p:ph type="body" idx="1"/>
+          </p:nvPr>
+        </p:nvSpPr>
+        <p:spPr/>
+        <p:txBody>
+          <a:bodyPr/>
+          <a:lstStyle/>
+          <a:p>
+            <a:endParaRPr kumimoji="1" lang="ja-JP" altLang="en-US"/>
+          </a:p>
+        </p:txBody>
+      </p:sp>
+      <p:sp>
+        <p:nvSpPr>
+          <p:cNvPr id="4" name="スライド番号プレースホルダー 3"/>
+          <p:cNvSpPr>
+            <a:spLocks noGrp="1"/>
+          </p:cNvSpPr>
+          <p:nvPr>
+            <p:ph type="sldNum" sz="quarter" idx="10"/>
+          </p:nvPr>
+        </p:nvSpPr>
+        <p:spPr/>
+        <p:txBody>
+          <a:bodyPr/>
+          <a:lstStyle/>
+          <a:p>
+            <a:fld id="{3A7FD790-B24A-3C4F-AFBD-F252CBA5F2CF}" type="slidenum">
+              <a:rPr lang="ja-JP" altLang="en-US" smtClean="0"/>
+              <a:pPr/>
+              <a:t>25</a:t>
+            </a:fld>
+            <a:endParaRPr lang="ja-JP" altLang="en-US" dirty="0"/>
+          </a:p>
+        </p:txBody>
+      </p:sp>
+    </p:spTree>
+    <p:extLst>
+      <p:ext uri="{BB962C8B-B14F-4D97-AF65-F5344CB8AC3E}">
         <p14:creationId xmlns:p14="http://schemas.microsoft.com/office/powerpoint/2010/main" val="3095372971"/>
       </p:ext>
     </p:extLst>
@@ -2532,7 +2706,7 @@
               <a:pPr/>
               <a:t>3</a:t>
             </a:fld>
-            <a:endParaRPr kumimoji="1" lang="ja-JP" altLang="en-US"/>
+            <a:endParaRPr kumimoji="1" lang="ja-JP" altLang="en-US" dirty="0"/>
           </a:p>
         </p:txBody>
       </p:sp>
@@ -2593,7 +2767,7 @@
           <a:bodyPr/>
           <a:lstStyle/>
           <a:p>
-            <a:endParaRPr kumimoji="1" lang="ja-JP" altLang="en-US"/>
+            <a:endParaRPr kumimoji="1" lang="ja-JP" altLang="en-US" dirty="0"/>
           </a:p>
         </p:txBody>
       </p:sp>
@@ -3049,7 +3223,7 @@
     </p:spTree>
     <p:extLst>
       <p:ext uri="{BB962C8B-B14F-4D97-AF65-F5344CB8AC3E}">
-        <p14:creationId xmlns:p14="http://schemas.microsoft.com/office/powerpoint/2010/main" val="1027551090"/>
+        <p14:creationId xmlns:p14="http://schemas.microsoft.com/office/powerpoint/2010/main" val="3774690839"/>
       </p:ext>
     </p:extLst>
   </p:cSld>
@@ -3134,7 +3308,7 @@
     </p:spTree>
     <p:extLst>
       <p:ext uri="{BB962C8B-B14F-4D97-AF65-F5344CB8AC3E}">
-        <p14:creationId xmlns:p14="http://schemas.microsoft.com/office/powerpoint/2010/main" val="444718790"/>
+        <p14:creationId xmlns:p14="http://schemas.microsoft.com/office/powerpoint/2010/main" val="1027551090"/>
       </p:ext>
     </p:extLst>
   </p:cSld>
@@ -4951,11 +5125,7 @@
           <a:p>
             <a:r>
               <a:rPr kumimoji="1" lang="ja-JP" altLang="en-US" dirty="0" smtClean="0"/>
-              <a:t>データ</a:t>
-            </a:r>
-            <a:r>
-              <a:rPr kumimoji="1" lang="ja-JP" altLang="en-US" dirty="0" smtClean="0"/>
-              <a:t>分析</a:t>
+              <a:t>データ分析</a:t>
             </a:r>
             <a:r>
               <a:rPr lang="ja-JP" altLang="en-US" dirty="0"/>
@@ -5841,15 +6011,27 @@
             </a:r>
             <a:r>
               <a:rPr lang="en-US" altLang="ja-JP" dirty="0">
+                <a:solidFill>
+                  <a:srgbClr val="FF0000"/>
+                </a:solidFill>
                 <a:latin typeface="+mn-ea"/>
               </a:rPr>
               <a:t>5</a:t>
             </a:r>
             <a:r>
               <a:rPr lang="ja-JP" altLang="en-US" dirty="0" smtClean="0">
+                <a:solidFill>
+                  <a:srgbClr val="FF0000"/>
+                </a:solidFill>
                 <a:latin typeface="+mn-ea"/>
               </a:rPr>
-              <a:t>つアンケート</a:t>
+              <a:t>つ</a:t>
+            </a:r>
+            <a:r>
+              <a:rPr lang="ja-JP" altLang="en-US" dirty="0" smtClean="0">
+                <a:latin typeface="+mn-ea"/>
+              </a:rPr>
+              <a:t>アンケート</a:t>
             </a:r>
             <a:r>
               <a:rPr lang="ja-JP" altLang="en-US" dirty="0">
@@ -9163,6 +9345,80 @@
                 <a:schemeClr val="tx1"/>
               </a:solidFill>
               <a:latin typeface="+mn-ea"/>
+            </a:endParaRPr>
+          </a:p>
+        </p:txBody>
+      </p:sp>
+      <p:sp>
+        <p:nvSpPr>
+          <p:cNvPr id="10" name="正方形/長方形 9"/>
+          <p:cNvSpPr/>
+          <p:nvPr/>
+        </p:nvSpPr>
+        <p:spPr>
+          <a:xfrm>
+            <a:off x="31452" y="605748"/>
+            <a:ext cx="10657186" cy="347497"/>
+          </a:xfrm>
+          <a:prstGeom prst="rect">
+            <a:avLst/>
+          </a:prstGeom>
+          <a:noFill/>
+          <a:ln>
+            <a:solidFill>
+              <a:schemeClr val="bg1"/>
+            </a:solidFill>
+          </a:ln>
+        </p:spPr>
+        <p:style>
+          <a:lnRef idx="2">
+            <a:schemeClr val="accent1">
+              <a:shade val="50000"/>
+            </a:schemeClr>
+          </a:lnRef>
+          <a:fillRef idx="1">
+            <a:schemeClr val="accent1"/>
+          </a:fillRef>
+          <a:effectRef idx="0">
+            <a:schemeClr val="accent1"/>
+          </a:effectRef>
+          <a:fontRef idx="minor">
+            <a:schemeClr val="lt1"/>
+          </a:fontRef>
+        </p:style>
+        <p:txBody>
+          <a:bodyPr rtlCol="0" anchor="t"/>
+          <a:lstStyle/>
+          <a:p>
+            <a:pPr>
+              <a:lnSpc>
+                <a:spcPts val="2000"/>
+              </a:lnSpc>
+            </a:pPr>
+            <a:r>
+              <a:rPr lang="ja-JP" altLang="en-US" sz="1600" dirty="0">
+                <a:solidFill>
+                  <a:schemeClr val="tx1"/>
+                </a:solidFill>
+                <a:latin typeface="メイリオ" panose="020B0604030504040204" pitchFamily="50" charset="-128"/>
+              </a:rPr>
+              <a:t>グラフは、羅列された数字だけでは理解しにくいデータの変化や割合などを視覚化するために</a:t>
+            </a:r>
+            <a:r>
+              <a:rPr lang="ja-JP" altLang="en-US" sz="1600" dirty="0" smtClean="0">
+                <a:solidFill>
+                  <a:schemeClr val="tx1"/>
+                </a:solidFill>
+                <a:latin typeface="メイリオ" panose="020B0604030504040204" pitchFamily="50" charset="-128"/>
+              </a:rPr>
+              <a:t>使われます。</a:t>
+            </a:r>
+            <a:endParaRPr lang="en-US" altLang="ja-JP" sz="1600" dirty="0" smtClean="0">
+              <a:solidFill>
+                <a:schemeClr val="tx1"/>
+              </a:solidFill>
+              <a:latin typeface="メイリオ" panose="020B0604030504040204" pitchFamily="50" charset="-128"/>
+              <a:ea typeface="メイリオ" panose="020B0604030504040204" pitchFamily="50" charset="-128"/>
             </a:endParaRPr>
           </a:p>
         </p:txBody>
@@ -11324,389 +11580,57 @@
               </a:spcBef>
             </a:pPr>
             <a:r>
+              <a:rPr lang="ja-JP" altLang="en-US" sz="2000" dirty="0">
+                <a:latin typeface="メイリオ" panose="020B0604030504040204" pitchFamily="50" charset="-128"/>
+                <a:cs typeface="メイリオ" pitchFamily="50" charset="-128"/>
+              </a:rPr>
+              <a:t>４．顧客タイプ</a:t>
+            </a:r>
+            <a:r>
               <a:rPr lang="ja-JP" altLang="en-US" sz="2000" dirty="0" smtClean="0">
                 <a:latin typeface="メイリオ" panose="020B0604030504040204" pitchFamily="50" charset="-128"/>
-                <a:ea typeface="メイリオ" panose="020B0604030504040204" pitchFamily="50" charset="-128"/>
                 <a:cs typeface="メイリオ" pitchFamily="50" charset="-128"/>
               </a:rPr>
-              <a:t>５．顧客タイプとアンケート（結合分析）</a:t>
-            </a:r>
-            <a:endParaRPr lang="ja-JP" altLang="en-US" sz="2000" dirty="0">
-              <a:latin typeface="メイリオ" panose="020B0604030504040204" pitchFamily="50" charset="-128"/>
-              <a:ea typeface="メイリオ" panose="020B0604030504040204" pitchFamily="50" charset="-128"/>
-              <a:cs typeface="メイリオ" pitchFamily="50" charset="-128"/>
-            </a:endParaRPr>
+              <a:t>（施策</a:t>
+            </a:r>
+            <a:r>
+              <a:rPr lang="ja-JP" altLang="en-US" sz="2000" dirty="0">
+                <a:latin typeface="メイリオ" panose="020B0604030504040204" pitchFamily="50" charset="-128"/>
+                <a:cs typeface="メイリオ" pitchFamily="50" charset="-128"/>
+              </a:rPr>
+              <a:t>の検討）</a:t>
+            </a:r>
           </a:p>
         </p:txBody>
       </p:sp>
-      <p:sp>
-        <p:nvSpPr>
-          <p:cNvPr id="9" name="テキスト ボックス 8"/>
-          <p:cNvSpPr txBox="1"/>
+      <p:pic>
+        <p:nvPicPr>
+          <p:cNvPr id="3" name="図 2"/>
+          <p:cNvPicPr>
+            <a:picLocks noChangeAspect="1"/>
+          </p:cNvPicPr>
           <p:nvPr/>
-        </p:nvSpPr>
+        </p:nvPicPr>
+        <p:blipFill>
+          <a:blip r:embed="rId3"/>
+          <a:stretch>
+            <a:fillRect/>
+          </a:stretch>
+        </p:blipFill>
         <p:spPr>
           <a:xfrm>
-            <a:off x="381000" y="685800"/>
-            <a:ext cx="10124872" cy="5982308"/>
+            <a:off x="510381" y="1181100"/>
+            <a:ext cx="9667875" cy="5200650"/>
           </a:xfrm>
           <a:prstGeom prst="rect">
             <a:avLst/>
           </a:prstGeom>
-          <a:noFill/>
         </p:spPr>
-        <p:txBody>
-          <a:bodyPr wrap="square" rtlCol="0">
-            <a:noAutofit/>
-          </a:bodyPr>
-          <a:lstStyle/>
-          <a:p>
-            <a:pPr>
-              <a:buClr>
-                <a:srgbClr val="C00000"/>
-              </a:buClr>
-            </a:pPr>
-            <a:r>
-              <a:rPr lang="ja-JP" altLang="en-US" dirty="0" smtClean="0">
-                <a:latin typeface="+mn-ea"/>
-              </a:rPr>
-              <a:t>クラスター分析により</a:t>
-            </a:r>
-            <a:r>
-              <a:rPr lang="en-US" altLang="ja-JP" dirty="0" smtClean="0">
-                <a:latin typeface="+mn-ea"/>
-              </a:rPr>
-              <a:t>6</a:t>
-            </a:r>
-            <a:r>
-              <a:rPr lang="ja-JP" altLang="en-US" dirty="0" err="1" smtClean="0">
-                <a:latin typeface="+mn-ea"/>
-              </a:rPr>
-              <a:t>つに</a:t>
-            </a:r>
-            <a:r>
-              <a:rPr lang="ja-JP" altLang="en-US" dirty="0" smtClean="0">
-                <a:latin typeface="+mn-ea"/>
-              </a:rPr>
-              <a:t>分類した顧客タイプ（一見、</a:t>
-            </a:r>
-            <a:r>
-              <a:rPr lang="ja-JP" altLang="en-US" dirty="0">
-                <a:latin typeface="+mn-ea"/>
-              </a:rPr>
-              <a:t>潜在</a:t>
-            </a:r>
-            <a:r>
-              <a:rPr lang="ja-JP" altLang="en-US" dirty="0" smtClean="0">
-                <a:latin typeface="+mn-ea"/>
-              </a:rPr>
-              <a:t>、休眠、リピート、優良、法人型）によって、アンケートの回答傾向が異なるか調査した。</a:t>
-            </a:r>
-            <a:endParaRPr lang="en-US" altLang="ja-JP" dirty="0" smtClean="0">
-              <a:latin typeface="+mn-ea"/>
-            </a:endParaRPr>
-          </a:p>
-          <a:p>
-            <a:pPr>
-              <a:buClr>
-                <a:srgbClr val="C00000"/>
-              </a:buClr>
-            </a:pPr>
-            <a:endParaRPr lang="en-US" altLang="ja-JP" dirty="0" smtClean="0">
-              <a:latin typeface="+mn-ea"/>
-            </a:endParaRPr>
-          </a:p>
-          <a:p>
-            <a:pPr marL="342900" indent="-342900">
-              <a:buClr>
-                <a:srgbClr val="C00000"/>
-              </a:buClr>
-              <a:buFont typeface="Wingdings" panose="05000000000000000000" pitchFamily="2" charset="2"/>
-              <a:buChar char="n"/>
-            </a:pPr>
-            <a:r>
-              <a:rPr lang="ja-JP" altLang="en-US" dirty="0" smtClean="0">
-                <a:latin typeface="+mn-ea"/>
-              </a:rPr>
-              <a:t>法人型は、他の顧客タイプと比べると、回答4(大変満足)が多く、回答1(大変不満)が少ない。特に、Q2スタッフの身だしなみ、Q4安全運転～、Q5燃料.給油についての説明、Q6クルマ.カーナビの操作説明、Q7ご出発.帰着の誘導などに不満を持つ会員が少ない。</a:t>
-            </a:r>
-            <a:endParaRPr lang="en-US" altLang="ja-JP" dirty="0" smtClean="0">
-              <a:latin typeface="+mn-ea"/>
-            </a:endParaRPr>
-          </a:p>
-          <a:p>
-            <a:pPr lvl="1">
-              <a:buClr>
-                <a:srgbClr val="C00000"/>
-              </a:buClr>
-            </a:pPr>
-            <a:r>
-              <a:rPr lang="ja-JP" altLang="en-US" dirty="0" smtClean="0">
-                <a:latin typeface="+mn-ea"/>
-              </a:rPr>
-              <a:t>こうした顧客へ</a:t>
-            </a:r>
-            <a:r>
-              <a:rPr lang="ja-JP" altLang="en-US" dirty="0" smtClean="0">
-                <a:solidFill>
-                  <a:srgbClr val="C00000"/>
-                </a:solidFill>
-                <a:latin typeface="+mn-ea"/>
-              </a:rPr>
-              <a:t>簡潔な説明をすることで、満足度を落とさずに時間短縮が可能</a:t>
-            </a:r>
-            <a:r>
-              <a:rPr lang="ja-JP" altLang="en-US" dirty="0" smtClean="0">
-                <a:latin typeface="+mn-ea"/>
-              </a:rPr>
-              <a:t>。</a:t>
-            </a:r>
-            <a:endParaRPr lang="en-US" altLang="ja-JP" dirty="0" smtClean="0">
-              <a:latin typeface="+mn-ea"/>
-            </a:endParaRPr>
-          </a:p>
-          <a:p>
-            <a:pPr marL="342900" indent="-342900">
-              <a:buClr>
-                <a:srgbClr val="C00000"/>
-              </a:buClr>
-              <a:buFont typeface="Wingdings" panose="05000000000000000000" pitchFamily="2" charset="2"/>
-              <a:buChar char="n"/>
-            </a:pPr>
-            <a:endParaRPr lang="ja-JP" altLang="en-US" dirty="0" smtClean="0">
-              <a:latin typeface="+mn-ea"/>
-            </a:endParaRPr>
-          </a:p>
-          <a:p>
-            <a:pPr marL="342900" indent="-342900">
-              <a:buClr>
-                <a:srgbClr val="C00000"/>
-              </a:buClr>
-              <a:buFont typeface="Wingdings" panose="05000000000000000000" pitchFamily="2" charset="2"/>
-              <a:buChar char="n"/>
-            </a:pPr>
-            <a:r>
-              <a:rPr lang="ja-JP" altLang="en-US" dirty="0" smtClean="0">
-                <a:latin typeface="+mn-ea"/>
-              </a:rPr>
-              <a:t>潜在、</a:t>
-            </a:r>
-            <a:r>
-              <a:rPr lang="ja-JP" altLang="en-US" dirty="0">
-                <a:latin typeface="+mn-ea"/>
-              </a:rPr>
-              <a:t>一見は、Q3保険.補償の</a:t>
-            </a:r>
-            <a:r>
-              <a:rPr lang="ja-JP" altLang="en-US" dirty="0" smtClean="0">
-                <a:latin typeface="+mn-ea"/>
-              </a:rPr>
-              <a:t>説明、Q4</a:t>
-            </a:r>
-            <a:r>
-              <a:rPr lang="ja-JP" altLang="en-US" dirty="0">
-                <a:latin typeface="+mn-ea"/>
-              </a:rPr>
-              <a:t>安全運転.事故防止</a:t>
-            </a:r>
-            <a:r>
-              <a:rPr lang="ja-JP" altLang="en-US" dirty="0" smtClean="0">
-                <a:latin typeface="+mn-ea"/>
-              </a:rPr>
-              <a:t>アドバイス、Q6</a:t>
-            </a:r>
-            <a:r>
-              <a:rPr lang="ja-JP" altLang="en-US" dirty="0">
-                <a:latin typeface="+mn-ea"/>
-              </a:rPr>
-              <a:t>クルマ.カーナビの操作</a:t>
-            </a:r>
-            <a:r>
-              <a:rPr lang="ja-JP" altLang="en-US" dirty="0" smtClean="0">
-                <a:latin typeface="+mn-ea"/>
-              </a:rPr>
-              <a:t>説明に</a:t>
-            </a:r>
-            <a:r>
-              <a:rPr lang="ja-JP" altLang="en-US" dirty="0">
-                <a:latin typeface="+mn-ea"/>
-              </a:rPr>
-              <a:t>不満を持つ割合が多い</a:t>
-            </a:r>
-            <a:r>
-              <a:rPr lang="ja-JP" altLang="en-US" dirty="0" smtClean="0">
-                <a:latin typeface="+mn-ea"/>
-              </a:rPr>
-              <a:t>。</a:t>
-            </a:r>
-            <a:endParaRPr lang="en-US" altLang="ja-JP" dirty="0" smtClean="0">
-              <a:latin typeface="+mn-ea"/>
-            </a:endParaRPr>
-          </a:p>
-          <a:p>
-            <a:pPr lvl="1">
-              <a:buClr>
-                <a:srgbClr val="C00000"/>
-              </a:buClr>
-            </a:pPr>
-            <a:r>
-              <a:rPr lang="ja-JP" altLang="en-US" dirty="0" smtClean="0">
-                <a:latin typeface="+mn-ea"/>
-              </a:rPr>
-              <a:t>こうした顧客へ</a:t>
-            </a:r>
-            <a:r>
-              <a:rPr lang="ja-JP" altLang="en-US" dirty="0" smtClean="0">
-                <a:solidFill>
-                  <a:srgbClr val="C00000"/>
-                </a:solidFill>
-                <a:latin typeface="+mn-ea"/>
-              </a:rPr>
-              <a:t>わかりやすい説明をすることで、リピーターになってもらえる可能性が高まる</a:t>
-            </a:r>
-            <a:r>
-              <a:rPr lang="ja-JP" altLang="en-US" dirty="0" smtClean="0">
-                <a:latin typeface="+mn-ea"/>
-              </a:rPr>
-              <a:t>のではないか</a:t>
-            </a:r>
-            <a:r>
-              <a:rPr lang="ja-JP" altLang="en-US" dirty="0">
-                <a:latin typeface="+mn-ea"/>
-              </a:rPr>
-              <a:t>。</a:t>
-            </a:r>
-            <a:endParaRPr lang="en-US" altLang="ja-JP" dirty="0" smtClean="0">
-              <a:latin typeface="+mn-ea"/>
-            </a:endParaRPr>
-          </a:p>
-          <a:p>
-            <a:pPr marL="342900" indent="-342900">
-              <a:buClr>
-                <a:srgbClr val="C00000"/>
-              </a:buClr>
-              <a:buFont typeface="Wingdings" panose="05000000000000000000" pitchFamily="2" charset="2"/>
-              <a:buChar char="n"/>
-            </a:pPr>
-            <a:endParaRPr lang="ja-JP" altLang="en-US" dirty="0">
-              <a:latin typeface="+mn-ea"/>
-            </a:endParaRPr>
-          </a:p>
-          <a:p>
-            <a:pPr marL="342900" indent="-342900">
-              <a:buClr>
-                <a:srgbClr val="C00000"/>
-              </a:buClr>
-              <a:buFont typeface="Wingdings" panose="05000000000000000000" pitchFamily="2" charset="2"/>
-              <a:buChar char="n"/>
-            </a:pPr>
-            <a:r>
-              <a:rPr lang="ja-JP" altLang="en-US" dirty="0" smtClean="0">
-                <a:latin typeface="+mn-ea"/>
-              </a:rPr>
-              <a:t>Q12</a:t>
-            </a:r>
-            <a:r>
-              <a:rPr lang="ja-JP" altLang="en-US" dirty="0">
-                <a:latin typeface="+mn-ea"/>
-              </a:rPr>
-              <a:t>清掃の</a:t>
-            </a:r>
-            <a:r>
-              <a:rPr lang="ja-JP" altLang="en-US" dirty="0" smtClean="0">
-                <a:latin typeface="+mn-ea"/>
-              </a:rPr>
-              <a:t>状況、</a:t>
-            </a:r>
-            <a:r>
-              <a:rPr lang="ja-JP" altLang="en-US" dirty="0">
-                <a:latin typeface="+mn-ea"/>
-              </a:rPr>
-              <a:t>Q15車両の外観.キズ.洗車</a:t>
-            </a:r>
-            <a:r>
-              <a:rPr lang="ja-JP" altLang="en-US" dirty="0" smtClean="0">
-                <a:latin typeface="+mn-ea"/>
-              </a:rPr>
-              <a:t>など、Q16</a:t>
-            </a:r>
-            <a:r>
-              <a:rPr lang="ja-JP" altLang="en-US" dirty="0">
-                <a:latin typeface="+mn-ea"/>
-              </a:rPr>
-              <a:t>車内の清掃</a:t>
-            </a:r>
-            <a:r>
-              <a:rPr lang="ja-JP" altLang="en-US" dirty="0" smtClean="0">
-                <a:latin typeface="+mn-ea"/>
-              </a:rPr>
-              <a:t>状況、Q18</a:t>
-            </a:r>
-            <a:r>
-              <a:rPr lang="ja-JP" altLang="en-US" dirty="0">
-                <a:latin typeface="+mn-ea"/>
-              </a:rPr>
-              <a:t>車両の総合満足度</a:t>
-            </a:r>
-            <a:r>
-              <a:rPr lang="ja-JP" altLang="en-US" dirty="0" smtClean="0">
-                <a:latin typeface="+mn-ea"/>
-              </a:rPr>
-              <a:t>は、</a:t>
-            </a:r>
-            <a:r>
-              <a:rPr lang="ja-JP" altLang="en-US" dirty="0">
-                <a:latin typeface="+mn-ea"/>
-              </a:rPr>
-              <a:t>顧客タイプによって違いがあまりない</a:t>
-            </a:r>
-            <a:r>
-              <a:rPr lang="ja-JP" altLang="en-US" dirty="0" smtClean="0">
-                <a:latin typeface="+mn-ea"/>
-              </a:rPr>
-              <a:t>。</a:t>
-            </a:r>
-            <a:endParaRPr lang="en-US" altLang="ja-JP" dirty="0" smtClean="0">
-              <a:latin typeface="+mn-ea"/>
-            </a:endParaRPr>
-          </a:p>
-          <a:p>
-            <a:pPr lvl="1">
-              <a:buClr>
-                <a:srgbClr val="C00000"/>
-              </a:buClr>
-            </a:pPr>
-            <a:r>
-              <a:rPr lang="ja-JP" altLang="en-US" dirty="0" smtClean="0">
-                <a:latin typeface="+mn-ea"/>
-              </a:rPr>
-              <a:t>これらの項目は</a:t>
-            </a:r>
-            <a:r>
-              <a:rPr lang="ja-JP" altLang="en-US" dirty="0" smtClean="0">
-                <a:solidFill>
-                  <a:srgbClr val="C00000"/>
-                </a:solidFill>
-                <a:latin typeface="+mn-ea"/>
-              </a:rPr>
-              <a:t>「あたりまえ品質」であり、手を抜いてはいけない</a:t>
-            </a:r>
-            <a:r>
-              <a:rPr lang="ja-JP" altLang="en-US" dirty="0" smtClean="0">
-                <a:latin typeface="+mn-ea"/>
-              </a:rPr>
-              <a:t>。</a:t>
-            </a:r>
-            <a:endParaRPr kumimoji="1" lang="ja-JP" altLang="en-US" dirty="0">
-              <a:latin typeface="+mn-ea"/>
-            </a:endParaRPr>
-          </a:p>
-        </p:txBody>
-      </p:sp>
+      </p:pic>
     </p:spTree>
     <p:extLst>
       <p:ext uri="{BB962C8B-B14F-4D97-AF65-F5344CB8AC3E}">
-        <p14:creationId xmlns:p14="http://schemas.microsoft.com/office/powerpoint/2010/main" val="3015297353"/>
+        <p14:creationId xmlns:p14="http://schemas.microsoft.com/office/powerpoint/2010/main" val="229933645"/>
       </p:ext>
     </p:extLst>
   </p:cSld>
@@ -11917,52 +11841,389 @@
               </a:spcBef>
             </a:pPr>
             <a:r>
-              <a:rPr lang="ja-JP" altLang="en-US" sz="2000" dirty="0">
+              <a:rPr lang="ja-JP" altLang="en-US" sz="2000" dirty="0" smtClean="0">
                 <a:latin typeface="メイリオ" panose="020B0604030504040204" pitchFamily="50" charset="-128"/>
+                <a:ea typeface="メイリオ" panose="020B0604030504040204" pitchFamily="50" charset="-128"/>
                 <a:cs typeface="メイリオ" pitchFamily="50" charset="-128"/>
               </a:rPr>
-              <a:t>５．顧客タイプとアンケート</a:t>
-            </a:r>
-            <a:r>
-              <a:rPr lang="ja-JP" altLang="en-US" sz="2000" dirty="0" smtClean="0">
-                <a:latin typeface="メイリオ" panose="020B0604030504040204" pitchFamily="50" charset="-128"/>
-                <a:cs typeface="メイリオ" pitchFamily="50" charset="-128"/>
-              </a:rPr>
-              <a:t>（結果抜粋）</a:t>
+              <a:t>５．顧客タイプとアンケート（結合分析）</a:t>
             </a:r>
             <a:endParaRPr lang="ja-JP" altLang="en-US" sz="2000" dirty="0">
               <a:latin typeface="メイリオ" panose="020B0604030504040204" pitchFamily="50" charset="-128"/>
+              <a:ea typeface="メイリオ" panose="020B0604030504040204" pitchFamily="50" charset="-128"/>
               <a:cs typeface="メイリオ" pitchFamily="50" charset="-128"/>
             </a:endParaRPr>
           </a:p>
         </p:txBody>
       </p:sp>
-      <p:pic>
-        <p:nvPicPr>
-          <p:cNvPr id="4" name="図 3"/>
-          <p:cNvPicPr/>
+      <p:sp>
+        <p:nvSpPr>
+          <p:cNvPr id="9" name="テキスト ボックス 8"/>
+          <p:cNvSpPr txBox="1"/>
           <p:nvPr/>
-        </p:nvPicPr>
-        <p:blipFill>
-          <a:blip r:embed="rId3" cstate="print"/>
-          <a:stretch>
-            <a:fillRect/>
-          </a:stretch>
-        </p:blipFill>
+        </p:nvSpPr>
         <p:spPr>
           <a:xfrm>
-            <a:off x="774000" y="1036800"/>
-            <a:ext cx="9144000" cy="5486400"/>
+            <a:off x="381000" y="685800"/>
+            <a:ext cx="10124872" cy="5982308"/>
           </a:xfrm>
           <a:prstGeom prst="rect">
             <a:avLst/>
           </a:prstGeom>
+          <a:noFill/>
         </p:spPr>
-      </p:pic>
+        <p:txBody>
+          <a:bodyPr wrap="square" rtlCol="0">
+            <a:noAutofit/>
+          </a:bodyPr>
+          <a:lstStyle/>
+          <a:p>
+            <a:pPr>
+              <a:buClr>
+                <a:srgbClr val="C00000"/>
+              </a:buClr>
+            </a:pPr>
+            <a:r>
+              <a:rPr lang="ja-JP" altLang="en-US" dirty="0" smtClean="0">
+                <a:latin typeface="+mn-ea"/>
+              </a:rPr>
+              <a:t>クラスター分析により</a:t>
+            </a:r>
+            <a:r>
+              <a:rPr lang="en-US" altLang="ja-JP" dirty="0" smtClean="0">
+                <a:latin typeface="+mn-ea"/>
+              </a:rPr>
+              <a:t>6</a:t>
+            </a:r>
+            <a:r>
+              <a:rPr lang="ja-JP" altLang="en-US" dirty="0" err="1" smtClean="0">
+                <a:latin typeface="+mn-ea"/>
+              </a:rPr>
+              <a:t>つに</a:t>
+            </a:r>
+            <a:r>
+              <a:rPr lang="ja-JP" altLang="en-US" dirty="0" smtClean="0">
+                <a:latin typeface="+mn-ea"/>
+              </a:rPr>
+              <a:t>分類した顧客タイプ（一見、</a:t>
+            </a:r>
+            <a:r>
+              <a:rPr lang="ja-JP" altLang="en-US" dirty="0">
+                <a:latin typeface="+mn-ea"/>
+              </a:rPr>
+              <a:t>潜在</a:t>
+            </a:r>
+            <a:r>
+              <a:rPr lang="ja-JP" altLang="en-US" dirty="0" smtClean="0">
+                <a:latin typeface="+mn-ea"/>
+              </a:rPr>
+              <a:t>、休眠、リピート、優良、法人型）によって、アンケートの回答傾向が異なるか調査した。</a:t>
+            </a:r>
+            <a:endParaRPr lang="en-US" altLang="ja-JP" dirty="0" smtClean="0">
+              <a:latin typeface="+mn-ea"/>
+            </a:endParaRPr>
+          </a:p>
+          <a:p>
+            <a:pPr>
+              <a:buClr>
+                <a:srgbClr val="C00000"/>
+              </a:buClr>
+            </a:pPr>
+            <a:endParaRPr lang="en-US" altLang="ja-JP" dirty="0" smtClean="0">
+              <a:latin typeface="+mn-ea"/>
+            </a:endParaRPr>
+          </a:p>
+          <a:p>
+            <a:pPr marL="342900" indent="-342900">
+              <a:buClr>
+                <a:srgbClr val="C00000"/>
+              </a:buClr>
+              <a:buFont typeface="Wingdings" panose="05000000000000000000" pitchFamily="2" charset="2"/>
+              <a:buChar char="n"/>
+            </a:pPr>
+            <a:r>
+              <a:rPr lang="ja-JP" altLang="en-US" dirty="0" smtClean="0">
+                <a:latin typeface="+mn-ea"/>
+              </a:rPr>
+              <a:t>法人型は、他の顧客タイプと比べると、回答4(大変満足)が多く、回答1(大変不満)が少ない。特に、Q2スタッフの身だしなみ、Q4安全運転～、Q5燃料.給油についての説明、Q6クルマ.カーナビの操作説明、Q7ご出発.帰着の誘導などに不満を持つ会員が少ない。</a:t>
+            </a:r>
+            <a:endParaRPr lang="en-US" altLang="ja-JP" dirty="0" smtClean="0">
+              <a:latin typeface="+mn-ea"/>
+            </a:endParaRPr>
+          </a:p>
+          <a:p>
+            <a:pPr lvl="1">
+              <a:buClr>
+                <a:srgbClr val="C00000"/>
+              </a:buClr>
+            </a:pPr>
+            <a:r>
+              <a:rPr lang="ja-JP" altLang="en-US" dirty="0" smtClean="0">
+                <a:latin typeface="+mn-ea"/>
+              </a:rPr>
+              <a:t>こうした顧客へ</a:t>
+            </a:r>
+            <a:r>
+              <a:rPr lang="ja-JP" altLang="en-US" dirty="0" smtClean="0">
+                <a:solidFill>
+                  <a:srgbClr val="C00000"/>
+                </a:solidFill>
+                <a:latin typeface="+mn-ea"/>
+              </a:rPr>
+              <a:t>簡潔な説明をすることで、満足度を落とさずに時間短縮が可能</a:t>
+            </a:r>
+            <a:r>
+              <a:rPr lang="ja-JP" altLang="en-US" dirty="0" smtClean="0">
+                <a:latin typeface="+mn-ea"/>
+              </a:rPr>
+              <a:t>。</a:t>
+            </a:r>
+            <a:endParaRPr lang="en-US" altLang="ja-JP" dirty="0" smtClean="0">
+              <a:latin typeface="+mn-ea"/>
+            </a:endParaRPr>
+          </a:p>
+          <a:p>
+            <a:pPr marL="342900" indent="-342900">
+              <a:buClr>
+                <a:srgbClr val="C00000"/>
+              </a:buClr>
+              <a:buFont typeface="Wingdings" panose="05000000000000000000" pitchFamily="2" charset="2"/>
+              <a:buChar char="n"/>
+            </a:pPr>
+            <a:endParaRPr lang="ja-JP" altLang="en-US" dirty="0" smtClean="0">
+              <a:latin typeface="+mn-ea"/>
+            </a:endParaRPr>
+          </a:p>
+          <a:p>
+            <a:pPr marL="342900" indent="-342900">
+              <a:buClr>
+                <a:srgbClr val="C00000"/>
+              </a:buClr>
+              <a:buFont typeface="Wingdings" panose="05000000000000000000" pitchFamily="2" charset="2"/>
+              <a:buChar char="n"/>
+            </a:pPr>
+            <a:r>
+              <a:rPr lang="ja-JP" altLang="en-US" dirty="0" smtClean="0">
+                <a:latin typeface="+mn-ea"/>
+              </a:rPr>
+              <a:t>潜在、</a:t>
+            </a:r>
+            <a:r>
+              <a:rPr lang="ja-JP" altLang="en-US" dirty="0">
+                <a:latin typeface="+mn-ea"/>
+              </a:rPr>
+              <a:t>一見は、Q3保険.補償の</a:t>
+            </a:r>
+            <a:r>
+              <a:rPr lang="ja-JP" altLang="en-US" dirty="0" smtClean="0">
+                <a:latin typeface="+mn-ea"/>
+              </a:rPr>
+              <a:t>説明、Q4</a:t>
+            </a:r>
+            <a:r>
+              <a:rPr lang="ja-JP" altLang="en-US" dirty="0">
+                <a:latin typeface="+mn-ea"/>
+              </a:rPr>
+              <a:t>安全運転.事故防止</a:t>
+            </a:r>
+            <a:r>
+              <a:rPr lang="ja-JP" altLang="en-US" dirty="0" smtClean="0">
+                <a:latin typeface="+mn-ea"/>
+              </a:rPr>
+              <a:t>アドバイス、Q6</a:t>
+            </a:r>
+            <a:r>
+              <a:rPr lang="ja-JP" altLang="en-US" dirty="0">
+                <a:latin typeface="+mn-ea"/>
+              </a:rPr>
+              <a:t>クルマ.カーナビの操作</a:t>
+            </a:r>
+            <a:r>
+              <a:rPr lang="ja-JP" altLang="en-US" dirty="0" smtClean="0">
+                <a:latin typeface="+mn-ea"/>
+              </a:rPr>
+              <a:t>説明に</a:t>
+            </a:r>
+            <a:r>
+              <a:rPr lang="ja-JP" altLang="en-US" dirty="0">
+                <a:latin typeface="+mn-ea"/>
+              </a:rPr>
+              <a:t>不満を持つ割合が多い</a:t>
+            </a:r>
+            <a:r>
+              <a:rPr lang="ja-JP" altLang="en-US" dirty="0" smtClean="0">
+                <a:latin typeface="+mn-ea"/>
+              </a:rPr>
+              <a:t>。</a:t>
+            </a:r>
+            <a:endParaRPr lang="en-US" altLang="ja-JP" dirty="0" smtClean="0">
+              <a:latin typeface="+mn-ea"/>
+            </a:endParaRPr>
+          </a:p>
+          <a:p>
+            <a:pPr lvl="1">
+              <a:buClr>
+                <a:srgbClr val="C00000"/>
+              </a:buClr>
+            </a:pPr>
+            <a:r>
+              <a:rPr lang="ja-JP" altLang="en-US" dirty="0" smtClean="0">
+                <a:latin typeface="+mn-ea"/>
+              </a:rPr>
+              <a:t>こうした顧客へ</a:t>
+            </a:r>
+            <a:r>
+              <a:rPr lang="ja-JP" altLang="en-US" dirty="0" smtClean="0">
+                <a:solidFill>
+                  <a:srgbClr val="C00000"/>
+                </a:solidFill>
+                <a:latin typeface="+mn-ea"/>
+              </a:rPr>
+              <a:t>わかりやすい説明をすることで、リピーターになってもらえる可能性が高まる</a:t>
+            </a:r>
+            <a:r>
+              <a:rPr lang="ja-JP" altLang="en-US" dirty="0" smtClean="0">
+                <a:latin typeface="+mn-ea"/>
+              </a:rPr>
+              <a:t>のではないか</a:t>
+            </a:r>
+            <a:r>
+              <a:rPr lang="ja-JP" altLang="en-US" dirty="0">
+                <a:latin typeface="+mn-ea"/>
+              </a:rPr>
+              <a:t>。</a:t>
+            </a:r>
+            <a:endParaRPr lang="en-US" altLang="ja-JP" dirty="0" smtClean="0">
+              <a:latin typeface="+mn-ea"/>
+            </a:endParaRPr>
+          </a:p>
+          <a:p>
+            <a:pPr marL="342900" indent="-342900">
+              <a:buClr>
+                <a:srgbClr val="C00000"/>
+              </a:buClr>
+              <a:buFont typeface="Wingdings" panose="05000000000000000000" pitchFamily="2" charset="2"/>
+              <a:buChar char="n"/>
+            </a:pPr>
+            <a:endParaRPr lang="ja-JP" altLang="en-US" dirty="0">
+              <a:latin typeface="+mn-ea"/>
+            </a:endParaRPr>
+          </a:p>
+          <a:p>
+            <a:pPr marL="342900" indent="-342900">
+              <a:buClr>
+                <a:srgbClr val="C00000"/>
+              </a:buClr>
+              <a:buFont typeface="Wingdings" panose="05000000000000000000" pitchFamily="2" charset="2"/>
+              <a:buChar char="n"/>
+            </a:pPr>
+            <a:r>
+              <a:rPr lang="ja-JP" altLang="en-US" dirty="0" smtClean="0">
+                <a:latin typeface="+mn-ea"/>
+              </a:rPr>
+              <a:t>Q12</a:t>
+            </a:r>
+            <a:r>
+              <a:rPr lang="ja-JP" altLang="en-US" dirty="0">
+                <a:latin typeface="+mn-ea"/>
+              </a:rPr>
+              <a:t>清掃の</a:t>
+            </a:r>
+            <a:r>
+              <a:rPr lang="ja-JP" altLang="en-US" dirty="0" smtClean="0">
+                <a:latin typeface="+mn-ea"/>
+              </a:rPr>
+              <a:t>状況、</a:t>
+            </a:r>
+            <a:r>
+              <a:rPr lang="ja-JP" altLang="en-US" dirty="0">
+                <a:latin typeface="+mn-ea"/>
+              </a:rPr>
+              <a:t>Q15車両の外観.キズ.洗車</a:t>
+            </a:r>
+            <a:r>
+              <a:rPr lang="ja-JP" altLang="en-US" dirty="0" smtClean="0">
+                <a:latin typeface="+mn-ea"/>
+              </a:rPr>
+              <a:t>など、Q16</a:t>
+            </a:r>
+            <a:r>
+              <a:rPr lang="ja-JP" altLang="en-US" dirty="0">
+                <a:latin typeface="+mn-ea"/>
+              </a:rPr>
+              <a:t>車内の清掃</a:t>
+            </a:r>
+            <a:r>
+              <a:rPr lang="ja-JP" altLang="en-US" dirty="0" smtClean="0">
+                <a:latin typeface="+mn-ea"/>
+              </a:rPr>
+              <a:t>状況、Q18</a:t>
+            </a:r>
+            <a:r>
+              <a:rPr lang="ja-JP" altLang="en-US" dirty="0">
+                <a:latin typeface="+mn-ea"/>
+              </a:rPr>
+              <a:t>車両の総合満足度</a:t>
+            </a:r>
+            <a:r>
+              <a:rPr lang="ja-JP" altLang="en-US" dirty="0" smtClean="0">
+                <a:latin typeface="+mn-ea"/>
+              </a:rPr>
+              <a:t>は、</a:t>
+            </a:r>
+            <a:r>
+              <a:rPr lang="ja-JP" altLang="en-US" dirty="0">
+                <a:latin typeface="+mn-ea"/>
+              </a:rPr>
+              <a:t>顧客タイプによって違いがあまりない</a:t>
+            </a:r>
+            <a:r>
+              <a:rPr lang="ja-JP" altLang="en-US" dirty="0" smtClean="0">
+                <a:latin typeface="+mn-ea"/>
+              </a:rPr>
+              <a:t>。</a:t>
+            </a:r>
+            <a:endParaRPr lang="en-US" altLang="ja-JP" dirty="0" smtClean="0">
+              <a:latin typeface="+mn-ea"/>
+            </a:endParaRPr>
+          </a:p>
+          <a:p>
+            <a:pPr lvl="1">
+              <a:buClr>
+                <a:srgbClr val="C00000"/>
+              </a:buClr>
+            </a:pPr>
+            <a:r>
+              <a:rPr lang="ja-JP" altLang="en-US" dirty="0" smtClean="0">
+                <a:latin typeface="+mn-ea"/>
+              </a:rPr>
+              <a:t>これらの項目は</a:t>
+            </a:r>
+            <a:r>
+              <a:rPr lang="ja-JP" altLang="en-US" dirty="0" smtClean="0">
+                <a:solidFill>
+                  <a:srgbClr val="C00000"/>
+                </a:solidFill>
+                <a:latin typeface="+mn-ea"/>
+              </a:rPr>
+              <a:t>「あたりまえ品質」であり、手を抜いてはいけない</a:t>
+            </a:r>
+            <a:r>
+              <a:rPr lang="ja-JP" altLang="en-US" dirty="0" smtClean="0">
+                <a:latin typeface="+mn-ea"/>
+              </a:rPr>
+              <a:t>。</a:t>
+            </a:r>
+            <a:endParaRPr kumimoji="1" lang="ja-JP" altLang="en-US" dirty="0">
+              <a:latin typeface="+mn-ea"/>
+            </a:endParaRPr>
+          </a:p>
+        </p:txBody>
+      </p:sp>
     </p:spTree>
     <p:extLst>
       <p:ext uri="{BB962C8B-B14F-4D97-AF65-F5344CB8AC3E}">
-        <p14:creationId xmlns:p14="http://schemas.microsoft.com/office/powerpoint/2010/main" val="3385830983"/>
+        <p14:creationId xmlns:p14="http://schemas.microsoft.com/office/powerpoint/2010/main" val="3015297353"/>
       </p:ext>
     </p:extLst>
   </p:cSld>
@@ -12177,14 +12438,25 @@
                 <a:latin typeface="メイリオ" panose="020B0604030504040204" pitchFamily="50" charset="-128"/>
                 <a:cs typeface="メイリオ" pitchFamily="50" charset="-128"/>
               </a:rPr>
-              <a:t>５．顧客タイプとアンケート（結果抜粋）</a:t>
-            </a:r>
+              <a:t>５．顧客タイプとアンケート</a:t>
+            </a:r>
+            <a:r>
+              <a:rPr lang="ja-JP" altLang="en-US" sz="2000" dirty="0" smtClean="0">
+                <a:latin typeface="メイリオ" panose="020B0604030504040204" pitchFamily="50" charset="-128"/>
+                <a:cs typeface="メイリオ" pitchFamily="50" charset="-128"/>
+              </a:rPr>
+              <a:t>（結果抜粋）</a:t>
+            </a:r>
+            <a:endParaRPr lang="ja-JP" altLang="en-US" sz="2000" dirty="0">
+              <a:latin typeface="メイリオ" panose="020B0604030504040204" pitchFamily="50" charset="-128"/>
+              <a:cs typeface="メイリオ" pitchFamily="50" charset="-128"/>
+            </a:endParaRPr>
           </a:p>
         </p:txBody>
       </p:sp>
       <p:pic>
         <p:nvPicPr>
-          <p:cNvPr id="5" name="図 4"/>
+          <p:cNvPr id="4" name="図 3"/>
           <p:cNvPicPr/>
           <p:nvPr/>
         </p:nvPicPr>
@@ -12196,8 +12468,8 @@
         </p:blipFill>
         <p:spPr>
           <a:xfrm>
-            <a:off x="3086460" y="1236825"/>
-            <a:ext cx="4572000" cy="5486400"/>
+            <a:off x="774000" y="1036800"/>
+            <a:ext cx="9144000" cy="5486400"/>
           </a:xfrm>
           <a:prstGeom prst="rect">
             <a:avLst/>
@@ -12207,7 +12479,7 @@
     </p:spTree>
     <p:extLst>
       <p:ext uri="{BB962C8B-B14F-4D97-AF65-F5344CB8AC3E}">
-        <p14:creationId xmlns:p14="http://schemas.microsoft.com/office/powerpoint/2010/main" val="1248828069"/>
+        <p14:creationId xmlns:p14="http://schemas.microsoft.com/office/powerpoint/2010/main" val="3385830983"/>
       </p:ext>
     </p:extLst>
   </p:cSld>
@@ -12334,13 +12606,13 @@
           <p:nvPr>
             <p:extLst>
               <p:ext uri="{D42A27DB-BD31-4B8C-83A1-F6EECF244321}">
-                <p14:modId xmlns:p14="http://schemas.microsoft.com/office/powerpoint/2010/main" val="1649230738"/>
+                <p14:modId xmlns:p14="http://schemas.microsoft.com/office/powerpoint/2010/main" val="1961544072"/>
               </p:ext>
             </p:extLst>
           </p:nvPr>
         </p:nvGraphicFramePr>
         <p:xfrm>
-          <a:off x="16912" y="1254763"/>
+          <a:off x="78044" y="1254763"/>
           <a:ext cx="10564001" cy="5424314"/>
         </p:xfrm>
         <a:graphic>
@@ -12699,12 +12971,24 @@
                       </a:pPr>
                       <a:r>
                         <a:rPr lang="ja-JP" altLang="en-US" sz="2000" u="none" strike="noStrike" dirty="0">
+                          <a:solidFill>
+                            <a:srgbClr val="FF0000"/>
+                          </a:solidFill>
                           <a:effectLst/>
                           <a:latin typeface="Arial" panose="020B0604020202020204" pitchFamily="34" charset="0"/>
                           <a:ea typeface="メイリオ" panose="020B0604030504040204" pitchFamily="50" charset="-128"/>
                           <a:cs typeface="Arial" panose="020B0604020202020204" pitchFamily="34" charset="0"/>
                         </a:rPr>
-                        <a:t>アンケートデータ分析をもとに</a:t>
+                        <a:t>アンケート</a:t>
+                      </a:r>
+                      <a:r>
+                        <a:rPr lang="ja-JP" altLang="en-US" sz="2000" u="none" strike="noStrike" dirty="0">
+                          <a:effectLst/>
+                          <a:latin typeface="Arial" panose="020B0604020202020204" pitchFamily="34" charset="0"/>
+                          <a:ea typeface="メイリオ" panose="020B0604030504040204" pitchFamily="50" charset="-128"/>
+                          <a:cs typeface="Arial" panose="020B0604020202020204" pitchFamily="34" charset="0"/>
+                        </a:rPr>
+                        <a:t>データ分析をもとに</a:t>
                       </a:r>
                       <a:r>
                         <a:rPr lang="ja-JP" altLang="en-US" sz="2000" u="none" strike="noStrike" dirty="0" smtClean="0">
@@ -13653,8 +13937,8 @@
         </p:blipFill>
         <p:spPr>
           <a:xfrm>
-            <a:off x="774000" y="1036800"/>
-            <a:ext cx="9144000" cy="5486400"/>
+            <a:off x="3086460" y="1236825"/>
+            <a:ext cx="4572000" cy="5486400"/>
           </a:xfrm>
           <a:prstGeom prst="rect">
             <a:avLst/>
@@ -13664,7 +13948,7 @@
     </p:spTree>
     <p:extLst>
       <p:ext uri="{BB962C8B-B14F-4D97-AF65-F5344CB8AC3E}">
-        <p14:creationId xmlns:p14="http://schemas.microsoft.com/office/powerpoint/2010/main" val="3912519665"/>
+        <p14:creationId xmlns:p14="http://schemas.microsoft.com/office/powerpoint/2010/main" val="1248828069"/>
       </p:ext>
     </p:extLst>
   </p:cSld>
@@ -13886,7 +14170,7 @@
       </p:sp>
       <p:pic>
         <p:nvPicPr>
-          <p:cNvPr id="4" name="図 3"/>
+          <p:cNvPr id="5" name="図 4"/>
           <p:cNvPicPr/>
           <p:nvPr/>
         </p:nvPicPr>
@@ -13898,8 +14182,8 @@
         </p:blipFill>
         <p:spPr>
           <a:xfrm>
-            <a:off x="3060000" y="1036800"/>
-            <a:ext cx="4572000" cy="5486400"/>
+            <a:off x="774000" y="1036800"/>
+            <a:ext cx="9144000" cy="5486400"/>
           </a:xfrm>
           <a:prstGeom prst="rect">
             <a:avLst/>
@@ -13909,7 +14193,7 @@
     </p:spTree>
     <p:extLst>
       <p:ext uri="{BB962C8B-B14F-4D97-AF65-F5344CB8AC3E}">
-        <p14:creationId xmlns:p14="http://schemas.microsoft.com/office/powerpoint/2010/main" val="3866951473"/>
+        <p14:creationId xmlns:p14="http://schemas.microsoft.com/office/powerpoint/2010/main" val="3912519665"/>
       </p:ext>
     </p:extLst>
   </p:cSld>
@@ -14120,6 +14404,251 @@
               </a:spcBef>
             </a:pPr>
             <a:r>
+              <a:rPr lang="ja-JP" altLang="en-US" sz="2000" dirty="0">
+                <a:latin typeface="メイリオ" panose="020B0604030504040204" pitchFamily="50" charset="-128"/>
+                <a:cs typeface="メイリオ" pitchFamily="50" charset="-128"/>
+              </a:rPr>
+              <a:t>５．顧客タイプとアンケート（結果抜粋）</a:t>
+            </a:r>
+          </a:p>
+        </p:txBody>
+      </p:sp>
+      <p:pic>
+        <p:nvPicPr>
+          <p:cNvPr id="4" name="図 3"/>
+          <p:cNvPicPr/>
+          <p:nvPr/>
+        </p:nvPicPr>
+        <p:blipFill>
+          <a:blip r:embed="rId3" cstate="print"/>
+          <a:stretch>
+            <a:fillRect/>
+          </a:stretch>
+        </p:blipFill>
+        <p:spPr>
+          <a:xfrm>
+            <a:off x="3060000" y="1036800"/>
+            <a:ext cx="4572000" cy="5486400"/>
+          </a:xfrm>
+          <a:prstGeom prst="rect">
+            <a:avLst/>
+          </a:prstGeom>
+        </p:spPr>
+      </p:pic>
+    </p:spTree>
+    <p:extLst>
+      <p:ext uri="{BB962C8B-B14F-4D97-AF65-F5344CB8AC3E}">
+        <p14:creationId xmlns:p14="http://schemas.microsoft.com/office/powerpoint/2010/main" val="3866951473"/>
+      </p:ext>
+    </p:extLst>
+  </p:cSld>
+  <p:clrMapOvr>
+    <a:masterClrMapping/>
+  </p:clrMapOvr>
+  <p:timing>
+    <p:tnLst>
+      <p:par>
+        <p:cTn id="1" dur="indefinite" restart="never" nodeType="tmRoot"/>
+      </p:par>
+    </p:tnLst>
+  </p:timing>
+</p:sld>
+</file>
+
+<file path=ppt/slides/slide23.xml><?xml version="1.0" encoding="utf-8"?>
+<p:sld xmlns:a="http://schemas.openxmlformats.org/drawingml/2006/main" xmlns:r="http://schemas.openxmlformats.org/officeDocument/2006/relationships" xmlns:p="http://schemas.openxmlformats.org/presentationml/2006/main">
+  <p:cSld>
+    <p:spTree>
+      <p:nvGrpSpPr>
+        <p:cNvPr id="1" name=""/>
+        <p:cNvGrpSpPr/>
+        <p:nvPr/>
+      </p:nvGrpSpPr>
+      <p:grpSpPr>
+        <a:xfrm>
+          <a:off x="0" y="0"/>
+          <a:ext cx="0" cy="0"/>
+          <a:chOff x="0" y="0"/>
+          <a:chExt cx="0" cy="0"/>
+        </a:xfrm>
+      </p:grpSpPr>
+      <p:sp>
+        <p:nvSpPr>
+          <p:cNvPr id="2" name="テキスト プレースホルダー 16"/>
+          <p:cNvSpPr txBox="1">
+            <a:spLocks/>
+          </p:cNvSpPr>
+          <p:nvPr/>
+        </p:nvSpPr>
+        <p:spPr>
+          <a:xfrm>
+            <a:off x="1" y="2"/>
+            <a:ext cx="10744918" cy="469056"/>
+          </a:xfrm>
+          <a:prstGeom prst="rect">
+            <a:avLst/>
+          </a:prstGeom>
+          <a:solidFill>
+            <a:schemeClr val="bg1">
+              <a:lumMod val="85000"/>
+            </a:schemeClr>
+          </a:solidFill>
+          <a:ln>
+            <a:noFill/>
+          </a:ln>
+        </p:spPr>
+        <p:txBody>
+          <a:bodyPr vert="horz" lIns="144000" tIns="36000" rIns="36000" bIns="36000" anchor="ctr"/>
+          <a:lstStyle>
+            <a:lvl1pPr marL="0" indent="0" algn="l" defTabSz="497739" rtl="0" eaLnBrk="1" latinLnBrk="0" hangingPunct="1">
+              <a:lnSpc>
+                <a:spcPct val="140000"/>
+              </a:lnSpc>
+              <a:spcBef>
+                <a:spcPct val="20000"/>
+              </a:spcBef>
+              <a:buFontTx/>
+              <a:buNone/>
+              <a:defRPr kumimoji="1" sz="2500" b="1" kern="1200">
+                <a:solidFill>
+                  <a:schemeClr val="tx1"/>
+                </a:solidFill>
+                <a:latin typeface="Meyrio"/>
+                <a:ea typeface="+mn-ea"/>
+                <a:cs typeface="Meyrio"/>
+              </a:defRPr>
+            </a:lvl1pPr>
+            <a:lvl2pPr marL="808827" indent="-311087" algn="l" defTabSz="497739" rtl="0" eaLnBrk="1" latinLnBrk="0" hangingPunct="1">
+              <a:spcBef>
+                <a:spcPct val="20000"/>
+              </a:spcBef>
+              <a:buFont typeface="Arial"/>
+              <a:buChar char="–"/>
+              <a:defRPr kumimoji="1" sz="3000" kern="1200">
+                <a:solidFill>
+                  <a:schemeClr val="tx1"/>
+                </a:solidFill>
+                <a:latin typeface="Meyrio"/>
+                <a:ea typeface="+mn-ea"/>
+                <a:cs typeface="Meyrio"/>
+              </a:defRPr>
+            </a:lvl2pPr>
+            <a:lvl3pPr marL="1244348" indent="-248870" algn="l" defTabSz="497739" rtl="0" eaLnBrk="1" latinLnBrk="0" hangingPunct="1">
+              <a:spcBef>
+                <a:spcPct val="20000"/>
+              </a:spcBef>
+              <a:buFont typeface="Arial"/>
+              <a:buChar char="•"/>
+              <a:defRPr kumimoji="1" sz="2600" kern="1200">
+                <a:solidFill>
+                  <a:schemeClr val="tx1"/>
+                </a:solidFill>
+                <a:latin typeface="Meyrio"/>
+                <a:ea typeface="+mn-ea"/>
+                <a:cs typeface="Meyrio"/>
+              </a:defRPr>
+            </a:lvl3pPr>
+            <a:lvl4pPr marL="1742088" indent="-248870" algn="l" defTabSz="497739" rtl="0" eaLnBrk="1" latinLnBrk="0" hangingPunct="1">
+              <a:spcBef>
+                <a:spcPct val="20000"/>
+              </a:spcBef>
+              <a:buFont typeface="Arial"/>
+              <a:buChar char="–"/>
+              <a:defRPr kumimoji="1" sz="2200" kern="1200">
+                <a:solidFill>
+                  <a:schemeClr val="tx1"/>
+                </a:solidFill>
+                <a:latin typeface="Meyrio"/>
+                <a:ea typeface="+mn-ea"/>
+                <a:cs typeface="Meyrio"/>
+              </a:defRPr>
+            </a:lvl4pPr>
+            <a:lvl5pPr marL="2239826" indent="-248870" algn="l" defTabSz="497739" rtl="0" eaLnBrk="1" latinLnBrk="0" hangingPunct="1">
+              <a:spcBef>
+                <a:spcPct val="20000"/>
+              </a:spcBef>
+              <a:buFont typeface="Arial"/>
+              <a:buChar char="»"/>
+              <a:defRPr kumimoji="1" sz="2200" kern="1200">
+                <a:solidFill>
+                  <a:schemeClr val="tx1"/>
+                </a:solidFill>
+                <a:latin typeface="Meyrio"/>
+                <a:ea typeface="+mn-ea"/>
+                <a:cs typeface="Meyrio"/>
+              </a:defRPr>
+            </a:lvl5pPr>
+            <a:lvl6pPr marL="2737566" indent="-248870" algn="l" defTabSz="497739" rtl="0" eaLnBrk="1" latinLnBrk="0" hangingPunct="1">
+              <a:spcBef>
+                <a:spcPct val="20000"/>
+              </a:spcBef>
+              <a:buFont typeface="Arial"/>
+              <a:buChar char="•"/>
+              <a:defRPr kumimoji="1" sz="2200" kern="1200">
+                <a:solidFill>
+                  <a:schemeClr val="tx1"/>
+                </a:solidFill>
+                <a:latin typeface="+mn-lt"/>
+                <a:ea typeface="+mn-ea"/>
+                <a:cs typeface="+mn-cs"/>
+              </a:defRPr>
+            </a:lvl6pPr>
+            <a:lvl7pPr marL="3235305" indent="-248870" algn="l" defTabSz="497739" rtl="0" eaLnBrk="1" latinLnBrk="0" hangingPunct="1">
+              <a:spcBef>
+                <a:spcPct val="20000"/>
+              </a:spcBef>
+              <a:buFont typeface="Arial"/>
+              <a:buChar char="•"/>
+              <a:defRPr kumimoji="1" sz="2200" kern="1200">
+                <a:solidFill>
+                  <a:schemeClr val="tx1"/>
+                </a:solidFill>
+                <a:latin typeface="+mn-lt"/>
+                <a:ea typeface="+mn-ea"/>
+                <a:cs typeface="+mn-cs"/>
+              </a:defRPr>
+            </a:lvl7pPr>
+            <a:lvl8pPr marL="3733043" indent="-248870" algn="l" defTabSz="497739" rtl="0" eaLnBrk="1" latinLnBrk="0" hangingPunct="1">
+              <a:spcBef>
+                <a:spcPct val="20000"/>
+              </a:spcBef>
+              <a:buFont typeface="Arial"/>
+              <a:buChar char="•"/>
+              <a:defRPr kumimoji="1" sz="2200" kern="1200">
+                <a:solidFill>
+                  <a:schemeClr val="tx1"/>
+                </a:solidFill>
+                <a:latin typeface="+mn-lt"/>
+                <a:ea typeface="+mn-ea"/>
+                <a:cs typeface="+mn-cs"/>
+              </a:defRPr>
+            </a:lvl8pPr>
+            <a:lvl9pPr marL="4230783" indent="-248870" algn="l" defTabSz="497739" rtl="0" eaLnBrk="1" latinLnBrk="0" hangingPunct="1">
+              <a:spcBef>
+                <a:spcPct val="20000"/>
+              </a:spcBef>
+              <a:buFont typeface="Arial"/>
+              <a:buChar char="•"/>
+              <a:defRPr kumimoji="1" sz="2200" kern="1200">
+                <a:solidFill>
+                  <a:schemeClr val="tx1"/>
+                </a:solidFill>
+                <a:latin typeface="+mn-lt"/>
+                <a:ea typeface="+mn-ea"/>
+                <a:cs typeface="+mn-cs"/>
+              </a:defRPr>
+            </a:lvl9pPr>
+          </a:lstStyle>
+          <a:p>
+            <a:pPr>
+              <a:lnSpc>
+                <a:spcPts val="2600"/>
+              </a:lnSpc>
+              <a:spcBef>
+                <a:spcPts val="0"/>
+              </a:spcBef>
+            </a:pPr>
+            <a:r>
               <a:rPr lang="ja-JP" altLang="en-US" sz="2000" dirty="0" smtClean="0">
                 <a:latin typeface="メイリオ" panose="020B0604030504040204" pitchFamily="50" charset="-128"/>
                 <a:ea typeface="メイリオ" panose="020B0604030504040204" pitchFamily="50" charset="-128"/>
@@ -14263,17 +14792,18 @@
                 <a:latin typeface="メイリオ" panose="020B0604030504040204" pitchFamily="50" charset="-128"/>
                 <a:ea typeface="メイリオ" panose="020B0604030504040204" pitchFamily="50" charset="-128"/>
               </a:rPr>
-              <a:t>開店時間を１時間程度早め、貸渡を行う「開店前貸渡」</a:t>
-            </a:r>
-          </a:p>
-          <a:p>
-            <a:pPr marL="646113" indent="-285750">
-              <a:lnSpc>
-                <a:spcPct val="150000"/>
-              </a:lnSpc>
-              <a:buFont typeface="Wingdings" panose="05000000000000000000" pitchFamily="2" charset="2"/>
-              <a:buChar char="Ø"/>
-            </a:pPr>
+              <a:t>開店時間を１時間程度早め、貸渡を行う「開店前貸渡</a:t>
+            </a:r>
+            <a:r>
+              <a:rPr kumimoji="1" lang="ja-JP" altLang="en-US" sz="1800" dirty="0" smtClean="0">
+                <a:solidFill>
+                  <a:schemeClr val="tx1"/>
+                </a:solidFill>
+                <a:latin typeface="メイリオ" panose="020B0604030504040204" pitchFamily="50" charset="-128"/>
+                <a:ea typeface="メイリオ" panose="020B0604030504040204" pitchFamily="50" charset="-128"/>
+              </a:rPr>
+              <a:t>」</a:t>
+            </a:r>
             <a:endParaRPr kumimoji="1" lang="ja-JP" altLang="en-US" sz="1800" dirty="0" smtClean="0">
               <a:solidFill>
                 <a:schemeClr val="tx1"/>
@@ -14282,142 +14812,55 @@
               <a:ea typeface="メイリオ" panose="020B0604030504040204" pitchFamily="50" charset="-128"/>
             </a:endParaRPr>
           </a:p>
-          <a:p>
-            <a:pPr marL="342900" indent="-342900">
-              <a:lnSpc>
-                <a:spcPct val="150000"/>
-              </a:lnSpc>
-              <a:buFont typeface="+mj-lt"/>
-              <a:buAutoNum type="arabicPeriod" startAt="2"/>
-            </a:pPr>
-            <a:r>
-              <a:rPr kumimoji="1" lang="en-US" altLang="ja-JP" sz="1800" dirty="0" smtClean="0">
-                <a:solidFill>
-                  <a:schemeClr val="tx1"/>
-                </a:solidFill>
-                <a:latin typeface="メイリオ" panose="020B0604030504040204" pitchFamily="50" charset="-128"/>
-                <a:ea typeface="メイリオ" panose="020B0604030504040204" pitchFamily="50" charset="-128"/>
-              </a:rPr>
-              <a:t>NRU</a:t>
-            </a:r>
-            <a:r>
-              <a:rPr kumimoji="1" lang="ja-JP" altLang="en-US" sz="1800" dirty="0" smtClean="0">
-                <a:solidFill>
-                  <a:schemeClr val="tx1"/>
-                </a:solidFill>
-                <a:latin typeface="メイリオ" panose="020B0604030504040204" pitchFamily="50" charset="-128"/>
-                <a:ea typeface="メイリオ" panose="020B0604030504040204" pitchFamily="50" charset="-128"/>
-              </a:rPr>
-              <a:t>神奈川にてレンタカー帰着時、お客様に「</a:t>
-            </a:r>
-            <a:r>
-              <a:rPr kumimoji="1" lang="en-US" altLang="ja-JP" sz="1800" dirty="0" smtClean="0">
-                <a:solidFill>
-                  <a:schemeClr val="tx1"/>
-                </a:solidFill>
-                <a:latin typeface="メイリオ" panose="020B0604030504040204" pitchFamily="50" charset="-128"/>
-                <a:ea typeface="メイリオ" panose="020B0604030504040204" pitchFamily="50" charset="-128"/>
-              </a:rPr>
-              <a:t>”</a:t>
-            </a:r>
-            <a:r>
-              <a:rPr kumimoji="1" lang="ja-JP" altLang="en-US" sz="1800" dirty="0" smtClean="0">
-                <a:solidFill>
-                  <a:schemeClr val="tx1"/>
-                </a:solidFill>
-                <a:latin typeface="メイリオ" panose="020B0604030504040204" pitchFamily="50" charset="-128"/>
-                <a:ea typeface="メイリオ" panose="020B0604030504040204" pitchFamily="50" charset="-128"/>
-              </a:rPr>
-              <a:t>不備の有無“を確認する声掛け」「</a:t>
-            </a:r>
-            <a:r>
-              <a:rPr kumimoji="1" lang="en-US" altLang="ja-JP" sz="1800" dirty="0" smtClean="0">
-                <a:solidFill>
-                  <a:schemeClr val="tx1"/>
-                </a:solidFill>
-                <a:latin typeface="メイリオ" panose="020B0604030504040204" pitchFamily="50" charset="-128"/>
-                <a:ea typeface="メイリオ" panose="020B0604030504040204" pitchFamily="50" charset="-128"/>
-              </a:rPr>
-              <a:t>CS</a:t>
-            </a:r>
-            <a:r>
-              <a:rPr kumimoji="1" lang="ja-JP" altLang="en-US" sz="1800" dirty="0" smtClean="0">
-                <a:solidFill>
-                  <a:schemeClr val="tx1"/>
-                </a:solidFill>
-                <a:latin typeface="メイリオ" panose="020B0604030504040204" pitchFamily="50" charset="-128"/>
-                <a:ea typeface="メイリオ" panose="020B0604030504040204" pitchFamily="50" charset="-128"/>
-              </a:rPr>
-              <a:t>アンケート回答のお願い」を指示。以下をスタッフに浸透させスタッフの接客に対する意識改革を実施</a:t>
-            </a:r>
-            <a:endParaRPr kumimoji="1" lang="en-US" altLang="ja-JP" sz="1800" dirty="0" smtClean="0">
-              <a:solidFill>
-                <a:schemeClr val="tx1"/>
-              </a:solidFill>
-              <a:latin typeface="メイリオ" panose="020B0604030504040204" pitchFamily="50" charset="-128"/>
-              <a:ea typeface="メイリオ" panose="020B0604030504040204" pitchFamily="50" charset="-128"/>
-            </a:endParaRPr>
-          </a:p>
-          <a:p>
-            <a:pPr marL="646113" indent="-285750">
-              <a:lnSpc>
-                <a:spcPct val="150000"/>
-              </a:lnSpc>
-              <a:buFont typeface="Wingdings" panose="05000000000000000000" pitchFamily="2" charset="2"/>
-              <a:buChar char="Ø"/>
-            </a:pPr>
-            <a:r>
-              <a:rPr lang="ja-JP" altLang="en-US" sz="1800" b="1" dirty="0" smtClean="0">
-                <a:solidFill>
-                  <a:srgbClr val="FF0000"/>
-                </a:solidFill>
-                <a:latin typeface="メイリオ" panose="020B0604030504040204" pitchFamily="50" charset="-128"/>
-                <a:ea typeface="メイリオ" panose="020B0604030504040204" pitchFamily="50" charset="-128"/>
-              </a:rPr>
-              <a:t>「声掛け」により、不満よりも多くの感謝・お礼の言葉をいただき営業所スタッフに接客に対する不安を払拭</a:t>
-            </a:r>
-          </a:p>
-          <a:p>
-            <a:pPr marL="646113" indent="-285750">
-              <a:lnSpc>
-                <a:spcPct val="150000"/>
-              </a:lnSpc>
-              <a:buFont typeface="Wingdings" panose="05000000000000000000" pitchFamily="2" charset="2"/>
-              <a:buChar char="Ø"/>
-            </a:pPr>
-            <a:r>
-              <a:rPr kumimoji="1" lang="ja-JP" altLang="en-US" sz="1800" b="1" dirty="0" smtClean="0">
-                <a:solidFill>
-                  <a:srgbClr val="FF0000"/>
-                </a:solidFill>
-                <a:latin typeface="メイリオ" panose="020B0604030504040204" pitchFamily="50" charset="-128"/>
-                <a:ea typeface="メイリオ" panose="020B0604030504040204" pitchFamily="50" charset="-128"/>
-              </a:rPr>
-              <a:t>「</a:t>
-            </a:r>
-            <a:r>
-              <a:rPr kumimoji="1" lang="en-US" altLang="ja-JP" sz="1800" b="1" dirty="0" smtClean="0">
-                <a:solidFill>
-                  <a:srgbClr val="FF0000"/>
-                </a:solidFill>
-                <a:latin typeface="メイリオ" panose="020B0604030504040204" pitchFamily="50" charset="-128"/>
-                <a:ea typeface="メイリオ" panose="020B0604030504040204" pitchFamily="50" charset="-128"/>
-              </a:rPr>
-              <a:t>CS</a:t>
-            </a:r>
-            <a:r>
-              <a:rPr kumimoji="1" lang="ja-JP" altLang="en-US" sz="1800" b="1" dirty="0" smtClean="0">
-                <a:solidFill>
-                  <a:srgbClr val="FF0000"/>
-                </a:solidFill>
-                <a:latin typeface="メイリオ" panose="020B0604030504040204" pitchFamily="50" charset="-128"/>
-                <a:ea typeface="メイリオ" panose="020B0604030504040204" pitchFamily="50" charset="-128"/>
-              </a:rPr>
-              <a:t>アンケート回答のお願い」をするためには、普段から全力で高品質な接客を行う必要性の認識</a:t>
-            </a:r>
-          </a:p>
         </p:txBody>
       </p:sp>
+      <p:pic>
+        <p:nvPicPr>
+          <p:cNvPr id="3" name="図 2"/>
+          <p:cNvPicPr>
+            <a:picLocks noChangeAspect="1"/>
+          </p:cNvPicPr>
+          <p:nvPr/>
+        </p:nvPicPr>
+        <p:blipFill rotWithShape="1">
+          <a:blip r:embed="rId3"/>
+          <a:srcRect l="24276"/>
+          <a:stretch/>
+        </p:blipFill>
+        <p:spPr>
+          <a:xfrm>
+            <a:off x="161925" y="2671862"/>
+            <a:ext cx="6744493" cy="2676425"/>
+          </a:xfrm>
+          <a:prstGeom prst="rect">
+            <a:avLst/>
+          </a:prstGeom>
+        </p:spPr>
+      </p:pic>
+      <p:pic>
+        <p:nvPicPr>
+          <p:cNvPr id="5" name="図 4"/>
+          <p:cNvPicPr>
+            <a:picLocks noChangeAspect="1"/>
+          </p:cNvPicPr>
+          <p:nvPr/>
+        </p:nvPicPr>
+        <p:blipFill>
+          <a:blip r:embed="rId4"/>
+          <a:stretch>
+            <a:fillRect/>
+          </a:stretch>
+        </p:blipFill>
+        <p:spPr>
+          <a:xfrm>
+            <a:off x="7112471" y="2671862"/>
+            <a:ext cx="3200400" cy="3543300"/>
+          </a:xfrm>
+          <a:prstGeom prst="rect">
+            <a:avLst/>
+          </a:prstGeom>
+        </p:spPr>
+      </p:pic>
     </p:spTree>
     <p:extLst>
       <p:ext uri="{BB962C8B-B14F-4D97-AF65-F5344CB8AC3E}">
@@ -14438,7 +14881,474 @@
 </p:sld>
 </file>
 
-<file path=ppt/slides/slide23.xml><?xml version="1.0" encoding="utf-8"?>
+<file path=ppt/slides/slide24.xml><?xml version="1.0" encoding="utf-8"?>
+<p:sld xmlns:a="http://schemas.openxmlformats.org/drawingml/2006/main" xmlns:r="http://schemas.openxmlformats.org/officeDocument/2006/relationships" xmlns:p="http://schemas.openxmlformats.org/presentationml/2006/main">
+  <p:cSld>
+    <p:spTree>
+      <p:nvGrpSpPr>
+        <p:cNvPr id="1" name=""/>
+        <p:cNvGrpSpPr/>
+        <p:nvPr/>
+      </p:nvGrpSpPr>
+      <p:grpSpPr>
+        <a:xfrm>
+          <a:off x="0" y="0"/>
+          <a:ext cx="0" cy="0"/>
+          <a:chOff x="0" y="0"/>
+          <a:chExt cx="0" cy="0"/>
+        </a:xfrm>
+      </p:grpSpPr>
+      <p:sp>
+        <p:nvSpPr>
+          <p:cNvPr id="2" name="テキスト プレースホルダー 16"/>
+          <p:cNvSpPr txBox="1">
+            <a:spLocks/>
+          </p:cNvSpPr>
+          <p:nvPr/>
+        </p:nvSpPr>
+        <p:spPr>
+          <a:xfrm>
+            <a:off x="1" y="2"/>
+            <a:ext cx="10744918" cy="469056"/>
+          </a:xfrm>
+          <a:prstGeom prst="rect">
+            <a:avLst/>
+          </a:prstGeom>
+          <a:solidFill>
+            <a:schemeClr val="bg1">
+              <a:lumMod val="85000"/>
+            </a:schemeClr>
+          </a:solidFill>
+          <a:ln>
+            <a:noFill/>
+          </a:ln>
+        </p:spPr>
+        <p:txBody>
+          <a:bodyPr vert="horz" lIns="144000" tIns="36000" rIns="36000" bIns="36000" anchor="ctr"/>
+          <a:lstStyle>
+            <a:lvl1pPr marL="0" indent="0" algn="l" defTabSz="497739" rtl="0" eaLnBrk="1" latinLnBrk="0" hangingPunct="1">
+              <a:lnSpc>
+                <a:spcPct val="140000"/>
+              </a:lnSpc>
+              <a:spcBef>
+                <a:spcPct val="20000"/>
+              </a:spcBef>
+              <a:buFontTx/>
+              <a:buNone/>
+              <a:defRPr kumimoji="1" sz="2500" b="1" kern="1200">
+                <a:solidFill>
+                  <a:schemeClr val="tx1"/>
+                </a:solidFill>
+                <a:latin typeface="Meyrio"/>
+                <a:ea typeface="+mn-ea"/>
+                <a:cs typeface="Meyrio"/>
+              </a:defRPr>
+            </a:lvl1pPr>
+            <a:lvl2pPr marL="808827" indent="-311087" algn="l" defTabSz="497739" rtl="0" eaLnBrk="1" latinLnBrk="0" hangingPunct="1">
+              <a:spcBef>
+                <a:spcPct val="20000"/>
+              </a:spcBef>
+              <a:buFont typeface="Arial"/>
+              <a:buChar char="–"/>
+              <a:defRPr kumimoji="1" sz="3000" kern="1200">
+                <a:solidFill>
+                  <a:schemeClr val="tx1"/>
+                </a:solidFill>
+                <a:latin typeface="Meyrio"/>
+                <a:ea typeface="+mn-ea"/>
+                <a:cs typeface="Meyrio"/>
+              </a:defRPr>
+            </a:lvl2pPr>
+            <a:lvl3pPr marL="1244348" indent="-248870" algn="l" defTabSz="497739" rtl="0" eaLnBrk="1" latinLnBrk="0" hangingPunct="1">
+              <a:spcBef>
+                <a:spcPct val="20000"/>
+              </a:spcBef>
+              <a:buFont typeface="Arial"/>
+              <a:buChar char="•"/>
+              <a:defRPr kumimoji="1" sz="2600" kern="1200">
+                <a:solidFill>
+                  <a:schemeClr val="tx1"/>
+                </a:solidFill>
+                <a:latin typeface="Meyrio"/>
+                <a:ea typeface="+mn-ea"/>
+                <a:cs typeface="Meyrio"/>
+              </a:defRPr>
+            </a:lvl3pPr>
+            <a:lvl4pPr marL="1742088" indent="-248870" algn="l" defTabSz="497739" rtl="0" eaLnBrk="1" latinLnBrk="0" hangingPunct="1">
+              <a:spcBef>
+                <a:spcPct val="20000"/>
+              </a:spcBef>
+              <a:buFont typeface="Arial"/>
+              <a:buChar char="–"/>
+              <a:defRPr kumimoji="1" sz="2200" kern="1200">
+                <a:solidFill>
+                  <a:schemeClr val="tx1"/>
+                </a:solidFill>
+                <a:latin typeface="Meyrio"/>
+                <a:ea typeface="+mn-ea"/>
+                <a:cs typeface="Meyrio"/>
+              </a:defRPr>
+            </a:lvl4pPr>
+            <a:lvl5pPr marL="2239826" indent="-248870" algn="l" defTabSz="497739" rtl="0" eaLnBrk="1" latinLnBrk="0" hangingPunct="1">
+              <a:spcBef>
+                <a:spcPct val="20000"/>
+              </a:spcBef>
+              <a:buFont typeface="Arial"/>
+              <a:buChar char="»"/>
+              <a:defRPr kumimoji="1" sz="2200" kern="1200">
+                <a:solidFill>
+                  <a:schemeClr val="tx1"/>
+                </a:solidFill>
+                <a:latin typeface="Meyrio"/>
+                <a:ea typeface="+mn-ea"/>
+                <a:cs typeface="Meyrio"/>
+              </a:defRPr>
+            </a:lvl5pPr>
+            <a:lvl6pPr marL="2737566" indent="-248870" algn="l" defTabSz="497739" rtl="0" eaLnBrk="1" latinLnBrk="0" hangingPunct="1">
+              <a:spcBef>
+                <a:spcPct val="20000"/>
+              </a:spcBef>
+              <a:buFont typeface="Arial"/>
+              <a:buChar char="•"/>
+              <a:defRPr kumimoji="1" sz="2200" kern="1200">
+                <a:solidFill>
+                  <a:schemeClr val="tx1"/>
+                </a:solidFill>
+                <a:latin typeface="+mn-lt"/>
+                <a:ea typeface="+mn-ea"/>
+                <a:cs typeface="+mn-cs"/>
+              </a:defRPr>
+            </a:lvl6pPr>
+            <a:lvl7pPr marL="3235305" indent="-248870" algn="l" defTabSz="497739" rtl="0" eaLnBrk="1" latinLnBrk="0" hangingPunct="1">
+              <a:spcBef>
+                <a:spcPct val="20000"/>
+              </a:spcBef>
+              <a:buFont typeface="Arial"/>
+              <a:buChar char="•"/>
+              <a:defRPr kumimoji="1" sz="2200" kern="1200">
+                <a:solidFill>
+                  <a:schemeClr val="tx1"/>
+                </a:solidFill>
+                <a:latin typeface="+mn-lt"/>
+                <a:ea typeface="+mn-ea"/>
+                <a:cs typeface="+mn-cs"/>
+              </a:defRPr>
+            </a:lvl7pPr>
+            <a:lvl8pPr marL="3733043" indent="-248870" algn="l" defTabSz="497739" rtl="0" eaLnBrk="1" latinLnBrk="0" hangingPunct="1">
+              <a:spcBef>
+                <a:spcPct val="20000"/>
+              </a:spcBef>
+              <a:buFont typeface="Arial"/>
+              <a:buChar char="•"/>
+              <a:defRPr kumimoji="1" sz="2200" kern="1200">
+                <a:solidFill>
+                  <a:schemeClr val="tx1"/>
+                </a:solidFill>
+                <a:latin typeface="+mn-lt"/>
+                <a:ea typeface="+mn-ea"/>
+                <a:cs typeface="+mn-cs"/>
+              </a:defRPr>
+            </a:lvl8pPr>
+            <a:lvl9pPr marL="4230783" indent="-248870" algn="l" defTabSz="497739" rtl="0" eaLnBrk="1" latinLnBrk="0" hangingPunct="1">
+              <a:spcBef>
+                <a:spcPct val="20000"/>
+              </a:spcBef>
+              <a:buFont typeface="Arial"/>
+              <a:buChar char="•"/>
+              <a:defRPr kumimoji="1" sz="2200" kern="1200">
+                <a:solidFill>
+                  <a:schemeClr val="tx1"/>
+                </a:solidFill>
+                <a:latin typeface="+mn-lt"/>
+                <a:ea typeface="+mn-ea"/>
+                <a:cs typeface="+mn-cs"/>
+              </a:defRPr>
+            </a:lvl9pPr>
+          </a:lstStyle>
+          <a:p>
+            <a:pPr>
+              <a:lnSpc>
+                <a:spcPts val="2600"/>
+              </a:lnSpc>
+              <a:spcBef>
+                <a:spcPts val="0"/>
+              </a:spcBef>
+            </a:pPr>
+            <a:r>
+              <a:rPr lang="ja-JP" altLang="en-US" sz="2000" dirty="0" smtClean="0">
+                <a:latin typeface="メイリオ" panose="020B0604030504040204" pitchFamily="50" charset="-128"/>
+                <a:ea typeface="メイリオ" panose="020B0604030504040204" pitchFamily="50" charset="-128"/>
+                <a:cs typeface="メイリオ" pitchFamily="50" charset="-128"/>
+              </a:rPr>
+              <a:t>６．</a:t>
+            </a:r>
+            <a:r>
+              <a:rPr lang="ja-JP" altLang="en-US" sz="2000" dirty="0">
+                <a:latin typeface="Arial" panose="020B0604020202020204" pitchFamily="34" charset="0"/>
+                <a:cs typeface="Arial" panose="020B0604020202020204" pitchFamily="34" charset="0"/>
+              </a:rPr>
+              <a:t>顧客満足度の向上</a:t>
+            </a:r>
+            <a:r>
+              <a:rPr lang="ja-JP" altLang="en-US" sz="2000" dirty="0" smtClean="0">
+                <a:latin typeface="メイリオ" panose="020B0604030504040204" pitchFamily="50" charset="-128"/>
+                <a:ea typeface="メイリオ" panose="020B0604030504040204" pitchFamily="50" charset="-128"/>
+                <a:cs typeface="メイリオ" pitchFamily="50" charset="-128"/>
+              </a:rPr>
+              <a:t>（施策）</a:t>
+            </a:r>
+            <a:endParaRPr lang="ja-JP" altLang="en-US" sz="2000" dirty="0">
+              <a:latin typeface="メイリオ" panose="020B0604030504040204" pitchFamily="50" charset="-128"/>
+              <a:ea typeface="メイリオ" panose="020B0604030504040204" pitchFamily="50" charset="-128"/>
+              <a:cs typeface="メイリオ" pitchFamily="50" charset="-128"/>
+            </a:endParaRPr>
+          </a:p>
+        </p:txBody>
+      </p:sp>
+      <p:sp>
+        <p:nvSpPr>
+          <p:cNvPr id="4" name="正方形/長方形 3"/>
+          <p:cNvSpPr/>
+          <p:nvPr/>
+        </p:nvSpPr>
+        <p:spPr>
+          <a:xfrm>
+            <a:off x="53281" y="535634"/>
+            <a:ext cx="10259590" cy="2453703"/>
+          </a:xfrm>
+          <a:prstGeom prst="rect">
+            <a:avLst/>
+          </a:prstGeom>
+          <a:noFill/>
+          <a:ln>
+            <a:solidFill>
+              <a:schemeClr val="bg1"/>
+            </a:solidFill>
+          </a:ln>
+        </p:spPr>
+        <p:style>
+          <a:lnRef idx="2">
+            <a:schemeClr val="accent1">
+              <a:shade val="50000"/>
+            </a:schemeClr>
+          </a:lnRef>
+          <a:fillRef idx="1">
+            <a:schemeClr val="accent1"/>
+          </a:fillRef>
+          <a:effectRef idx="0">
+            <a:schemeClr val="accent1"/>
+          </a:effectRef>
+          <a:fontRef idx="minor">
+            <a:schemeClr val="lt1"/>
+          </a:fontRef>
+        </p:style>
+        <p:txBody>
+          <a:bodyPr rtlCol="0" anchor="t"/>
+          <a:lstStyle/>
+          <a:p>
+            <a:pPr marL="342900" indent="-342900">
+              <a:lnSpc>
+                <a:spcPct val="150000"/>
+              </a:lnSpc>
+              <a:buFont typeface="+mj-lt"/>
+              <a:buAutoNum type="arabicPeriod" startAt="2"/>
+            </a:pPr>
+            <a:r>
+              <a:rPr kumimoji="1" lang="en-US" altLang="ja-JP" sz="1800" dirty="0" smtClean="0">
+                <a:solidFill>
+                  <a:schemeClr val="tx1"/>
+                </a:solidFill>
+                <a:latin typeface="メイリオ" panose="020B0604030504040204" pitchFamily="50" charset="-128"/>
+                <a:ea typeface="メイリオ" panose="020B0604030504040204" pitchFamily="50" charset="-128"/>
+              </a:rPr>
+              <a:t>NRU</a:t>
+            </a:r>
+            <a:r>
+              <a:rPr kumimoji="1" lang="ja-JP" altLang="en-US" sz="1800" dirty="0" smtClean="0">
+                <a:solidFill>
+                  <a:schemeClr val="tx1"/>
+                </a:solidFill>
+                <a:latin typeface="メイリオ" panose="020B0604030504040204" pitchFamily="50" charset="-128"/>
+                <a:ea typeface="メイリオ" panose="020B0604030504040204" pitchFamily="50" charset="-128"/>
+              </a:rPr>
+              <a:t>神奈川にてレンタカー帰着時、お客様に「</a:t>
+            </a:r>
+            <a:r>
+              <a:rPr kumimoji="1" lang="en-US" altLang="ja-JP" sz="1800" dirty="0" smtClean="0">
+                <a:solidFill>
+                  <a:schemeClr val="tx1"/>
+                </a:solidFill>
+                <a:latin typeface="メイリオ" panose="020B0604030504040204" pitchFamily="50" charset="-128"/>
+                <a:ea typeface="メイリオ" panose="020B0604030504040204" pitchFamily="50" charset="-128"/>
+              </a:rPr>
+              <a:t>”</a:t>
+            </a:r>
+            <a:r>
+              <a:rPr kumimoji="1" lang="ja-JP" altLang="en-US" sz="1800" dirty="0" smtClean="0">
+                <a:solidFill>
+                  <a:schemeClr val="tx1"/>
+                </a:solidFill>
+                <a:latin typeface="メイリオ" panose="020B0604030504040204" pitchFamily="50" charset="-128"/>
+                <a:ea typeface="メイリオ" panose="020B0604030504040204" pitchFamily="50" charset="-128"/>
+              </a:rPr>
+              <a:t>不備の有無“を確認する声掛け」「</a:t>
+            </a:r>
+            <a:r>
+              <a:rPr kumimoji="1" lang="en-US" altLang="ja-JP" sz="1800" dirty="0" smtClean="0">
+                <a:solidFill>
+                  <a:schemeClr val="tx1"/>
+                </a:solidFill>
+                <a:latin typeface="メイリオ" panose="020B0604030504040204" pitchFamily="50" charset="-128"/>
+                <a:ea typeface="メイリオ" panose="020B0604030504040204" pitchFamily="50" charset="-128"/>
+              </a:rPr>
+              <a:t>CS</a:t>
+            </a:r>
+            <a:r>
+              <a:rPr kumimoji="1" lang="ja-JP" altLang="en-US" sz="1800" dirty="0" smtClean="0">
+                <a:solidFill>
+                  <a:schemeClr val="tx1"/>
+                </a:solidFill>
+                <a:latin typeface="メイリオ" panose="020B0604030504040204" pitchFamily="50" charset="-128"/>
+                <a:ea typeface="メイリオ" panose="020B0604030504040204" pitchFamily="50" charset="-128"/>
+              </a:rPr>
+              <a:t>アンケート回答のお願い」を指示。以下をスタッフに浸透させスタッフの接客に対する意識改革を実施</a:t>
+            </a:r>
+            <a:endParaRPr kumimoji="1" lang="en-US" altLang="ja-JP" sz="1800" dirty="0" smtClean="0">
+              <a:solidFill>
+                <a:schemeClr val="tx1"/>
+              </a:solidFill>
+              <a:latin typeface="メイリオ" panose="020B0604030504040204" pitchFamily="50" charset="-128"/>
+              <a:ea typeface="メイリオ" panose="020B0604030504040204" pitchFamily="50" charset="-128"/>
+            </a:endParaRPr>
+          </a:p>
+          <a:p>
+            <a:pPr marL="646113" indent="-285750">
+              <a:lnSpc>
+                <a:spcPct val="150000"/>
+              </a:lnSpc>
+              <a:buFont typeface="Wingdings" panose="05000000000000000000" pitchFamily="2" charset="2"/>
+              <a:buChar char="Ø"/>
+            </a:pPr>
+            <a:r>
+              <a:rPr lang="ja-JP" altLang="en-US" sz="1800" b="1" dirty="0" smtClean="0">
+                <a:solidFill>
+                  <a:srgbClr val="FF0000"/>
+                </a:solidFill>
+                <a:latin typeface="メイリオ" panose="020B0604030504040204" pitchFamily="50" charset="-128"/>
+                <a:ea typeface="メイリオ" panose="020B0604030504040204" pitchFamily="50" charset="-128"/>
+              </a:rPr>
+              <a:t>「声掛け」により、不満よりも多くの感謝・お礼の言葉をいただき営業所スタッフに接客に対する不安を払拭</a:t>
+            </a:r>
+          </a:p>
+          <a:p>
+            <a:pPr marL="646113" indent="-285750">
+              <a:lnSpc>
+                <a:spcPct val="150000"/>
+              </a:lnSpc>
+              <a:buFont typeface="Wingdings" panose="05000000000000000000" pitchFamily="2" charset="2"/>
+              <a:buChar char="Ø"/>
+            </a:pPr>
+            <a:r>
+              <a:rPr kumimoji="1" lang="ja-JP" altLang="en-US" sz="1800" b="1" dirty="0" smtClean="0">
+                <a:solidFill>
+                  <a:srgbClr val="FF0000"/>
+                </a:solidFill>
+                <a:latin typeface="メイリオ" panose="020B0604030504040204" pitchFamily="50" charset="-128"/>
+                <a:ea typeface="メイリオ" panose="020B0604030504040204" pitchFamily="50" charset="-128"/>
+              </a:rPr>
+              <a:t>「</a:t>
+            </a:r>
+            <a:r>
+              <a:rPr kumimoji="1" lang="en-US" altLang="ja-JP" sz="1800" b="1" dirty="0" smtClean="0">
+                <a:solidFill>
+                  <a:srgbClr val="FF0000"/>
+                </a:solidFill>
+                <a:latin typeface="メイリオ" panose="020B0604030504040204" pitchFamily="50" charset="-128"/>
+                <a:ea typeface="メイリオ" panose="020B0604030504040204" pitchFamily="50" charset="-128"/>
+              </a:rPr>
+              <a:t>CS</a:t>
+            </a:r>
+            <a:r>
+              <a:rPr kumimoji="1" lang="ja-JP" altLang="en-US" sz="1800" b="1" dirty="0" smtClean="0">
+                <a:solidFill>
+                  <a:srgbClr val="FF0000"/>
+                </a:solidFill>
+                <a:latin typeface="メイリオ" panose="020B0604030504040204" pitchFamily="50" charset="-128"/>
+                <a:ea typeface="メイリオ" panose="020B0604030504040204" pitchFamily="50" charset="-128"/>
+              </a:rPr>
+              <a:t>アンケート回答のお願い」をするためには、普段から全力で高品質な接客を行う必要性の認識</a:t>
+            </a:r>
+          </a:p>
+        </p:txBody>
+      </p:sp>
+      <p:pic>
+        <p:nvPicPr>
+          <p:cNvPr id="3" name="図 2"/>
+          <p:cNvPicPr>
+            <a:picLocks noChangeAspect="1"/>
+          </p:cNvPicPr>
+          <p:nvPr/>
+        </p:nvPicPr>
+        <p:blipFill>
+          <a:blip r:embed="rId3"/>
+          <a:stretch>
+            <a:fillRect/>
+          </a:stretch>
+        </p:blipFill>
+        <p:spPr>
+          <a:xfrm>
+            <a:off x="629444" y="3217838"/>
+            <a:ext cx="2819400" cy="3162300"/>
+          </a:xfrm>
+          <a:prstGeom prst="rect">
+            <a:avLst/>
+          </a:prstGeom>
+        </p:spPr>
+      </p:pic>
+      <p:pic>
+        <p:nvPicPr>
+          <p:cNvPr id="6" name="図 5"/>
+          <p:cNvPicPr>
+            <a:picLocks noChangeAspect="1"/>
+          </p:cNvPicPr>
+          <p:nvPr/>
+        </p:nvPicPr>
+        <p:blipFill rotWithShape="1">
+          <a:blip r:embed="rId4"/>
+          <a:srcRect l="11416" r="8493"/>
+          <a:stretch/>
+        </p:blipFill>
+        <p:spPr>
+          <a:xfrm>
+            <a:off x="3667124" y="2989337"/>
+            <a:ext cx="6743701" cy="3038475"/>
+          </a:xfrm>
+          <a:prstGeom prst="rect">
+            <a:avLst/>
+          </a:prstGeom>
+        </p:spPr>
+      </p:pic>
+    </p:spTree>
+    <p:extLst>
+      <p:ext uri="{BB962C8B-B14F-4D97-AF65-F5344CB8AC3E}">
+        <p14:creationId xmlns:p14="http://schemas.microsoft.com/office/powerpoint/2010/main" val="1326223581"/>
+      </p:ext>
+    </p:extLst>
+  </p:cSld>
+  <p:clrMapOvr>
+    <a:masterClrMapping/>
+  </p:clrMapOvr>
+  <p:timing>
+    <p:tnLst>
+      <p:par>
+        <p:cTn id="1" dur="indefinite" restart="never" nodeType="tmRoot"/>
+      </p:par>
+    </p:tnLst>
+  </p:timing>
+</p:sld>
+</file>
+
+<file path=ppt/slides/slide25.xml><?xml version="1.0" encoding="utf-8"?>
 <p:sld xmlns:a="http://schemas.openxmlformats.org/drawingml/2006/main" xmlns:r="http://schemas.openxmlformats.org/officeDocument/2006/relationships" xmlns:p="http://schemas.openxmlformats.org/presentationml/2006/main">
   <p:cSld>
     <p:spTree>
@@ -14464,13 +15374,13 @@
           <p:nvPr>
             <p:extLst>
               <p:ext uri="{D42A27DB-BD31-4B8C-83A1-F6EECF244321}">
-                <p14:modId xmlns:p14="http://schemas.microsoft.com/office/powerpoint/2010/main" val="789399835"/>
+                <p14:modId xmlns:p14="http://schemas.microsoft.com/office/powerpoint/2010/main" val="1043275864"/>
               </p:ext>
             </p:extLst>
           </p:nvPr>
         </p:nvGraphicFramePr>
         <p:xfrm>
-          <a:off x="519469" y="2286000"/>
+          <a:off x="443268" y="2893641"/>
           <a:ext cx="7376756" cy="3705225"/>
         </p:xfrm>
         <a:graphic>
@@ -14735,7 +15645,7 @@
               <a:buAutoNum type="circleNumDbPlain"/>
             </a:pPr>
             <a:r>
-              <a:rPr lang="ja-JP" altLang="en-US" sz="1200" dirty="0" smtClean="0">
+              <a:rPr lang="ja-JP" altLang="en-US" sz="1400" dirty="0" smtClean="0">
                 <a:solidFill>
                   <a:schemeClr val="tx1"/>
                 </a:solidFill>
@@ -14745,7 +15655,7 @@
               <a:t>長期低迷中の</a:t>
             </a:r>
             <a:r>
-              <a:rPr lang="en-US" altLang="ja-JP" sz="1200" dirty="0" smtClean="0">
+              <a:rPr lang="en-US" altLang="ja-JP" sz="1400" dirty="0" smtClean="0">
                 <a:solidFill>
                   <a:schemeClr val="tx1"/>
                 </a:solidFill>
@@ -14755,7 +15665,7 @@
               <a:t>NRU</a:t>
             </a:r>
             <a:r>
-              <a:rPr lang="ja-JP" altLang="en-US" sz="1200" dirty="0" smtClean="0">
+              <a:rPr lang="ja-JP" altLang="en-US" sz="1400" dirty="0" smtClean="0">
                 <a:solidFill>
                   <a:schemeClr val="tx1"/>
                 </a:solidFill>
@@ -14773,7 +15683,7 @@
               <a:buFont typeface="+mj-ea"/>
               <a:buAutoNum type="circleNumDbPlain"/>
             </a:pPr>
-            <a:endParaRPr lang="ja-JP" altLang="en-US" sz="1200" dirty="0">
+            <a:endParaRPr lang="ja-JP" altLang="en-US" sz="1400" dirty="0">
               <a:solidFill>
                 <a:schemeClr val="tx1"/>
               </a:solidFill>
@@ -14790,7 +15700,7 @@
               <a:buAutoNum type="circleNumDbPlain"/>
             </a:pPr>
             <a:r>
-              <a:rPr lang="ja-JP" altLang="en-US" sz="1200" dirty="0">
+              <a:rPr lang="ja-JP" altLang="en-US" sz="1400" dirty="0">
                 <a:solidFill>
                   <a:schemeClr val="tx1"/>
                 </a:solidFill>
@@ -14800,7 +15710,7 @@
               <a:t>貸</a:t>
             </a:r>
             <a:r>
-              <a:rPr lang="ja-JP" altLang="en-US" sz="1200" dirty="0" smtClean="0">
+              <a:rPr lang="ja-JP" altLang="en-US" sz="1400" dirty="0" smtClean="0">
                 <a:solidFill>
                   <a:schemeClr val="tx1"/>
                 </a:solidFill>
@@ -14818,7 +15728,7 @@
               <a:buFont typeface="+mj-ea"/>
               <a:buAutoNum type="circleNumDbPlain"/>
             </a:pPr>
-            <a:endParaRPr lang="ja-JP" altLang="en-US" sz="1200" dirty="0">
+            <a:endParaRPr lang="ja-JP" altLang="en-US" sz="1400" dirty="0">
               <a:solidFill>
                 <a:schemeClr val="tx1"/>
               </a:solidFill>
@@ -14835,7 +15745,7 @@
               <a:buAutoNum type="circleNumDbPlain"/>
             </a:pPr>
             <a:r>
-              <a:rPr lang="ja-JP" altLang="en-US" sz="1200" dirty="0" smtClean="0">
+              <a:rPr lang="ja-JP" altLang="en-US" sz="1400" dirty="0" smtClean="0">
                 <a:solidFill>
                   <a:schemeClr val="tx1"/>
                 </a:solidFill>
@@ -14845,7 +15755,7 @@
               <a:t>同じ</a:t>
             </a:r>
             <a:r>
-              <a:rPr lang="en-US" altLang="ja-JP" sz="1200" dirty="0" smtClean="0">
+              <a:rPr lang="en-US" altLang="ja-JP" sz="1400" dirty="0" smtClean="0">
                 <a:solidFill>
                   <a:schemeClr val="tx1"/>
                 </a:solidFill>
@@ -14855,7 +15765,7 @@
               <a:t>NRU</a:t>
             </a:r>
             <a:r>
-              <a:rPr lang="ja-JP" altLang="en-US" sz="1200" dirty="0" smtClean="0">
+              <a:rPr lang="ja-JP" altLang="en-US" sz="1400" dirty="0" smtClean="0">
                 <a:solidFill>
                   <a:schemeClr val="tx1"/>
                 </a:solidFill>
@@ -14875,7 +15785,7 @@
         </p:nvSpPr>
         <p:spPr>
           <a:xfrm>
-            <a:off x="6738921" y="2472107"/>
+            <a:off x="6669729" y="3043607"/>
             <a:ext cx="499634" cy="432048"/>
           </a:xfrm>
           <a:prstGeom prst="rect">
@@ -14932,7 +15842,7 @@
         </p:nvSpPr>
         <p:spPr>
           <a:xfrm>
-            <a:off x="7217528" y="2490465"/>
+            <a:off x="7148336" y="3061965"/>
             <a:ext cx="671688" cy="432048"/>
           </a:xfrm>
           <a:prstGeom prst="rect">
@@ -15001,7 +15911,7 @@
 </p:sld>
 </file>
 
-<file path=ppt/slides/slide24.xml><?xml version="1.0" encoding="utf-8"?>
+<file path=ppt/slides/slide26.xml><?xml version="1.0" encoding="utf-8"?>
 <p:sld xmlns:a="http://schemas.openxmlformats.org/drawingml/2006/main" xmlns:r="http://schemas.openxmlformats.org/officeDocument/2006/relationships" xmlns:p="http://schemas.openxmlformats.org/presentationml/2006/main">
   <p:cSld>
     <p:spTree>
@@ -16024,12 +16934,12 @@
                     <a:p>
                       <a:pPr algn="ctr" fontAlgn="ctr"/>
                       <a:r>
-                        <a:rPr lang="ja-JP" altLang="en-US" sz="1400" u="none" strike="noStrike">
+                        <a:rPr lang="ja-JP" altLang="en-US" sz="1400" u="none" strike="noStrike" dirty="0">
                           <a:effectLst/>
                         </a:rPr>
                         <a:t>コメントあり</a:t>
                       </a:r>
-                      <a:endParaRPr lang="ja-JP" altLang="en-US" sz="1400" b="0" i="0" u="none" strike="noStrike">
+                      <a:endParaRPr lang="ja-JP" altLang="en-US" sz="1400" b="0" i="0" u="none" strike="noStrike" dirty="0">
                         <a:solidFill>
                           <a:srgbClr val="000000"/>
                         </a:solidFill>
@@ -16048,12 +16958,12 @@
                     <a:p>
                       <a:pPr algn="ctr" fontAlgn="ctr"/>
                       <a:r>
-                        <a:rPr lang="ja-JP" altLang="en-US" sz="1400" u="none" strike="noStrike">
+                        <a:rPr lang="ja-JP" altLang="en-US" sz="1400" u="none" strike="noStrike" dirty="0">
                           <a:effectLst/>
                         </a:rPr>
                         <a:t>計</a:t>
                       </a:r>
-                      <a:endParaRPr lang="ja-JP" altLang="en-US" sz="1400" b="0" i="0" u="none" strike="noStrike">
+                      <a:endParaRPr lang="ja-JP" altLang="en-US" sz="1400" b="0" i="0" u="none" strike="noStrike" dirty="0">
                         <a:solidFill>
                           <a:srgbClr val="000000"/>
                         </a:solidFill>
@@ -16072,12 +16982,12 @@
                     <a:p>
                       <a:pPr algn="ctr" fontAlgn="ctr"/>
                       <a:r>
-                        <a:rPr lang="ja-JP" altLang="en-US" sz="1400" u="none" strike="noStrike">
+                        <a:rPr lang="ja-JP" altLang="en-US" sz="1400" u="none" strike="noStrike" dirty="0">
                           <a:effectLst/>
                         </a:rPr>
                         <a:t>構成比</a:t>
                       </a:r>
-                      <a:endParaRPr lang="ja-JP" altLang="en-US" sz="1400" b="0" i="0" u="none" strike="noStrike">
+                      <a:endParaRPr lang="ja-JP" altLang="en-US" sz="1400" b="0" i="0" u="none" strike="noStrike" dirty="0">
                         <a:solidFill>
                           <a:srgbClr val="000000"/>
                         </a:solidFill>
@@ -16179,14 +17089,14 @@
                     <a:p>
                       <a:pPr algn="r" fontAlgn="ctr"/>
                       <a:r>
-                        <a:rPr lang="en-US" altLang="ja-JP" sz="1400" u="none" strike="noStrike">
+                        <a:rPr lang="en-US" altLang="ja-JP" sz="1400" u="none" strike="noStrike" dirty="0">
                           <a:effectLst/>
                           <a:latin typeface="+mn-ea"/>
                           <a:ea typeface="+mn-ea"/>
                         </a:rPr>
                         <a:t>104,469</a:t>
                       </a:r>
-                      <a:endParaRPr lang="en-US" altLang="ja-JP" sz="1400" b="0" i="0" u="none" strike="noStrike">
+                      <a:endParaRPr lang="en-US" altLang="ja-JP" sz="1400" b="0" i="0" u="none" strike="noStrike" dirty="0">
                         <a:solidFill>
                           <a:srgbClr val="000000"/>
                         </a:solidFill>
@@ -16205,14 +17115,14 @@
                     <a:p>
                       <a:pPr algn="r" fontAlgn="ctr"/>
                       <a:r>
-                        <a:rPr lang="en-US" altLang="ja-JP" sz="1400" u="none" strike="noStrike">
+                        <a:rPr lang="en-US" altLang="ja-JP" sz="1400" u="none" strike="noStrike" dirty="0">
                           <a:effectLst/>
                           <a:latin typeface="+mn-ea"/>
                           <a:ea typeface="+mn-ea"/>
                         </a:rPr>
                         <a:t>95.02%</a:t>
                       </a:r>
-                      <a:endParaRPr lang="en-US" altLang="ja-JP" sz="1400" b="0" i="0" u="none" strike="noStrike">
+                      <a:endParaRPr lang="en-US" altLang="ja-JP" sz="1400" b="0" i="0" u="none" strike="noStrike" dirty="0">
                         <a:solidFill>
                           <a:srgbClr val="000000"/>
                         </a:solidFill>
@@ -16340,14 +17250,14 @@
                     <a:p>
                       <a:pPr algn="r" fontAlgn="ctr"/>
                       <a:r>
-                        <a:rPr lang="en-US" altLang="ja-JP" sz="1400" u="none" strike="noStrike">
+                        <a:rPr lang="en-US" altLang="ja-JP" sz="1400" u="none" strike="noStrike" dirty="0">
                           <a:effectLst/>
                           <a:latin typeface="+mn-ea"/>
                           <a:ea typeface="+mn-ea"/>
                         </a:rPr>
                         <a:t>4.98%</a:t>
                       </a:r>
-                      <a:endParaRPr lang="en-US" altLang="ja-JP" sz="1400" b="0" i="0" u="none" strike="noStrike">
+                      <a:endParaRPr lang="en-US" altLang="ja-JP" sz="1400" b="0" i="0" u="none" strike="noStrike" dirty="0">
                         <a:solidFill>
                           <a:srgbClr val="000000"/>
                         </a:solidFill>
@@ -16423,14 +17333,14 @@
                     <a:p>
                       <a:pPr algn="r" fontAlgn="ctr"/>
                       <a:r>
-                        <a:rPr lang="en-US" altLang="ja-JP" sz="1400" u="none" strike="noStrike">
+                        <a:rPr lang="en-US" altLang="ja-JP" sz="1400" u="none" strike="noStrike" dirty="0">
                           <a:effectLst/>
                           <a:latin typeface="+mn-ea"/>
                           <a:ea typeface="+mn-ea"/>
                         </a:rPr>
                         <a:t>46,131</a:t>
                       </a:r>
-                      <a:endParaRPr lang="en-US" altLang="ja-JP" sz="1400" b="0" i="0" u="none" strike="noStrike">
+                      <a:endParaRPr lang="en-US" altLang="ja-JP" sz="1400" b="0" i="0" u="none" strike="noStrike" dirty="0">
                         <a:solidFill>
                           <a:srgbClr val="000000"/>
                         </a:solidFill>
@@ -16957,7 +17867,7 @@
                     <a:lstStyle/>
                     <a:p>
                       <a:pPr algn="l" fontAlgn="ctr"/>
-                      <a:endParaRPr lang="ja-JP" altLang="en-US" sz="1100" b="0" i="0" u="none" strike="noStrike">
+                      <a:endParaRPr lang="ja-JP" altLang="en-US" sz="1100" b="0" i="0" u="none" strike="noStrike" dirty="0">
                         <a:solidFill>
                           <a:srgbClr val="000000"/>
                         </a:solidFill>
@@ -17031,7 +17941,7 @@
                     <a:p>
                       <a:pPr algn="ctr" fontAlgn="ctr"/>
                       <a:r>
-                        <a:rPr lang="ja-JP" altLang="en-US" sz="1100" b="0" i="0" u="none" strike="noStrike">
+                        <a:rPr lang="ja-JP" altLang="en-US" sz="1100" b="0" i="0" u="none" strike="noStrike" dirty="0">
                           <a:solidFill>
                             <a:srgbClr val="000000"/>
                           </a:solidFill>
@@ -17064,7 +17974,7 @@
                     <a:lstStyle/>
                     <a:p>
                       <a:pPr algn="ctr" fontAlgn="ctr"/>
-                      <a:endParaRPr lang="ja-JP" altLang="en-US" sz="1100" b="0" i="0" u="none" strike="noStrike">
+                      <a:endParaRPr lang="ja-JP" altLang="en-US" sz="1100" b="0" i="0" u="none" strike="noStrike" dirty="0">
                         <a:solidFill>
                           <a:srgbClr val="000000"/>
                         </a:solidFill>
@@ -17096,7 +18006,7 @@
                     <a:p>
                       <a:pPr algn="ctr" fontAlgn="ctr"/>
                       <a:r>
-                        <a:rPr lang="ja-JP" altLang="en-US" sz="1100" b="0" i="0" u="none" strike="noStrike">
+                        <a:rPr lang="ja-JP" altLang="en-US" sz="1100" b="0" i="0" u="none" strike="noStrike" dirty="0">
                           <a:solidFill>
                             <a:srgbClr val="000000"/>
                           </a:solidFill>
@@ -17129,7 +18039,7 @@
                     <a:lstStyle/>
                     <a:p>
                       <a:pPr algn="ctr" fontAlgn="ctr"/>
-                      <a:endParaRPr lang="ja-JP" altLang="en-US" sz="1100" b="0" i="0" u="none" strike="noStrike">
+                      <a:endParaRPr lang="ja-JP" altLang="en-US" sz="1100" b="0" i="0" u="none" strike="noStrike" dirty="0">
                         <a:solidFill>
                           <a:srgbClr val="000000"/>
                         </a:solidFill>
@@ -17160,7 +18070,7 @@
                     <a:lstStyle/>
                     <a:p>
                       <a:pPr algn="ctr" fontAlgn="ctr"/>
-                      <a:endParaRPr lang="ja-JP" altLang="en-US" sz="1100" b="0" i="0" u="none" strike="noStrike">
+                      <a:endParaRPr lang="ja-JP" altLang="en-US" sz="1100" b="0" i="0" u="none" strike="noStrike" dirty="0">
                         <a:solidFill>
                           <a:srgbClr val="000000"/>
                         </a:solidFill>
@@ -17191,7 +18101,7 @@
                     <a:lstStyle/>
                     <a:p>
                       <a:pPr algn="l" fontAlgn="ctr"/>
-                      <a:endParaRPr lang="ja-JP" altLang="en-US" sz="1100" b="0" i="0" u="none" strike="noStrike">
+                      <a:endParaRPr lang="ja-JP" altLang="en-US" sz="1100" b="0" i="0" u="none" strike="noStrike" dirty="0">
                         <a:solidFill>
                           <a:srgbClr val="000000"/>
                         </a:solidFill>
@@ -17222,7 +18132,7 @@
                     <a:lstStyle/>
                     <a:p>
                       <a:pPr algn="l" fontAlgn="ctr"/>
-                      <a:endParaRPr lang="ja-JP" altLang="en-US" sz="1100" b="0" i="0" u="none" strike="noStrike">
+                      <a:endParaRPr lang="ja-JP" altLang="en-US" sz="1100" b="0" i="0" u="none" strike="noStrike" dirty="0">
                         <a:solidFill>
                           <a:srgbClr val="000000"/>
                         </a:solidFill>
@@ -17253,7 +18163,7 @@
                     <a:lstStyle/>
                     <a:p>
                       <a:pPr algn="l" fontAlgn="ctr"/>
-                      <a:endParaRPr lang="ja-JP" altLang="en-US" sz="1100" b="0" i="0" u="none" strike="noStrike">
+                      <a:endParaRPr lang="ja-JP" altLang="en-US" sz="1100" b="0" i="0" u="none" strike="noStrike" dirty="0">
                         <a:solidFill>
                           <a:srgbClr val="000000"/>
                         </a:solidFill>
@@ -17284,7 +18194,7 @@
                     <a:lstStyle/>
                     <a:p>
                       <a:pPr algn="l" fontAlgn="ctr"/>
-                      <a:endParaRPr lang="ja-JP" altLang="en-US" sz="1100" b="0" i="0" u="none" strike="noStrike">
+                      <a:endParaRPr lang="ja-JP" altLang="en-US" sz="1100" b="0" i="0" u="none" strike="noStrike" dirty="0">
                         <a:solidFill>
                           <a:srgbClr val="000000"/>
                         </a:solidFill>
@@ -17322,7 +18232,7 @@
                     <a:lstStyle/>
                     <a:p>
                       <a:pPr algn="l" fontAlgn="ctr"/>
-                      <a:endParaRPr lang="ja-JP" altLang="en-US" sz="1100" b="0" i="0" u="none" strike="noStrike">
+                      <a:endParaRPr lang="ja-JP" altLang="en-US" sz="1100" b="0" i="0" u="none" strike="noStrike" dirty="0">
                         <a:solidFill>
                           <a:srgbClr val="000000"/>
                         </a:solidFill>
@@ -17359,7 +18269,7 @@
                     <a:lstStyle/>
                     <a:p>
                       <a:pPr algn="l" fontAlgn="ctr"/>
-                      <a:endParaRPr lang="ja-JP" altLang="en-US" sz="1100" b="0" i="0" u="none" strike="noStrike">
+                      <a:endParaRPr lang="ja-JP" altLang="en-US" sz="1100" b="0" i="0" u="none" strike="noStrike" dirty="0">
                         <a:solidFill>
                           <a:srgbClr val="000000"/>
                         </a:solidFill>
@@ -17396,7 +18306,7 @@
                     <a:lstStyle/>
                     <a:p>
                       <a:pPr algn="ctr" fontAlgn="ctr"/>
-                      <a:endParaRPr lang="ja-JP" altLang="en-US" sz="1100" b="0" i="0" u="none" strike="noStrike">
+                      <a:endParaRPr lang="ja-JP" altLang="en-US" sz="1100" b="0" i="0" u="none" strike="noStrike" dirty="0">
                         <a:solidFill>
                           <a:srgbClr val="000000"/>
                         </a:solidFill>
@@ -17433,7 +18343,7 @@
                     <a:lstStyle/>
                     <a:p>
                       <a:pPr algn="ctr" fontAlgn="ctr"/>
-                      <a:endParaRPr lang="ja-JP" altLang="en-US" sz="1100" b="0" i="0" u="none" strike="noStrike">
+                      <a:endParaRPr lang="ja-JP" altLang="en-US" sz="1100" b="0" i="0" u="none" strike="noStrike" dirty="0">
                         <a:solidFill>
                           <a:srgbClr val="000000"/>
                         </a:solidFill>
@@ -17464,7 +18374,7 @@
                     <a:lstStyle/>
                     <a:p>
                       <a:pPr algn="ctr" fontAlgn="ctr"/>
-                      <a:endParaRPr lang="ja-JP" altLang="en-US" sz="1100" b="0" i="0" u="none" strike="noStrike">
+                      <a:endParaRPr lang="ja-JP" altLang="en-US" sz="1100" b="0" i="0" u="none" strike="noStrike" dirty="0">
                         <a:solidFill>
                           <a:srgbClr val="000000"/>
                         </a:solidFill>
@@ -17501,7 +18411,7 @@
                     <a:lstStyle/>
                     <a:p>
                       <a:pPr algn="ctr" fontAlgn="ctr"/>
-                      <a:endParaRPr lang="ja-JP" altLang="en-US" sz="1100" b="0" i="0" u="none" strike="noStrike">
+                      <a:endParaRPr lang="ja-JP" altLang="en-US" sz="1100" b="0" i="0" u="none" strike="noStrike" dirty="0">
                         <a:solidFill>
                           <a:srgbClr val="000000"/>
                         </a:solidFill>
@@ -17532,7 +18442,7 @@
                     <a:lstStyle/>
                     <a:p>
                       <a:pPr algn="ctr" fontAlgn="ctr"/>
-                      <a:endParaRPr lang="ja-JP" altLang="en-US" sz="1100" b="0" i="0" u="none" strike="noStrike">
+                      <a:endParaRPr lang="ja-JP" altLang="en-US" sz="1100" b="0" i="0" u="none" strike="noStrike" dirty="0">
                         <a:solidFill>
                           <a:srgbClr val="000000"/>
                         </a:solidFill>
@@ -17563,7 +18473,7 @@
                     <a:lstStyle/>
                     <a:p>
                       <a:pPr algn="l" fontAlgn="ctr"/>
-                      <a:endParaRPr lang="ja-JP" altLang="en-US" sz="1100" b="0" i="0" u="none" strike="noStrike">
+                      <a:endParaRPr lang="ja-JP" altLang="en-US" sz="1100" b="0" i="0" u="none" strike="noStrike" dirty="0">
                         <a:solidFill>
                           <a:srgbClr val="000000"/>
                         </a:solidFill>
@@ -17594,7 +18504,7 @@
                     <a:lstStyle/>
                     <a:p>
                       <a:pPr algn="l" fontAlgn="ctr"/>
-                      <a:endParaRPr lang="ja-JP" altLang="en-US" sz="1100" b="0" i="0" u="none" strike="noStrike">
+                      <a:endParaRPr lang="ja-JP" altLang="en-US" sz="1100" b="0" i="0" u="none" strike="noStrike" dirty="0">
                         <a:solidFill>
                           <a:srgbClr val="000000"/>
                         </a:solidFill>
@@ -17625,7 +18535,7 @@
                     <a:lstStyle/>
                     <a:p>
                       <a:pPr algn="l" fontAlgn="ctr"/>
-                      <a:endParaRPr lang="ja-JP" altLang="en-US" sz="1100" b="0" i="0" u="none" strike="noStrike">
+                      <a:endParaRPr lang="ja-JP" altLang="en-US" sz="1100" b="0" i="0" u="none" strike="noStrike" dirty="0">
                         <a:solidFill>
                           <a:srgbClr val="000000"/>
                         </a:solidFill>
@@ -17656,7 +18566,7 @@
                     <a:lstStyle/>
                     <a:p>
                       <a:pPr algn="l" fontAlgn="ctr"/>
-                      <a:endParaRPr lang="ja-JP" altLang="en-US" sz="1100" b="0" i="0" u="none" strike="noStrike">
+                      <a:endParaRPr lang="ja-JP" altLang="en-US" sz="1100" b="0" i="0" u="none" strike="noStrike" dirty="0">
                         <a:solidFill>
                           <a:srgbClr val="000000"/>
                         </a:solidFill>
@@ -17695,7 +18605,7 @@
                     <a:p>
                       <a:pPr algn="l" fontAlgn="ctr"/>
                       <a:r>
-                        <a:rPr lang="en-US" sz="1100" b="0" i="0" u="none" strike="noStrike">
+                        <a:rPr lang="en-US" sz="1100" b="0" i="0" u="none" strike="noStrike" dirty="0">
                           <a:solidFill>
                             <a:srgbClr val="000000"/>
                           </a:solidFill>
@@ -17747,7 +18657,7 @@
                     <a:p>
                       <a:pPr algn="l" fontAlgn="ctr"/>
                       <a:r>
-                        <a:rPr lang="ja-JP" altLang="en-US" sz="1100" b="0" i="0" u="none" strike="noStrike">
+                        <a:rPr lang="ja-JP" altLang="en-US" sz="1100" b="0" i="0" u="none" strike="noStrike" dirty="0">
                           <a:solidFill>
                             <a:srgbClr val="000000"/>
                           </a:solidFill>
@@ -17799,7 +18709,7 @@
                     <a:p>
                       <a:pPr algn="ctr" fontAlgn="ctr"/>
                       <a:r>
-                        <a:rPr lang="ja-JP" altLang="en-US" sz="1100" b="0" i="0" u="none" strike="noStrike">
+                        <a:rPr lang="ja-JP" altLang="en-US" sz="1100" b="0" i="0" u="none" strike="noStrike" dirty="0">
                           <a:solidFill>
                             <a:srgbClr val="000000"/>
                           </a:solidFill>
@@ -17857,7 +18767,7 @@
                     <a:p>
                       <a:pPr algn="ctr" fontAlgn="ctr"/>
                       <a:r>
-                        <a:rPr lang="en-US" altLang="ja-JP" sz="1100" b="0" i="0" u="none" strike="noStrike">
+                        <a:rPr lang="en-US" altLang="ja-JP" sz="1100" b="0" i="0" u="none" strike="noStrike" dirty="0">
                           <a:solidFill>
                             <a:srgbClr val="000000"/>
                           </a:solidFill>
@@ -17903,7 +18813,7 @@
                     <a:p>
                       <a:pPr algn="ctr" fontAlgn="ctr"/>
                       <a:r>
-                        <a:rPr lang="ja-JP" altLang="en-US" sz="1100" b="0" i="0" u="none" strike="noStrike">
+                        <a:rPr lang="ja-JP" altLang="en-US" sz="1100" b="0" i="0" u="none" strike="noStrike" dirty="0">
                           <a:solidFill>
                             <a:srgbClr val="000000"/>
                           </a:solidFill>
@@ -17960,7 +18870,7 @@
                     <a:lstStyle/>
                     <a:p>
                       <a:pPr algn="l" fontAlgn="ctr"/>
-                      <a:endParaRPr lang="ja-JP" altLang="en-US" sz="1100" b="0" i="0" u="none" strike="noStrike">
+                      <a:endParaRPr lang="ja-JP" altLang="en-US" sz="1100" b="0" i="0" u="none" strike="noStrike" dirty="0">
                         <a:solidFill>
                           <a:srgbClr val="000000"/>
                         </a:solidFill>
@@ -17997,7 +18907,7 @@
                     <a:lstStyle/>
                     <a:p>
                       <a:pPr algn="ctr" fontAlgn="ctr"/>
-                      <a:endParaRPr lang="ja-JP" altLang="en-US" sz="1100" b="0" i="0" u="none" strike="noStrike">
+                      <a:endParaRPr lang="ja-JP" altLang="en-US" sz="1100" b="0" i="0" u="none" strike="noStrike" dirty="0">
                         <a:solidFill>
                           <a:srgbClr val="000000"/>
                         </a:solidFill>
@@ -18028,7 +18938,7 @@
                     <a:lstStyle/>
                     <a:p>
                       <a:pPr algn="l" fontAlgn="ctr"/>
-                      <a:endParaRPr lang="ja-JP" altLang="en-US" sz="1100" b="0" i="0" u="none" strike="noStrike">
+                      <a:endParaRPr lang="ja-JP" altLang="en-US" sz="1100" b="0" i="0" u="none" strike="noStrike" dirty="0">
                         <a:solidFill>
                           <a:srgbClr val="000000"/>
                         </a:solidFill>
@@ -18059,7 +18969,7 @@
                     <a:lstStyle/>
                     <a:p>
                       <a:pPr algn="l" fontAlgn="ctr"/>
-                      <a:endParaRPr lang="ja-JP" altLang="en-US" sz="1100" b="0" i="0" u="none" strike="noStrike">
+                      <a:endParaRPr lang="ja-JP" altLang="en-US" sz="1100" b="0" i="0" u="none" strike="noStrike" dirty="0">
                         <a:solidFill>
                           <a:srgbClr val="000000"/>
                         </a:solidFill>
@@ -18090,7 +19000,7 @@
                     <a:lstStyle/>
                     <a:p>
                       <a:pPr algn="l" fontAlgn="ctr"/>
-                      <a:endParaRPr lang="ja-JP" altLang="en-US" sz="1100" b="0" i="0" u="none" strike="noStrike">
+                      <a:endParaRPr lang="ja-JP" altLang="en-US" sz="1100" b="0" i="0" u="none" strike="noStrike" dirty="0">
                         <a:solidFill>
                           <a:srgbClr val="000000"/>
                         </a:solidFill>
@@ -18121,7 +19031,7 @@
                     <a:lstStyle/>
                     <a:p>
                       <a:pPr algn="l" fontAlgn="ctr"/>
-                      <a:endParaRPr lang="ja-JP" altLang="en-US" sz="1100" b="0" i="0" u="none" strike="noStrike">
+                      <a:endParaRPr lang="ja-JP" altLang="en-US" sz="1100" b="0" i="0" u="none" strike="noStrike" dirty="0">
                         <a:solidFill>
                           <a:srgbClr val="000000"/>
                         </a:solidFill>
@@ -18160,7 +19070,7 @@
                     <a:p>
                       <a:pPr algn="l" fontAlgn="ctr"/>
                       <a:r>
-                        <a:rPr lang="en-US" sz="1100" b="0" i="0" u="none" strike="noStrike">
+                        <a:rPr lang="en-US" sz="1100" b="0" i="0" u="none" strike="noStrike" dirty="0">
                           <a:solidFill>
                             <a:srgbClr val="000000"/>
                           </a:solidFill>
@@ -18212,7 +19122,7 @@
                     <a:p>
                       <a:pPr algn="l" fontAlgn="ctr"/>
                       <a:r>
-                        <a:rPr lang="ja-JP" altLang="en-US" sz="1100" b="0" i="0" u="none" strike="noStrike">
+                        <a:rPr lang="ja-JP" altLang="en-US" sz="1100" b="0" i="0" u="none" strike="noStrike" dirty="0">
                           <a:solidFill>
                             <a:srgbClr val="000000"/>
                           </a:solidFill>
@@ -18264,7 +19174,7 @@
                     <a:p>
                       <a:pPr algn="ctr" fontAlgn="ctr"/>
                       <a:r>
-                        <a:rPr lang="ja-JP" altLang="en-US" sz="1100" b="0" i="0" u="none" strike="noStrike">
+                        <a:rPr lang="ja-JP" altLang="en-US" sz="1100" b="0" i="0" u="none" strike="noStrike" dirty="0">
                           <a:solidFill>
                             <a:srgbClr val="000000"/>
                           </a:solidFill>
@@ -18322,7 +19232,7 @@
                     <a:p>
                       <a:pPr algn="ctr" fontAlgn="ctr"/>
                       <a:r>
-                        <a:rPr lang="en-US" altLang="ja-JP" sz="1100" b="0" i="0" u="none" strike="noStrike">
+                        <a:rPr lang="en-US" altLang="ja-JP" sz="1100" b="0" i="0" u="none" strike="noStrike" dirty="0">
                           <a:solidFill>
                             <a:srgbClr val="000000"/>
                           </a:solidFill>
@@ -18368,7 +19278,7 @@
                     <a:p>
                       <a:pPr algn="ctr" fontAlgn="ctr"/>
                       <a:r>
-                        <a:rPr lang="ja-JP" altLang="en-US" sz="1100" b="0" i="0" u="none" strike="noStrike">
+                        <a:rPr lang="ja-JP" altLang="en-US" sz="1100" b="0" i="0" u="none" strike="noStrike" dirty="0">
                           <a:solidFill>
                             <a:srgbClr val="000000"/>
                           </a:solidFill>
@@ -18425,7 +19335,7 @@
                     <a:lstStyle/>
                     <a:p>
                       <a:pPr algn="ctr" fontAlgn="ctr"/>
-                      <a:endParaRPr lang="ja-JP" altLang="en-US" sz="1100" b="0" i="0" u="none" strike="noStrike">
+                      <a:endParaRPr lang="ja-JP" altLang="en-US" sz="1100" b="0" i="0" u="none" strike="noStrike" dirty="0">
                         <a:solidFill>
                           <a:srgbClr val="000000"/>
                         </a:solidFill>
@@ -18462,7 +19372,7 @@
                     <a:lstStyle/>
                     <a:p>
                       <a:pPr algn="ctr" fontAlgn="ctr"/>
-                      <a:endParaRPr lang="ja-JP" altLang="en-US" sz="1100" b="0" i="0" u="none" strike="noStrike">
+                      <a:endParaRPr lang="ja-JP" altLang="en-US" sz="1100" b="0" i="0" u="none" strike="noStrike" dirty="0">
                         <a:solidFill>
                           <a:srgbClr val="000000"/>
                         </a:solidFill>
@@ -18493,7 +19403,7 @@
                     <a:lstStyle/>
                     <a:p>
                       <a:pPr algn="l" fontAlgn="ctr"/>
-                      <a:endParaRPr lang="ja-JP" altLang="en-US" sz="1100" b="0" i="0" u="none" strike="noStrike">
+                      <a:endParaRPr lang="ja-JP" altLang="en-US" sz="1100" b="0" i="0" u="none" strike="noStrike" dirty="0">
                         <a:solidFill>
                           <a:srgbClr val="000000"/>
                         </a:solidFill>
@@ -18524,7 +19434,7 @@
                     <a:lstStyle/>
                     <a:p>
                       <a:pPr algn="l" fontAlgn="ctr"/>
-                      <a:endParaRPr lang="ja-JP" altLang="en-US" sz="1100" b="0" i="0" u="none" strike="noStrike">
+                      <a:endParaRPr lang="ja-JP" altLang="en-US" sz="1100" b="0" i="0" u="none" strike="noStrike" dirty="0">
                         <a:solidFill>
                           <a:srgbClr val="000000"/>
                         </a:solidFill>
@@ -18555,7 +19465,7 @@
                     <a:lstStyle/>
                     <a:p>
                       <a:pPr algn="l" fontAlgn="ctr"/>
-                      <a:endParaRPr lang="ja-JP" altLang="en-US" sz="1100" b="0" i="0" u="none" strike="noStrike">
+                      <a:endParaRPr lang="ja-JP" altLang="en-US" sz="1100" b="0" i="0" u="none" strike="noStrike" dirty="0">
                         <a:solidFill>
                           <a:srgbClr val="000000"/>
                         </a:solidFill>
@@ -18586,7 +19496,7 @@
                     <a:lstStyle/>
                     <a:p>
                       <a:pPr algn="l" fontAlgn="ctr"/>
-                      <a:endParaRPr lang="ja-JP" altLang="en-US" sz="1100" b="0" i="0" u="none" strike="noStrike">
+                      <a:endParaRPr lang="ja-JP" altLang="en-US" sz="1100" b="0" i="0" u="none" strike="noStrike" dirty="0">
                         <a:solidFill>
                           <a:srgbClr val="000000"/>
                         </a:solidFill>
@@ -18625,7 +19535,7 @@
                     <a:p>
                       <a:pPr algn="l" fontAlgn="ctr"/>
                       <a:r>
-                        <a:rPr lang="en-US" sz="1100" b="0" i="0" u="none" strike="noStrike">
+                        <a:rPr lang="en-US" sz="1100" b="0" i="0" u="none" strike="noStrike" dirty="0">
                           <a:solidFill>
                             <a:srgbClr val="000000"/>
                           </a:solidFill>
@@ -18677,7 +19587,7 @@
                     <a:p>
                       <a:pPr algn="l" fontAlgn="ctr"/>
                       <a:r>
-                        <a:rPr lang="ja-JP" altLang="en-US" sz="1100" b="0" i="0" u="none" strike="noStrike">
+                        <a:rPr lang="ja-JP" altLang="en-US" sz="1100" b="0" i="0" u="none" strike="noStrike" dirty="0">
                           <a:solidFill>
                             <a:srgbClr val="000000"/>
                           </a:solidFill>
@@ -18729,7 +19639,7 @@
                     <a:p>
                       <a:pPr algn="ctr" fontAlgn="ctr"/>
                       <a:r>
-                        <a:rPr lang="ja-JP" altLang="en-US" sz="1100" b="0" i="0" u="none" strike="noStrike">
+                        <a:rPr lang="ja-JP" altLang="en-US" sz="1100" b="0" i="0" u="none" strike="noStrike" dirty="0">
                           <a:solidFill>
                             <a:srgbClr val="000000"/>
                           </a:solidFill>
@@ -18787,7 +19697,7 @@
                     <a:p>
                       <a:pPr algn="ctr" fontAlgn="ctr"/>
                       <a:r>
-                        <a:rPr lang="en-US" altLang="ja-JP" sz="1100" b="0" i="0" u="none" strike="noStrike">
+                        <a:rPr lang="en-US" altLang="ja-JP" sz="1100" b="0" i="0" u="none" strike="noStrike" dirty="0">
                           <a:solidFill>
                             <a:srgbClr val="000000"/>
                           </a:solidFill>
@@ -18833,7 +19743,7 @@
                     <a:p>
                       <a:pPr algn="ctr" fontAlgn="ctr"/>
                       <a:r>
-                        <a:rPr lang="ja-JP" altLang="en-US" sz="1100" b="0" i="0" u="none" strike="noStrike">
+                        <a:rPr lang="ja-JP" altLang="en-US" sz="1100" b="0" i="0" u="none" strike="noStrike" dirty="0">
                           <a:solidFill>
                             <a:srgbClr val="000000"/>
                           </a:solidFill>
@@ -18890,7 +19800,7 @@
                     <a:lstStyle/>
                     <a:p>
                       <a:pPr algn="ctr" fontAlgn="ctr"/>
-                      <a:endParaRPr lang="ja-JP" altLang="en-US" sz="1100" b="0" i="0" u="none" strike="noStrike">
+                      <a:endParaRPr lang="ja-JP" altLang="en-US" sz="1100" b="0" i="0" u="none" strike="noStrike" dirty="0">
                         <a:solidFill>
                           <a:srgbClr val="000000"/>
                         </a:solidFill>
@@ -18927,7 +19837,7 @@
                     <a:lstStyle/>
                     <a:p>
                       <a:pPr algn="ctr" fontAlgn="ctr"/>
-                      <a:endParaRPr lang="ja-JP" altLang="en-US" sz="1100" b="0" i="0" u="none" strike="noStrike">
+                      <a:endParaRPr lang="ja-JP" altLang="en-US" sz="1100" b="0" i="0" u="none" strike="noStrike" dirty="0">
                         <a:solidFill>
                           <a:srgbClr val="000000"/>
                         </a:solidFill>
@@ -18958,7 +19868,7 @@
                     <a:lstStyle/>
                     <a:p>
                       <a:pPr algn="l" fontAlgn="ctr"/>
-                      <a:endParaRPr lang="ja-JP" altLang="en-US" sz="1100" b="0" i="0" u="none" strike="noStrike">
+                      <a:endParaRPr lang="ja-JP" altLang="en-US" sz="1100" b="0" i="0" u="none" strike="noStrike" dirty="0">
                         <a:solidFill>
                           <a:srgbClr val="000000"/>
                         </a:solidFill>
@@ -18989,7 +19899,7 @@
                     <a:lstStyle/>
                     <a:p>
                       <a:pPr algn="l" fontAlgn="ctr"/>
-                      <a:endParaRPr lang="ja-JP" altLang="en-US" sz="1100" b="0" i="0" u="none" strike="noStrike">
+                      <a:endParaRPr lang="ja-JP" altLang="en-US" sz="1100" b="0" i="0" u="none" strike="noStrike" dirty="0">
                         <a:solidFill>
                           <a:srgbClr val="000000"/>
                         </a:solidFill>
@@ -19020,7 +19930,7 @@
                     <a:lstStyle/>
                     <a:p>
                       <a:pPr algn="l" fontAlgn="ctr"/>
-                      <a:endParaRPr lang="ja-JP" altLang="en-US" sz="1100" b="0" i="0" u="none" strike="noStrike">
+                      <a:endParaRPr lang="ja-JP" altLang="en-US" sz="1100" b="0" i="0" u="none" strike="noStrike" dirty="0">
                         <a:solidFill>
                           <a:srgbClr val="000000"/>
                         </a:solidFill>
@@ -19051,7 +19961,7 @@
                     <a:lstStyle/>
                     <a:p>
                       <a:pPr algn="l" fontAlgn="ctr"/>
-                      <a:endParaRPr lang="ja-JP" altLang="en-US" sz="1100" b="0" i="0" u="none" strike="noStrike">
+                      <a:endParaRPr lang="ja-JP" altLang="en-US" sz="1100" b="0" i="0" u="none" strike="noStrike" dirty="0">
                         <a:solidFill>
                           <a:srgbClr val="000000"/>
                         </a:solidFill>
@@ -19090,7 +20000,7 @@
                     <a:p>
                       <a:pPr algn="l" fontAlgn="ctr"/>
                       <a:r>
-                        <a:rPr lang="en-US" sz="1100" b="0" i="0" u="none" strike="noStrike">
+                        <a:rPr lang="en-US" sz="1100" b="0" i="0" u="none" strike="noStrike" dirty="0">
                           <a:solidFill>
                             <a:srgbClr val="000000"/>
                           </a:solidFill>
@@ -19142,7 +20052,7 @@
                     <a:p>
                       <a:pPr algn="l" fontAlgn="ctr"/>
                       <a:r>
-                        <a:rPr lang="ja-JP" altLang="en-US" sz="1100" b="0" i="0" u="none" strike="noStrike">
+                        <a:rPr lang="ja-JP" altLang="en-US" sz="1100" b="0" i="0" u="none" strike="noStrike" dirty="0">
                           <a:solidFill>
                             <a:srgbClr val="000000"/>
                           </a:solidFill>
@@ -19194,7 +20104,7 @@
                     <a:p>
                       <a:pPr algn="ctr" fontAlgn="ctr"/>
                       <a:r>
-                        <a:rPr lang="ja-JP" altLang="en-US" sz="1100" b="0" i="0" u="none" strike="noStrike">
+                        <a:rPr lang="ja-JP" altLang="en-US" sz="1100" b="0" i="0" u="none" strike="noStrike" dirty="0">
                           <a:solidFill>
                             <a:srgbClr val="000000"/>
                           </a:solidFill>
@@ -19252,7 +20162,7 @@
                     <a:p>
                       <a:pPr algn="ctr" fontAlgn="ctr"/>
                       <a:r>
-                        <a:rPr lang="en-US" altLang="ja-JP" sz="1100" b="0" i="0" u="none" strike="noStrike">
+                        <a:rPr lang="en-US" altLang="ja-JP" sz="1100" b="0" i="0" u="none" strike="noStrike" dirty="0">
                           <a:solidFill>
                             <a:srgbClr val="000000"/>
                           </a:solidFill>
@@ -19298,7 +20208,7 @@
                     <a:p>
                       <a:pPr algn="ctr" fontAlgn="ctr"/>
                       <a:r>
-                        <a:rPr lang="ja-JP" altLang="en-US" sz="1100" b="0" i="0" u="none" strike="noStrike">
+                        <a:rPr lang="ja-JP" altLang="en-US" sz="1100" b="0" i="0" u="none" strike="noStrike" dirty="0">
                           <a:solidFill>
                             <a:srgbClr val="000000"/>
                           </a:solidFill>
@@ -19355,7 +20265,7 @@
                     <a:lstStyle/>
                     <a:p>
                       <a:pPr algn="ctr" fontAlgn="ctr"/>
-                      <a:endParaRPr lang="ja-JP" altLang="en-US" sz="1100" b="0" i="0" u="none" strike="noStrike">
+                      <a:endParaRPr lang="ja-JP" altLang="en-US" sz="1100" b="0" i="0" u="none" strike="noStrike" dirty="0">
                         <a:solidFill>
                           <a:srgbClr val="000000"/>
                         </a:solidFill>
@@ -19392,7 +20302,7 @@
                     <a:lstStyle/>
                     <a:p>
                       <a:pPr algn="ctr" fontAlgn="ctr"/>
-                      <a:endParaRPr lang="ja-JP" altLang="en-US" sz="1100" b="0" i="0" u="none" strike="noStrike">
+                      <a:endParaRPr lang="ja-JP" altLang="en-US" sz="1100" b="0" i="0" u="none" strike="noStrike" dirty="0">
                         <a:solidFill>
                           <a:srgbClr val="000000"/>
                         </a:solidFill>
@@ -19423,7 +20333,7 @@
                     <a:lstStyle/>
                     <a:p>
                       <a:pPr algn="l" fontAlgn="ctr"/>
-                      <a:endParaRPr lang="ja-JP" altLang="en-US" sz="1100" b="0" i="0" u="none" strike="noStrike">
+                      <a:endParaRPr lang="ja-JP" altLang="en-US" sz="1100" b="0" i="0" u="none" strike="noStrike" dirty="0">
                         <a:solidFill>
                           <a:srgbClr val="000000"/>
                         </a:solidFill>
@@ -19454,7 +20364,7 @@
                     <a:lstStyle/>
                     <a:p>
                       <a:pPr algn="l" fontAlgn="ctr"/>
-                      <a:endParaRPr lang="ja-JP" altLang="en-US" sz="1100" b="0" i="0" u="none" strike="noStrike">
+                      <a:endParaRPr lang="ja-JP" altLang="en-US" sz="1100" b="0" i="0" u="none" strike="noStrike" dirty="0">
                         <a:solidFill>
                           <a:srgbClr val="000000"/>
                         </a:solidFill>
@@ -19485,7 +20395,7 @@
                     <a:lstStyle/>
                     <a:p>
                       <a:pPr algn="l" fontAlgn="ctr"/>
-                      <a:endParaRPr lang="ja-JP" altLang="en-US" sz="1100" b="0" i="0" u="none" strike="noStrike">
+                      <a:endParaRPr lang="ja-JP" altLang="en-US" sz="1100" b="0" i="0" u="none" strike="noStrike" dirty="0">
                         <a:solidFill>
                           <a:srgbClr val="000000"/>
                         </a:solidFill>
@@ -19516,7 +20426,7 @@
                     <a:lstStyle/>
                     <a:p>
                       <a:pPr algn="l" fontAlgn="ctr"/>
-                      <a:endParaRPr lang="ja-JP" altLang="en-US" sz="1100" b="0" i="0" u="none" strike="noStrike">
+                      <a:endParaRPr lang="ja-JP" altLang="en-US" sz="1100" b="0" i="0" u="none" strike="noStrike" dirty="0">
                         <a:solidFill>
                           <a:srgbClr val="000000"/>
                         </a:solidFill>
@@ -19555,7 +20465,7 @@
                     <a:p>
                       <a:pPr algn="l" fontAlgn="ctr"/>
                       <a:r>
-                        <a:rPr lang="en-US" sz="1100" b="0" i="0" u="none" strike="noStrike">
+                        <a:rPr lang="en-US" sz="1100" b="0" i="0" u="none" strike="noStrike" dirty="0">
                           <a:solidFill>
                             <a:srgbClr val="000000"/>
                           </a:solidFill>
@@ -19607,7 +20517,7 @@
                     <a:p>
                       <a:pPr algn="l" fontAlgn="ctr"/>
                       <a:r>
-                        <a:rPr lang="ja-JP" altLang="en-US" sz="1100" b="0" i="0" u="none" strike="noStrike">
+                        <a:rPr lang="ja-JP" altLang="en-US" sz="1100" b="0" i="0" u="none" strike="noStrike" dirty="0">
                           <a:solidFill>
                             <a:srgbClr val="000000"/>
                           </a:solidFill>
@@ -19659,7 +20569,7 @@
                     <a:p>
                       <a:pPr algn="ctr" fontAlgn="ctr"/>
                       <a:r>
-                        <a:rPr lang="en-US" altLang="ja-JP" sz="1100" b="0" i="0" u="none" strike="noStrike">
+                        <a:rPr lang="en-US" altLang="ja-JP" sz="1100" b="0" i="0" u="none" strike="noStrike" dirty="0">
                           <a:solidFill>
                             <a:srgbClr val="000000"/>
                           </a:solidFill>
@@ -19717,7 +20627,7 @@
                     <a:p>
                       <a:pPr algn="ctr" fontAlgn="ctr"/>
                       <a:r>
-                        <a:rPr lang="en-US" altLang="ja-JP" sz="1100" b="0" i="0" u="none" strike="noStrike">
+                        <a:rPr lang="en-US" altLang="ja-JP" sz="1100" b="0" i="0" u="none" strike="noStrike" dirty="0">
                           <a:solidFill>
                             <a:srgbClr val="000000"/>
                           </a:solidFill>
@@ -19763,7 +20673,7 @@
                     <a:p>
                       <a:pPr algn="ctr" fontAlgn="ctr"/>
                       <a:r>
-                        <a:rPr lang="ja-JP" altLang="en-US" sz="1100" b="0" i="0" u="none" strike="noStrike">
+                        <a:rPr lang="ja-JP" altLang="en-US" sz="1100" b="0" i="0" u="none" strike="noStrike" dirty="0">
                           <a:solidFill>
                             <a:srgbClr val="000000"/>
                           </a:solidFill>
@@ -19820,7 +20730,7 @@
                     <a:lstStyle/>
                     <a:p>
                       <a:pPr algn="ctr" fontAlgn="ctr"/>
-                      <a:endParaRPr lang="ja-JP" altLang="en-US" sz="1100" b="0" i="0" u="none" strike="noStrike">
+                      <a:endParaRPr lang="ja-JP" altLang="en-US" sz="1100" b="0" i="0" u="none" strike="noStrike" dirty="0">
                         <a:solidFill>
                           <a:srgbClr val="000000"/>
                         </a:solidFill>
@@ -19857,7 +20767,7 @@
                     <a:lstStyle/>
                     <a:p>
                       <a:pPr algn="ctr" fontAlgn="ctr"/>
-                      <a:endParaRPr lang="ja-JP" altLang="en-US" sz="1100" b="0" i="0" u="none" strike="noStrike">
+                      <a:endParaRPr lang="ja-JP" altLang="en-US" sz="1100" b="0" i="0" u="none" strike="noStrike" dirty="0">
                         <a:solidFill>
                           <a:srgbClr val="000000"/>
                         </a:solidFill>
@@ -19888,7 +20798,7 @@
                     <a:lstStyle/>
                     <a:p>
                       <a:pPr algn="l" fontAlgn="ctr"/>
-                      <a:endParaRPr lang="ja-JP" altLang="en-US" sz="1100" b="0" i="0" u="none" strike="noStrike">
+                      <a:endParaRPr lang="ja-JP" altLang="en-US" sz="1100" b="0" i="0" u="none" strike="noStrike" dirty="0">
                         <a:solidFill>
                           <a:srgbClr val="000000"/>
                         </a:solidFill>
@@ -19919,7 +20829,7 @@
                     <a:lstStyle/>
                     <a:p>
                       <a:pPr algn="l" fontAlgn="ctr"/>
-                      <a:endParaRPr lang="ja-JP" altLang="en-US" sz="1100" b="0" i="0" u="none" strike="noStrike">
+                      <a:endParaRPr lang="ja-JP" altLang="en-US" sz="1100" b="0" i="0" u="none" strike="noStrike" dirty="0">
                         <a:solidFill>
                           <a:srgbClr val="000000"/>
                         </a:solidFill>
@@ -19950,7 +20860,7 @@
                     <a:lstStyle/>
                     <a:p>
                       <a:pPr algn="l" fontAlgn="ctr"/>
-                      <a:endParaRPr lang="ja-JP" altLang="en-US" sz="1100" b="0" i="0" u="none" strike="noStrike">
+                      <a:endParaRPr lang="ja-JP" altLang="en-US" sz="1100" b="0" i="0" u="none" strike="noStrike" dirty="0">
                         <a:solidFill>
                           <a:srgbClr val="000000"/>
                         </a:solidFill>
@@ -19981,7 +20891,7 @@
                     <a:lstStyle/>
                     <a:p>
                       <a:pPr algn="l" fontAlgn="ctr"/>
-                      <a:endParaRPr lang="ja-JP" altLang="en-US" sz="1100" b="0" i="0" u="none" strike="noStrike">
+                      <a:endParaRPr lang="ja-JP" altLang="en-US" sz="1100" b="0" i="0" u="none" strike="noStrike" dirty="0">
                         <a:solidFill>
                           <a:srgbClr val="000000"/>
                         </a:solidFill>
@@ -20020,7 +20930,7 @@
                     <a:p>
                       <a:pPr algn="l" fontAlgn="ctr"/>
                       <a:r>
-                        <a:rPr lang="en-US" sz="1100" b="0" i="0" u="none" strike="noStrike">
+                        <a:rPr lang="en-US" sz="1100" b="0" i="0" u="none" strike="noStrike" dirty="0">
                           <a:solidFill>
                             <a:srgbClr val="000000"/>
                           </a:solidFill>
@@ -20072,7 +20982,7 @@
                     <a:p>
                       <a:pPr algn="l" fontAlgn="ctr"/>
                       <a:r>
-                        <a:rPr lang="ja-JP" altLang="en-US" sz="1100" b="0" i="0" u="none" strike="noStrike">
+                        <a:rPr lang="ja-JP" altLang="en-US" sz="1100" b="0" i="0" u="none" strike="noStrike" dirty="0">
                           <a:solidFill>
                             <a:srgbClr val="000000"/>
                           </a:solidFill>
@@ -20124,7 +21034,7 @@
                     <a:p>
                       <a:pPr algn="ctr" fontAlgn="ctr"/>
                       <a:r>
-                        <a:rPr lang="ja-JP" altLang="en-US" sz="1100" b="0" i="0" u="none" strike="noStrike">
+                        <a:rPr lang="ja-JP" altLang="en-US" sz="1100" b="0" i="0" u="none" strike="noStrike" dirty="0">
                           <a:solidFill>
                             <a:srgbClr val="000000"/>
                           </a:solidFill>
@@ -20182,7 +21092,7 @@
                     <a:p>
                       <a:pPr algn="ctr" fontAlgn="ctr"/>
                       <a:r>
-                        <a:rPr lang="en-US" altLang="ja-JP" sz="1100" b="0" i="0" u="none" strike="noStrike">
+                        <a:rPr lang="en-US" altLang="ja-JP" sz="1100" b="0" i="0" u="none" strike="noStrike" dirty="0">
                           <a:solidFill>
                             <a:srgbClr val="000000"/>
                           </a:solidFill>
@@ -20228,7 +21138,7 @@
                     <a:p>
                       <a:pPr algn="ctr" fontAlgn="ctr"/>
                       <a:r>
-                        <a:rPr lang="ja-JP" altLang="en-US" sz="1100" b="0" i="0" u="none" strike="noStrike">
+                        <a:rPr lang="ja-JP" altLang="en-US" sz="1100" b="0" i="0" u="none" strike="noStrike" dirty="0">
                           <a:solidFill>
                             <a:srgbClr val="000000"/>
                           </a:solidFill>
@@ -20285,7 +21195,7 @@
                     <a:lstStyle/>
                     <a:p>
                       <a:pPr algn="ctr" fontAlgn="ctr"/>
-                      <a:endParaRPr lang="ja-JP" altLang="en-US" sz="1100" b="0" i="0" u="none" strike="noStrike">
+                      <a:endParaRPr lang="ja-JP" altLang="en-US" sz="1100" b="0" i="0" u="none" strike="noStrike" dirty="0">
                         <a:solidFill>
                           <a:srgbClr val="000000"/>
                         </a:solidFill>
@@ -20322,7 +21232,7 @@
                     <a:lstStyle/>
                     <a:p>
                       <a:pPr algn="ctr" fontAlgn="ctr"/>
-                      <a:endParaRPr lang="ja-JP" altLang="en-US" sz="1100" b="0" i="0" u="none" strike="noStrike">
+                      <a:endParaRPr lang="ja-JP" altLang="en-US" sz="1100" b="0" i="0" u="none" strike="noStrike" dirty="0">
                         <a:solidFill>
                           <a:srgbClr val="000000"/>
                         </a:solidFill>
@@ -20353,7 +21263,7 @@
                     <a:lstStyle/>
                     <a:p>
                       <a:pPr algn="l" fontAlgn="ctr"/>
-                      <a:endParaRPr lang="ja-JP" altLang="en-US" sz="1100" b="0" i="0" u="none" strike="noStrike">
+                      <a:endParaRPr lang="ja-JP" altLang="en-US" sz="1100" b="0" i="0" u="none" strike="noStrike" dirty="0">
                         <a:solidFill>
                           <a:srgbClr val="000000"/>
                         </a:solidFill>
@@ -20384,7 +21294,7 @@
                     <a:lstStyle/>
                     <a:p>
                       <a:pPr algn="l" fontAlgn="ctr"/>
-                      <a:endParaRPr lang="ja-JP" altLang="en-US" sz="1100" b="0" i="0" u="none" strike="noStrike">
+                      <a:endParaRPr lang="ja-JP" altLang="en-US" sz="1100" b="0" i="0" u="none" strike="noStrike" dirty="0">
                         <a:solidFill>
                           <a:srgbClr val="000000"/>
                         </a:solidFill>
@@ -20415,7 +21325,7 @@
                     <a:lstStyle/>
                     <a:p>
                       <a:pPr algn="l" fontAlgn="ctr"/>
-                      <a:endParaRPr lang="ja-JP" altLang="en-US" sz="1100" b="0" i="0" u="none" strike="noStrike">
+                      <a:endParaRPr lang="ja-JP" altLang="en-US" sz="1100" b="0" i="0" u="none" strike="noStrike" dirty="0">
                         <a:solidFill>
                           <a:srgbClr val="000000"/>
                         </a:solidFill>
@@ -20446,7 +21356,7 @@
                     <a:lstStyle/>
                     <a:p>
                       <a:pPr algn="l" fontAlgn="ctr"/>
-                      <a:endParaRPr lang="ja-JP" altLang="en-US" sz="1100" b="0" i="0" u="none" strike="noStrike">
+                      <a:endParaRPr lang="ja-JP" altLang="en-US" sz="1100" b="0" i="0" u="none" strike="noStrike" dirty="0">
                         <a:solidFill>
                           <a:srgbClr val="000000"/>
                         </a:solidFill>
@@ -20485,7 +21395,7 @@
                     <a:p>
                       <a:pPr algn="l" fontAlgn="ctr"/>
                       <a:r>
-                        <a:rPr lang="en-US" sz="1100" b="0" i="0" u="none" strike="noStrike">
+                        <a:rPr lang="en-US" sz="1100" b="0" i="0" u="none" strike="noStrike" dirty="0">
                           <a:solidFill>
                             <a:srgbClr val="000000"/>
                           </a:solidFill>
@@ -20537,7 +21447,7 @@
                     <a:p>
                       <a:pPr algn="l" fontAlgn="ctr"/>
                       <a:r>
-                        <a:rPr lang="ja-JP" altLang="en-US" sz="1100" b="0" i="0" u="none" strike="noStrike">
+                        <a:rPr lang="ja-JP" altLang="en-US" sz="1100" b="0" i="0" u="none" strike="noStrike" dirty="0">
                           <a:solidFill>
                             <a:srgbClr val="000000"/>
                           </a:solidFill>
@@ -20589,7 +21499,7 @@
                     <a:p>
                       <a:pPr algn="ctr" fontAlgn="ctr"/>
                       <a:r>
-                        <a:rPr lang="ja-JP" altLang="en-US" sz="1100" b="0" i="0" u="none" strike="noStrike">
+                        <a:rPr lang="ja-JP" altLang="en-US" sz="1100" b="0" i="0" u="none" strike="noStrike" dirty="0">
                           <a:solidFill>
                             <a:srgbClr val="000000"/>
                           </a:solidFill>
@@ -20647,7 +21557,7 @@
                     <a:p>
                       <a:pPr algn="ctr" fontAlgn="ctr"/>
                       <a:r>
-                        <a:rPr lang="en-US" altLang="ja-JP" sz="1100" b="0" i="0" u="none" strike="noStrike">
+                        <a:rPr lang="en-US" altLang="ja-JP" sz="1100" b="0" i="0" u="none" strike="noStrike" dirty="0">
                           <a:solidFill>
                             <a:srgbClr val="000000"/>
                           </a:solidFill>
@@ -20693,7 +21603,7 @@
                     <a:p>
                       <a:pPr algn="ctr" fontAlgn="ctr"/>
                       <a:r>
-                        <a:rPr lang="ja-JP" altLang="en-US" sz="1100" b="0" i="0" u="none" strike="noStrike">
+                        <a:rPr lang="ja-JP" altLang="en-US" sz="1100" b="0" i="0" u="none" strike="noStrike" dirty="0">
                           <a:solidFill>
                             <a:srgbClr val="000000"/>
                           </a:solidFill>
@@ -20750,7 +21660,7 @@
                     <a:lstStyle/>
                     <a:p>
                       <a:pPr algn="ctr" fontAlgn="ctr"/>
-                      <a:endParaRPr lang="ja-JP" altLang="en-US" sz="1100" b="0" i="0" u="none" strike="noStrike">
+                      <a:endParaRPr lang="ja-JP" altLang="en-US" sz="1100" b="0" i="0" u="none" strike="noStrike" dirty="0">
                         <a:solidFill>
                           <a:srgbClr val="000000"/>
                         </a:solidFill>
@@ -20787,7 +21697,7 @@
                     <a:lstStyle/>
                     <a:p>
                       <a:pPr algn="ctr" fontAlgn="ctr"/>
-                      <a:endParaRPr lang="ja-JP" altLang="en-US" sz="1100" b="0" i="0" u="none" strike="noStrike">
+                      <a:endParaRPr lang="ja-JP" altLang="en-US" sz="1100" b="0" i="0" u="none" strike="noStrike" dirty="0">
                         <a:solidFill>
                           <a:srgbClr val="000000"/>
                         </a:solidFill>
@@ -20818,7 +21728,7 @@
                     <a:lstStyle/>
                     <a:p>
                       <a:pPr algn="l" fontAlgn="ctr"/>
-                      <a:endParaRPr lang="ja-JP" altLang="en-US" sz="1100" b="0" i="0" u="none" strike="noStrike">
+                      <a:endParaRPr lang="ja-JP" altLang="en-US" sz="1100" b="0" i="0" u="none" strike="noStrike" dirty="0">
                         <a:solidFill>
                           <a:srgbClr val="000000"/>
                         </a:solidFill>
@@ -20849,7 +21759,7 @@
                     <a:lstStyle/>
                     <a:p>
                       <a:pPr algn="l" fontAlgn="ctr"/>
-                      <a:endParaRPr lang="ja-JP" altLang="en-US" sz="1100" b="0" i="0" u="none" strike="noStrike">
+                      <a:endParaRPr lang="ja-JP" altLang="en-US" sz="1100" b="0" i="0" u="none" strike="noStrike" dirty="0">
                         <a:solidFill>
                           <a:srgbClr val="000000"/>
                         </a:solidFill>
@@ -20880,7 +21790,7 @@
                     <a:lstStyle/>
                     <a:p>
                       <a:pPr algn="l" fontAlgn="ctr"/>
-                      <a:endParaRPr lang="ja-JP" altLang="en-US" sz="1100" b="0" i="0" u="none" strike="noStrike">
+                      <a:endParaRPr lang="ja-JP" altLang="en-US" sz="1100" b="0" i="0" u="none" strike="noStrike" dirty="0">
                         <a:solidFill>
                           <a:srgbClr val="000000"/>
                         </a:solidFill>
@@ -20911,7 +21821,7 @@
                     <a:lstStyle/>
                     <a:p>
                       <a:pPr algn="l" fontAlgn="ctr"/>
-                      <a:endParaRPr lang="ja-JP" altLang="en-US" sz="1100" b="0" i="0" u="none" strike="noStrike">
+                      <a:endParaRPr lang="ja-JP" altLang="en-US" sz="1100" b="0" i="0" u="none" strike="noStrike" dirty="0">
                         <a:solidFill>
                           <a:srgbClr val="000000"/>
                         </a:solidFill>
@@ -20950,7 +21860,7 @@
                     <a:p>
                       <a:pPr algn="l" fontAlgn="ctr"/>
                       <a:r>
-                        <a:rPr lang="en-US" sz="1100" b="0" i="0" u="none" strike="noStrike">
+                        <a:rPr lang="en-US" sz="1100" b="0" i="0" u="none" strike="noStrike" dirty="0">
                           <a:solidFill>
                             <a:srgbClr val="000000"/>
                           </a:solidFill>
@@ -21054,7 +21964,7 @@
                     <a:p>
                       <a:pPr algn="ctr" fontAlgn="ctr"/>
                       <a:r>
-                        <a:rPr lang="ja-JP" altLang="en-US" sz="1100" b="0" i="0" u="none" strike="noStrike">
+                        <a:rPr lang="ja-JP" altLang="en-US" sz="1100" b="0" i="0" u="none" strike="noStrike" dirty="0">
                           <a:solidFill>
                             <a:srgbClr val="000000"/>
                           </a:solidFill>
@@ -21112,7 +22022,7 @@
                     <a:p>
                       <a:pPr algn="ctr" fontAlgn="ctr"/>
                       <a:r>
-                        <a:rPr lang="en-US" altLang="ja-JP" sz="1100" b="0" i="0" u="none" strike="noStrike">
+                        <a:rPr lang="en-US" altLang="ja-JP" sz="1100" b="0" i="0" u="none" strike="noStrike" dirty="0">
                           <a:solidFill>
                             <a:srgbClr val="000000"/>
                           </a:solidFill>
@@ -21158,7 +22068,7 @@
                     <a:p>
                       <a:pPr algn="ctr" fontAlgn="ctr"/>
                       <a:r>
-                        <a:rPr lang="ja-JP" altLang="en-US" sz="1100" b="0" i="0" u="none" strike="noStrike">
+                        <a:rPr lang="ja-JP" altLang="en-US" sz="1100" b="0" i="0" u="none" strike="noStrike" dirty="0">
                           <a:solidFill>
                             <a:srgbClr val="000000"/>
                           </a:solidFill>
@@ -21215,7 +22125,7 @@
                     <a:lstStyle/>
                     <a:p>
                       <a:pPr algn="ctr" fontAlgn="ctr"/>
-                      <a:endParaRPr lang="ja-JP" altLang="en-US" sz="1100" b="0" i="0" u="none" strike="noStrike">
+                      <a:endParaRPr lang="ja-JP" altLang="en-US" sz="1100" b="0" i="0" u="none" strike="noStrike" dirty="0">
                         <a:solidFill>
                           <a:srgbClr val="000000"/>
                         </a:solidFill>
@@ -21252,100 +22162,7 @@
                     <a:lstStyle/>
                     <a:p>
                       <a:pPr algn="ctr" fontAlgn="ctr"/>
-                      <a:endParaRPr lang="ja-JP" altLang="en-US" sz="1100" b="0" i="0" u="none" strike="noStrike">
-                        <a:solidFill>
-                          <a:srgbClr val="000000"/>
-                        </a:solidFill>
-                        <a:effectLst/>
-                        <a:latin typeface="メイリオ" panose="020B0604030504040204" pitchFamily="50" charset="-128"/>
-                        <a:ea typeface="メイリオ" panose="020B0604030504040204" pitchFamily="50" charset="-128"/>
-                      </a:endParaRPr>
-                    </a:p>
-                  </a:txBody>
-                  <a:tcPr marL="0" marR="0" marT="0" marB="0" anchor="ctr">
-                    <a:lnL>
-                      <a:noFill/>
-                    </a:lnL>
-                    <a:lnR>
-                      <a:noFill/>
-                    </a:lnR>
-                    <a:lnT>
-                      <a:noFill/>
-                    </a:lnT>
-                    <a:lnB>
-                      <a:noFill/>
-                    </a:lnB>
-                  </a:tcPr>
-                </a:tc>
-                <a:tc>
-                  <a:txBody>
-                    <a:bodyPr/>
-                    <a:lstStyle/>
-                    <a:p>
-                      <a:pPr algn="l" fontAlgn="ctr"/>
-                      <a:endParaRPr lang="ja-JP" altLang="en-US" sz="1100" b="0" i="0" u="none" strike="noStrike">
-                        <a:solidFill>
-                          <a:srgbClr val="000000"/>
-                        </a:solidFill>
-                        <a:effectLst/>
-                        <a:latin typeface="メイリオ" panose="020B0604030504040204" pitchFamily="50" charset="-128"/>
-                        <a:ea typeface="メイリオ" panose="020B0604030504040204" pitchFamily="50" charset="-128"/>
-                      </a:endParaRPr>
-                    </a:p>
-                  </a:txBody>
-                  <a:tcPr marL="0" marR="0" marT="0" marB="0" anchor="ctr">
-                    <a:lnL>
-                      <a:noFill/>
-                    </a:lnL>
-                    <a:lnR>
-                      <a:noFill/>
-                    </a:lnR>
-                    <a:lnT>
-                      <a:noFill/>
-                    </a:lnT>
-                    <a:lnB>
-                      <a:noFill/>
-                    </a:lnB>
-                  </a:tcPr>
-                </a:tc>
-                <a:tc>
-                  <a:txBody>
-                    <a:bodyPr/>
-                    <a:lstStyle/>
-                    <a:p>
-                      <a:pPr algn="l" fontAlgn="ctr"/>
-                      <a:endParaRPr lang="ja-JP" altLang="en-US" sz="1100" b="0" i="0" u="none" strike="noStrike">
-                        <a:solidFill>
-                          <a:srgbClr val="000000"/>
-                        </a:solidFill>
-                        <a:effectLst/>
-                        <a:latin typeface="メイリオ" panose="020B0604030504040204" pitchFamily="50" charset="-128"/>
-                        <a:ea typeface="メイリオ" panose="020B0604030504040204" pitchFamily="50" charset="-128"/>
-                      </a:endParaRPr>
-                    </a:p>
-                  </a:txBody>
-                  <a:tcPr marL="0" marR="0" marT="0" marB="0" anchor="ctr">
-                    <a:lnL>
-                      <a:noFill/>
-                    </a:lnL>
-                    <a:lnR>
-                      <a:noFill/>
-                    </a:lnR>
-                    <a:lnT>
-                      <a:noFill/>
-                    </a:lnT>
-                    <a:lnB>
-                      <a:noFill/>
-                    </a:lnB>
-                  </a:tcPr>
-                </a:tc>
-                <a:tc>
-                  <a:txBody>
-                    <a:bodyPr/>
-                    <a:lstStyle/>
-                    <a:p>
-                      <a:pPr algn="l" fontAlgn="ctr"/>
-                      <a:endParaRPr lang="ja-JP" altLang="en-US" sz="1100" b="0" i="0" u="none" strike="noStrike">
+                      <a:endParaRPr lang="ja-JP" altLang="en-US" sz="1100" b="0" i="0" u="none" strike="noStrike" dirty="0">
                         <a:solidFill>
                           <a:srgbClr val="000000"/>
                         </a:solidFill>
@@ -21401,6 +22218,99 @@
                     </a:lnB>
                   </a:tcPr>
                 </a:tc>
+                <a:tc>
+                  <a:txBody>
+                    <a:bodyPr/>
+                    <a:lstStyle/>
+                    <a:p>
+                      <a:pPr algn="l" fontAlgn="ctr"/>
+                      <a:endParaRPr lang="ja-JP" altLang="en-US" sz="1100" b="0" i="0" u="none" strike="noStrike" dirty="0">
+                        <a:solidFill>
+                          <a:srgbClr val="000000"/>
+                        </a:solidFill>
+                        <a:effectLst/>
+                        <a:latin typeface="メイリオ" panose="020B0604030504040204" pitchFamily="50" charset="-128"/>
+                        <a:ea typeface="メイリオ" panose="020B0604030504040204" pitchFamily="50" charset="-128"/>
+                      </a:endParaRPr>
+                    </a:p>
+                  </a:txBody>
+                  <a:tcPr marL="0" marR="0" marT="0" marB="0" anchor="ctr">
+                    <a:lnL>
+                      <a:noFill/>
+                    </a:lnL>
+                    <a:lnR>
+                      <a:noFill/>
+                    </a:lnR>
+                    <a:lnT>
+                      <a:noFill/>
+                    </a:lnT>
+                    <a:lnB>
+                      <a:noFill/>
+                    </a:lnB>
+                  </a:tcPr>
+                </a:tc>
+                <a:tc>
+                  <a:txBody>
+                    <a:bodyPr/>
+                    <a:lstStyle/>
+                    <a:p>
+                      <a:pPr algn="l" fontAlgn="ctr"/>
+                      <a:endParaRPr lang="ja-JP" altLang="en-US" sz="1100" b="0" i="0" u="none" strike="noStrike" dirty="0">
+                        <a:solidFill>
+                          <a:srgbClr val="000000"/>
+                        </a:solidFill>
+                        <a:effectLst/>
+                        <a:latin typeface="メイリオ" panose="020B0604030504040204" pitchFamily="50" charset="-128"/>
+                        <a:ea typeface="メイリオ" panose="020B0604030504040204" pitchFamily="50" charset="-128"/>
+                      </a:endParaRPr>
+                    </a:p>
+                  </a:txBody>
+                  <a:tcPr marL="0" marR="0" marT="0" marB="0" anchor="ctr">
+                    <a:lnL>
+                      <a:noFill/>
+                    </a:lnL>
+                    <a:lnR>
+                      <a:noFill/>
+                    </a:lnR>
+                    <a:lnT>
+                      <a:noFill/>
+                    </a:lnT>
+                    <a:lnB>
+                      <a:noFill/>
+                    </a:lnB>
+                  </a:tcPr>
+                </a:tc>
+                <a:tc>
+                  <a:txBody>
+                    <a:bodyPr/>
+                    <a:lstStyle/>
+                    <a:p>
+                      <a:pPr algn="l" fontAlgn="ctr"/>
+                      <a:endParaRPr lang="ja-JP" altLang="en-US" sz="1100" b="0" i="0" u="none" strike="noStrike" dirty="0">
+                        <a:solidFill>
+                          <a:srgbClr val="000000"/>
+                        </a:solidFill>
+                        <a:effectLst/>
+                        <a:latin typeface="メイリオ" panose="020B0604030504040204" pitchFamily="50" charset="-128"/>
+                        <a:ea typeface="メイリオ" panose="020B0604030504040204" pitchFamily="50" charset="-128"/>
+                      </a:endParaRPr>
+                    </a:p>
+                  </a:txBody>
+                  <a:tcPr marL="0" marR="0" marT="0" marB="0" anchor="ctr">
+                    <a:lnL>
+                      <a:noFill/>
+                    </a:lnL>
+                    <a:lnR>
+                      <a:noFill/>
+                    </a:lnR>
+                    <a:lnT>
+                      <a:noFill/>
+                    </a:lnT>
+                    <a:lnB>
+                      <a:noFill/>
+                    </a:lnB>
+                  </a:tcPr>
+                </a:tc>
                 <a:extLst>
                   <a:ext uri="{0D108BD9-81ED-4DB2-BD59-A6C34878D82A}">
                     <a16:rowId xmlns:a16="http://schemas.microsoft.com/office/drawing/2014/main" val="3679256706"/>
@@ -21415,7 +22325,7 @@
                     <a:p>
                       <a:pPr algn="l" fontAlgn="ctr"/>
                       <a:r>
-                        <a:rPr lang="en-US" sz="1100" b="0" i="0" u="none" strike="noStrike">
+                        <a:rPr lang="en-US" sz="1100" b="0" i="0" u="none" strike="noStrike" dirty="0">
                           <a:solidFill>
                             <a:srgbClr val="000000"/>
                           </a:solidFill>
@@ -21467,7 +22377,7 @@
                     <a:p>
                       <a:pPr algn="l" fontAlgn="ctr"/>
                       <a:r>
-                        <a:rPr lang="ja-JP" altLang="en-US" sz="1100" b="0" i="0" u="none" strike="noStrike">
+                        <a:rPr lang="ja-JP" altLang="en-US" sz="1100" b="0" i="0" u="none" strike="noStrike" dirty="0">
                           <a:solidFill>
                             <a:srgbClr val="000000"/>
                           </a:solidFill>
@@ -21519,7 +22429,7 @@
                     <a:p>
                       <a:pPr algn="ctr" fontAlgn="ctr"/>
                       <a:r>
-                        <a:rPr lang="ja-JP" altLang="en-US" sz="1100" b="0" i="0" u="none" strike="noStrike">
+                        <a:rPr lang="ja-JP" altLang="en-US" sz="1100" b="0" i="0" u="none" strike="noStrike" dirty="0">
                           <a:solidFill>
                             <a:srgbClr val="000000"/>
                           </a:solidFill>
@@ -21577,7 +22487,7 @@
                     <a:p>
                       <a:pPr algn="ctr" fontAlgn="ctr"/>
                       <a:r>
-                        <a:rPr lang="en-US" altLang="ja-JP" sz="1100" b="0" i="0" u="none" strike="noStrike">
+                        <a:rPr lang="en-US" altLang="ja-JP" sz="1100" b="0" i="0" u="none" strike="noStrike" dirty="0">
                           <a:solidFill>
                             <a:srgbClr val="000000"/>
                           </a:solidFill>
@@ -21623,7 +22533,7 @@
                     <a:p>
                       <a:pPr algn="ctr" fontAlgn="ctr"/>
                       <a:r>
-                        <a:rPr lang="ja-JP" altLang="en-US" sz="1100" b="0" i="0" u="none" strike="noStrike">
+                        <a:rPr lang="ja-JP" altLang="en-US" sz="1100" b="0" i="0" u="none" strike="noStrike" dirty="0">
                           <a:solidFill>
                             <a:srgbClr val="000000"/>
                           </a:solidFill>
@@ -21680,7 +22590,7 @@
                     <a:lstStyle/>
                     <a:p>
                       <a:pPr algn="ctr" fontAlgn="ctr"/>
-                      <a:endParaRPr lang="ja-JP" altLang="en-US" sz="1100" b="0" i="0" u="none" strike="noStrike">
+                      <a:endParaRPr lang="ja-JP" altLang="en-US" sz="1100" b="0" i="0" u="none" strike="noStrike" dirty="0">
                         <a:solidFill>
                           <a:srgbClr val="000000"/>
                         </a:solidFill>
@@ -21717,7 +22627,7 @@
                     <a:lstStyle/>
                     <a:p>
                       <a:pPr algn="ctr" fontAlgn="ctr"/>
-                      <a:endParaRPr lang="ja-JP" altLang="en-US" sz="1100" b="0" i="0" u="none" strike="noStrike">
+                      <a:endParaRPr lang="ja-JP" altLang="en-US" sz="1100" b="0" i="0" u="none" strike="noStrike" dirty="0">
                         <a:solidFill>
                           <a:srgbClr val="000000"/>
                         </a:solidFill>
@@ -21748,7 +22658,7 @@
                     <a:lstStyle/>
                     <a:p>
                       <a:pPr algn="l" fontAlgn="ctr"/>
-                      <a:endParaRPr lang="ja-JP" altLang="en-US" sz="1100" b="0" i="0" u="none" strike="noStrike">
+                      <a:endParaRPr lang="ja-JP" altLang="en-US" sz="1100" b="0" i="0" u="none" strike="noStrike" dirty="0">
                         <a:solidFill>
                           <a:srgbClr val="000000"/>
                         </a:solidFill>
@@ -21779,7 +22689,7 @@
                     <a:lstStyle/>
                     <a:p>
                       <a:pPr algn="l" fontAlgn="ctr"/>
-                      <a:endParaRPr lang="ja-JP" altLang="en-US" sz="1100" b="0" i="0" u="none" strike="noStrike">
+                      <a:endParaRPr lang="ja-JP" altLang="en-US" sz="1100" b="0" i="0" u="none" strike="noStrike" dirty="0">
                         <a:solidFill>
                           <a:srgbClr val="000000"/>
                         </a:solidFill>
@@ -21816,7 +22726,7 @@
                     <a:lstStyle/>
                     <a:p>
                       <a:pPr algn="l" fontAlgn="ctr"/>
-                      <a:endParaRPr lang="ja-JP" altLang="en-US" sz="1100" b="0" i="0" u="none" strike="noStrike">
+                      <a:endParaRPr lang="ja-JP" altLang="en-US" sz="1100" b="0" i="0" u="none" strike="noStrike" dirty="0">
                         <a:solidFill>
                           <a:srgbClr val="000000"/>
                         </a:solidFill>
@@ -21853,7 +22763,7 @@
                     <a:lstStyle/>
                     <a:p>
                       <a:pPr algn="l" fontAlgn="ctr"/>
-                      <a:endParaRPr lang="ja-JP" altLang="en-US" sz="1100" b="0" i="0" u="none" strike="noStrike">
+                      <a:endParaRPr lang="ja-JP" altLang="en-US" sz="1100" b="0" i="0" u="none" strike="noStrike" dirty="0">
                         <a:solidFill>
                           <a:srgbClr val="000000"/>
                         </a:solidFill>
@@ -21898,7 +22808,7 @@
                     <a:p>
                       <a:pPr algn="l" fontAlgn="ctr"/>
                       <a:r>
-                        <a:rPr lang="en-US" sz="1100" b="0" i="0" u="none" strike="noStrike">
+                        <a:rPr lang="en-US" sz="1100" b="0" i="0" u="none" strike="noStrike" dirty="0">
                           <a:solidFill>
                             <a:srgbClr val="000000"/>
                           </a:solidFill>
@@ -21950,7 +22860,7 @@
                     <a:p>
                       <a:pPr algn="l" fontAlgn="ctr"/>
                       <a:r>
-                        <a:rPr lang="ja-JP" altLang="en-US" sz="1100" b="0" i="0" u="none" strike="noStrike">
+                        <a:rPr lang="ja-JP" altLang="en-US" sz="1100" b="0" i="0" u="none" strike="noStrike" dirty="0">
                           <a:solidFill>
                             <a:srgbClr val="000000"/>
                           </a:solidFill>
@@ -22002,7 +22912,7 @@
                     <a:p>
                       <a:pPr algn="ctr" fontAlgn="ctr"/>
                       <a:r>
-                        <a:rPr lang="ja-JP" altLang="en-US" sz="1100" b="0" i="0" u="none" strike="noStrike">
+                        <a:rPr lang="ja-JP" altLang="en-US" sz="1100" b="0" i="0" u="none" strike="noStrike" dirty="0">
                           <a:solidFill>
                             <a:srgbClr val="000000"/>
                           </a:solidFill>
@@ -22060,7 +22970,7 @@
                     <a:p>
                       <a:pPr algn="ctr" fontAlgn="ctr"/>
                       <a:r>
-                        <a:rPr lang="en-US" altLang="ja-JP" sz="1100" b="0" i="0" u="none" strike="noStrike">
+                        <a:rPr lang="en-US" altLang="ja-JP" sz="1100" b="0" i="0" u="none" strike="noStrike" dirty="0">
                           <a:solidFill>
                             <a:srgbClr val="000000"/>
                           </a:solidFill>
@@ -22106,7 +23016,7 @@
                     <a:p>
                       <a:pPr algn="ctr" fontAlgn="ctr"/>
                       <a:r>
-                        <a:rPr lang="ja-JP" altLang="en-US" sz="1100" b="0" i="0" u="none" strike="noStrike">
+                        <a:rPr lang="ja-JP" altLang="en-US" sz="1100" b="0" i="0" u="none" strike="noStrike" dirty="0">
                           <a:solidFill>
                             <a:srgbClr val="000000"/>
                           </a:solidFill>
@@ -22163,7 +23073,7 @@
                     <a:lstStyle/>
                     <a:p>
                       <a:pPr algn="ctr" fontAlgn="ctr"/>
-                      <a:endParaRPr lang="ja-JP" altLang="en-US" sz="1100" b="0" i="0" u="none" strike="noStrike">
+                      <a:endParaRPr lang="ja-JP" altLang="en-US" sz="1100" b="0" i="0" u="none" strike="noStrike" dirty="0">
                         <a:solidFill>
                           <a:srgbClr val="000000"/>
                         </a:solidFill>
@@ -22201,7 +23111,7 @@
                     <a:p>
                       <a:pPr algn="ctr" fontAlgn="ctr"/>
                       <a:r>
-                        <a:rPr lang="ja-JP" altLang="en-US" sz="1100" b="0" i="0" u="none" strike="noStrike">
+                        <a:rPr lang="ja-JP" altLang="en-US" sz="1100" b="0" i="0" u="none" strike="noStrike" dirty="0">
                           <a:solidFill>
                             <a:srgbClr val="000000"/>
                           </a:solidFill>
@@ -22327,7 +23237,7 @@
                     <a:p>
                       <a:pPr algn="l" fontAlgn="ctr"/>
                       <a:r>
-                        <a:rPr lang="ja-JP" altLang="en-US" sz="1100" b="0" i="0" u="none" strike="noStrike">
+                        <a:rPr lang="ja-JP" altLang="en-US" sz="1100" b="0" i="0" u="none" strike="noStrike" dirty="0">
                           <a:solidFill>
                             <a:srgbClr val="000000"/>
                           </a:solidFill>
@@ -22466,7 +23376,7 @@
                     <a:p>
                       <a:pPr algn="l" fontAlgn="ctr"/>
                       <a:r>
-                        <a:rPr lang="en-US" sz="1100" b="0" i="0" u="none" strike="noStrike">
+                        <a:rPr lang="en-US" sz="1100" b="0" i="0" u="none" strike="noStrike" dirty="0">
                           <a:solidFill>
                             <a:srgbClr val="000000"/>
                           </a:solidFill>
@@ -22518,7 +23428,7 @@
                     <a:p>
                       <a:pPr algn="l" fontAlgn="ctr"/>
                       <a:r>
-                        <a:rPr lang="ja-JP" altLang="en-US" sz="1100" b="0" i="0" u="none" strike="noStrike">
+                        <a:rPr lang="ja-JP" altLang="en-US" sz="1100" b="0" i="0" u="none" strike="noStrike" dirty="0">
                           <a:solidFill>
                             <a:srgbClr val="000000"/>
                           </a:solidFill>
@@ -22570,7 +23480,7 @@
                     <a:p>
                       <a:pPr algn="ctr" fontAlgn="ctr"/>
                       <a:r>
-                        <a:rPr lang="ja-JP" altLang="en-US" sz="1100" b="0" i="0" u="none" strike="noStrike">
+                        <a:rPr lang="ja-JP" altLang="en-US" sz="1100" b="0" i="0" u="none" strike="noStrike" dirty="0">
                           <a:solidFill>
                             <a:srgbClr val="000000"/>
                           </a:solidFill>
@@ -22628,7 +23538,7 @@
                     <a:p>
                       <a:pPr algn="ctr" fontAlgn="ctr"/>
                       <a:r>
-                        <a:rPr lang="en-US" altLang="ja-JP" sz="1100" b="0" i="0" u="none" strike="noStrike">
+                        <a:rPr lang="en-US" altLang="ja-JP" sz="1100" b="0" i="0" u="none" strike="noStrike" dirty="0">
                           <a:solidFill>
                             <a:srgbClr val="000000"/>
                           </a:solidFill>
@@ -22674,7 +23584,7 @@
                     <a:p>
                       <a:pPr algn="ctr" fontAlgn="ctr"/>
                       <a:r>
-                        <a:rPr lang="ja-JP" altLang="en-US" sz="1100" b="0" i="0" u="none" strike="noStrike">
+                        <a:rPr lang="ja-JP" altLang="en-US" sz="1100" b="0" i="0" u="none" strike="noStrike" dirty="0">
                           <a:solidFill>
                             <a:srgbClr val="000000"/>
                           </a:solidFill>
@@ -22731,7 +23641,7 @@
                     <a:lstStyle/>
                     <a:p>
                       <a:pPr algn="ctr" fontAlgn="ctr"/>
-                      <a:endParaRPr lang="ja-JP" altLang="en-US" sz="1100" b="0" i="0" u="none" strike="noStrike">
+                      <a:endParaRPr lang="ja-JP" altLang="en-US" sz="1100" b="0" i="0" u="none" strike="noStrike" dirty="0">
                         <a:solidFill>
                           <a:srgbClr val="000000"/>
                         </a:solidFill>
@@ -22768,7 +23678,7 @@
                     <a:lstStyle/>
                     <a:p>
                       <a:pPr algn="ctr" fontAlgn="ctr"/>
-                      <a:endParaRPr lang="ja-JP" altLang="en-US" sz="1100" b="0" i="0" u="none" strike="noStrike">
+                      <a:endParaRPr lang="ja-JP" altLang="en-US" sz="1100" b="0" i="0" u="none" strike="noStrike" dirty="0">
                         <a:solidFill>
                           <a:srgbClr val="000000"/>
                         </a:solidFill>
@@ -22799,7 +23709,7 @@
                     <a:lstStyle/>
                     <a:p>
                       <a:pPr algn="ctr" fontAlgn="ctr"/>
-                      <a:endParaRPr lang="ja-JP" altLang="en-US" sz="1100" b="0" i="0" u="none" strike="noStrike">
+                      <a:endParaRPr lang="ja-JP" altLang="en-US" sz="1100" b="0" i="0" u="none" strike="noStrike" dirty="0">
                         <a:solidFill>
                           <a:srgbClr val="000000"/>
                         </a:solidFill>
@@ -22830,7 +23740,7 @@
                     <a:lstStyle/>
                     <a:p>
                       <a:pPr algn="l" fontAlgn="ctr"/>
-                      <a:endParaRPr lang="ja-JP" altLang="en-US" sz="1100" b="0" i="0" u="none" strike="noStrike">
+                      <a:endParaRPr lang="ja-JP" altLang="en-US" sz="1100" b="0" i="0" u="none" strike="noStrike" dirty="0">
                         <a:solidFill>
                           <a:srgbClr val="000000"/>
                         </a:solidFill>
@@ -22867,7 +23777,7 @@
                     <a:lstStyle/>
                     <a:p>
                       <a:pPr algn="l" fontAlgn="ctr"/>
-                      <a:endParaRPr lang="ja-JP" altLang="en-US" sz="1100" b="0" i="0" u="none" strike="noStrike">
+                      <a:endParaRPr lang="ja-JP" altLang="en-US" sz="1100" b="0" i="0" u="none" strike="noStrike" dirty="0">
                         <a:solidFill>
                           <a:srgbClr val="000000"/>
                         </a:solidFill>
@@ -22904,7 +23814,7 @@
                     <a:lstStyle/>
                     <a:p>
                       <a:pPr algn="l" fontAlgn="ctr"/>
-                      <a:endParaRPr lang="ja-JP" altLang="en-US" sz="1100" b="0" i="0" u="none" strike="noStrike">
+                      <a:endParaRPr lang="ja-JP" altLang="en-US" sz="1100" b="0" i="0" u="none" strike="noStrike" dirty="0">
                         <a:solidFill>
                           <a:srgbClr val="000000"/>
                         </a:solidFill>
@@ -22949,7 +23859,7 @@
                     <a:p>
                       <a:pPr algn="l" fontAlgn="ctr"/>
                       <a:r>
-                        <a:rPr lang="en-US" sz="1100" b="0" i="0" u="none" strike="noStrike">
+                        <a:rPr lang="en-US" sz="1100" b="0" i="0" u="none" strike="noStrike" dirty="0">
                           <a:solidFill>
                             <a:srgbClr val="000000"/>
                           </a:solidFill>
@@ -23001,7 +23911,7 @@
                     <a:p>
                       <a:pPr algn="l" fontAlgn="ctr"/>
                       <a:r>
-                        <a:rPr lang="ja-JP" altLang="en-US" sz="1100" b="0" i="0" u="none" strike="noStrike">
+                        <a:rPr lang="ja-JP" altLang="en-US" sz="1100" b="0" i="0" u="none" strike="noStrike" dirty="0">
                           <a:solidFill>
                             <a:srgbClr val="000000"/>
                           </a:solidFill>
@@ -23053,7 +23963,7 @@
                     <a:p>
                       <a:pPr algn="ctr" fontAlgn="ctr"/>
                       <a:r>
-                        <a:rPr lang="ja-JP" altLang="en-US" sz="1100" b="0" i="0" u="none" strike="noStrike">
+                        <a:rPr lang="ja-JP" altLang="en-US" sz="1100" b="0" i="0" u="none" strike="noStrike" dirty="0">
                           <a:solidFill>
                             <a:srgbClr val="000000"/>
                           </a:solidFill>
@@ -23111,7 +24021,7 @@
                     <a:p>
                       <a:pPr algn="ctr" fontAlgn="ctr"/>
                       <a:r>
-                        <a:rPr lang="en-US" altLang="ja-JP" sz="1100" b="0" i="0" u="none" strike="noStrike">
+                        <a:rPr lang="en-US" altLang="ja-JP" sz="1100" b="0" i="0" u="none" strike="noStrike" dirty="0">
                           <a:solidFill>
                             <a:srgbClr val="000000"/>
                           </a:solidFill>
@@ -23157,7 +24067,7 @@
                     <a:p>
                       <a:pPr algn="ctr" fontAlgn="ctr"/>
                       <a:r>
-                        <a:rPr lang="ja-JP" altLang="en-US" sz="1100" b="0" i="0" u="none" strike="noStrike">
+                        <a:rPr lang="ja-JP" altLang="en-US" sz="1100" b="0" i="0" u="none" strike="noStrike" dirty="0">
                           <a:solidFill>
                             <a:srgbClr val="000000"/>
                           </a:solidFill>
@@ -23214,7 +24124,7 @@
                     <a:lstStyle/>
                     <a:p>
                       <a:pPr algn="ctr" fontAlgn="ctr"/>
-                      <a:endParaRPr lang="ja-JP" altLang="en-US" sz="1100" b="0" i="0" u="none" strike="noStrike">
+                      <a:endParaRPr lang="ja-JP" altLang="en-US" sz="1100" b="0" i="0" u="none" strike="noStrike" dirty="0">
                         <a:solidFill>
                           <a:srgbClr val="000000"/>
                         </a:solidFill>
@@ -23251,7 +24161,7 @@
                     <a:lstStyle/>
                     <a:p>
                       <a:pPr algn="ctr" fontAlgn="ctr"/>
-                      <a:endParaRPr lang="ja-JP" altLang="en-US" sz="1100" b="0" i="0" u="none" strike="noStrike">
+                      <a:endParaRPr lang="ja-JP" altLang="en-US" sz="1100" b="0" i="0" u="none" strike="noStrike" dirty="0">
                         <a:solidFill>
                           <a:srgbClr val="000000"/>
                         </a:solidFill>
@@ -23282,7 +24192,7 @@
                     <a:lstStyle/>
                     <a:p>
                       <a:pPr algn="l" fontAlgn="ctr"/>
-                      <a:endParaRPr lang="ja-JP" altLang="en-US" sz="1100" b="0" i="0" u="none" strike="noStrike">
+                      <a:endParaRPr lang="ja-JP" altLang="en-US" sz="1100" b="0" i="0" u="none" strike="noStrike" dirty="0">
                         <a:solidFill>
                           <a:srgbClr val="000000"/>
                         </a:solidFill>
@@ -23313,7 +24223,7 @@
                     <a:lstStyle/>
                     <a:p>
                       <a:pPr algn="l" fontAlgn="ctr"/>
-                      <a:endParaRPr lang="ja-JP" altLang="en-US" sz="1100" b="0" i="0" u="none" strike="noStrike">
+                      <a:endParaRPr lang="ja-JP" altLang="en-US" sz="1100" b="0" i="0" u="none" strike="noStrike" dirty="0">
                         <a:solidFill>
                           <a:srgbClr val="000000"/>
                         </a:solidFill>
@@ -23344,7 +24254,7 @@
                     <a:lstStyle/>
                     <a:p>
                       <a:pPr algn="l" fontAlgn="ctr"/>
-                      <a:endParaRPr lang="ja-JP" altLang="en-US" sz="1100" b="0" i="0" u="none" strike="noStrike">
+                      <a:endParaRPr lang="ja-JP" altLang="en-US" sz="1100" b="0" i="0" u="none" strike="noStrike" dirty="0">
                         <a:solidFill>
                           <a:srgbClr val="000000"/>
                         </a:solidFill>
@@ -23375,7 +24285,7 @@
                     <a:lstStyle/>
                     <a:p>
                       <a:pPr algn="l" fontAlgn="ctr"/>
-                      <a:endParaRPr lang="ja-JP" altLang="en-US" sz="1100" b="0" i="0" u="none" strike="noStrike">
+                      <a:endParaRPr lang="ja-JP" altLang="en-US" sz="1100" b="0" i="0" u="none" strike="noStrike" dirty="0">
                         <a:solidFill>
                           <a:srgbClr val="000000"/>
                         </a:solidFill>
@@ -23414,7 +24324,7 @@
                     <a:p>
                       <a:pPr algn="l" fontAlgn="ctr"/>
                       <a:r>
-                        <a:rPr lang="en-US" sz="1100" b="0" i="0" u="none" strike="noStrike">
+                        <a:rPr lang="en-US" sz="1100" b="0" i="0" u="none" strike="noStrike" dirty="0">
                           <a:solidFill>
                             <a:srgbClr val="000000"/>
                           </a:solidFill>
@@ -23466,7 +24376,7 @@
                     <a:p>
                       <a:pPr algn="l" fontAlgn="ctr"/>
                       <a:r>
-                        <a:rPr lang="ja-JP" altLang="en-US" sz="1100" b="0" i="0" u="none" strike="noStrike">
+                        <a:rPr lang="ja-JP" altLang="en-US" sz="1100" b="0" i="0" u="none" strike="noStrike" dirty="0">
                           <a:solidFill>
                             <a:srgbClr val="000000"/>
                           </a:solidFill>
@@ -23518,7 +24428,7 @@
                     <a:p>
                       <a:pPr algn="ctr" fontAlgn="ctr"/>
                       <a:r>
-                        <a:rPr lang="ja-JP" altLang="en-US" sz="1100" b="0" i="0" u="none" strike="noStrike">
+                        <a:rPr lang="ja-JP" altLang="en-US" sz="1100" b="0" i="0" u="none" strike="noStrike" dirty="0">
                           <a:solidFill>
                             <a:srgbClr val="000000"/>
                           </a:solidFill>
@@ -23576,7 +24486,7 @@
                     <a:p>
                       <a:pPr algn="ctr" fontAlgn="ctr"/>
                       <a:r>
-                        <a:rPr lang="en-US" altLang="ja-JP" sz="1100" b="0" i="0" u="none" strike="noStrike">
+                        <a:rPr lang="en-US" altLang="ja-JP" sz="1100" b="0" i="0" u="none" strike="noStrike" dirty="0">
                           <a:solidFill>
                             <a:srgbClr val="000000"/>
                           </a:solidFill>
@@ -23622,7 +24532,7 @@
                     <a:p>
                       <a:pPr algn="ctr" fontAlgn="ctr"/>
                       <a:r>
-                        <a:rPr lang="ja-JP" altLang="en-US" sz="1100" b="0" i="0" u="none" strike="noStrike">
+                        <a:rPr lang="ja-JP" altLang="en-US" sz="1100" b="0" i="0" u="none" strike="noStrike" dirty="0">
                           <a:solidFill>
                             <a:srgbClr val="000000"/>
                           </a:solidFill>
@@ -23679,7 +24589,7 @@
                     <a:lstStyle/>
                     <a:p>
                       <a:pPr algn="ctr" fontAlgn="ctr"/>
-                      <a:endParaRPr lang="ja-JP" altLang="en-US" sz="1100" b="0" i="0" u="none" strike="noStrike">
+                      <a:endParaRPr lang="ja-JP" altLang="en-US" sz="1100" b="0" i="0" u="none" strike="noStrike" dirty="0">
                         <a:solidFill>
                           <a:srgbClr val="000000"/>
                         </a:solidFill>
@@ -23716,69 +24626,7 @@
                     <a:lstStyle/>
                     <a:p>
                       <a:pPr algn="ctr" fontAlgn="ctr"/>
-                      <a:endParaRPr lang="ja-JP" altLang="en-US" sz="1100" b="0" i="0" u="none" strike="noStrike">
-                        <a:solidFill>
-                          <a:srgbClr val="000000"/>
-                        </a:solidFill>
-                        <a:effectLst/>
-                        <a:latin typeface="メイリオ" panose="020B0604030504040204" pitchFamily="50" charset="-128"/>
-                        <a:ea typeface="メイリオ" panose="020B0604030504040204" pitchFamily="50" charset="-128"/>
-                      </a:endParaRPr>
-                    </a:p>
-                  </a:txBody>
-                  <a:tcPr marL="0" marR="0" marT="0" marB="0" anchor="ctr">
-                    <a:lnL>
-                      <a:noFill/>
-                    </a:lnL>
-                    <a:lnR>
-                      <a:noFill/>
-                    </a:lnR>
-                    <a:lnT>
-                      <a:noFill/>
-                    </a:lnT>
-                    <a:lnB>
-                      <a:noFill/>
-                    </a:lnB>
-                  </a:tcPr>
-                </a:tc>
-                <a:tc>
-                  <a:txBody>
-                    <a:bodyPr/>
-                    <a:lstStyle/>
-                    <a:p>
-                      <a:pPr algn="l" fontAlgn="ctr"/>
-                      <a:endParaRPr lang="ja-JP" altLang="en-US" sz="1100" b="0" i="0" u="none" strike="noStrike">
-                        <a:solidFill>
-                          <a:srgbClr val="000000"/>
-                        </a:solidFill>
-                        <a:effectLst/>
-                        <a:latin typeface="メイリオ" panose="020B0604030504040204" pitchFamily="50" charset="-128"/>
-                        <a:ea typeface="メイリオ" panose="020B0604030504040204" pitchFamily="50" charset="-128"/>
-                      </a:endParaRPr>
-                    </a:p>
-                  </a:txBody>
-                  <a:tcPr marL="0" marR="0" marT="0" marB="0" anchor="ctr">
-                    <a:lnL>
-                      <a:noFill/>
-                    </a:lnL>
-                    <a:lnR>
-                      <a:noFill/>
-                    </a:lnR>
-                    <a:lnT>
-                      <a:noFill/>
-                    </a:lnT>
-                    <a:lnB>
-                      <a:noFill/>
-                    </a:lnB>
-                  </a:tcPr>
-                </a:tc>
-                <a:tc>
-                  <a:txBody>
-                    <a:bodyPr/>
-                    <a:lstStyle/>
-                    <a:p>
-                      <a:pPr algn="l" fontAlgn="ctr"/>
-                      <a:endParaRPr lang="ja-JP" altLang="en-US" sz="1100" b="0" i="0" u="none" strike="noStrike">
+                      <a:endParaRPr lang="ja-JP" altLang="en-US" sz="1100" b="0" i="0" u="none" strike="noStrike" dirty="0">
                         <a:solidFill>
                           <a:srgbClr val="000000"/>
                         </a:solidFill>
@@ -23840,7 +24688,7 @@
                     <a:lstStyle/>
                     <a:p>
                       <a:pPr algn="l" fontAlgn="ctr"/>
-                      <a:endParaRPr lang="ja-JP" altLang="en-US" sz="1100" b="0" i="0" u="none" strike="noStrike">
+                      <a:endParaRPr lang="ja-JP" altLang="en-US" sz="1100" b="0" i="0" u="none" strike="noStrike" dirty="0">
                         <a:solidFill>
                           <a:srgbClr val="000000"/>
                         </a:solidFill>
@@ -23865,6 +24713,68 @@
                     </a:lnB>
                   </a:tcPr>
                 </a:tc>
+                <a:tc>
+                  <a:txBody>
+                    <a:bodyPr/>
+                    <a:lstStyle/>
+                    <a:p>
+                      <a:pPr algn="l" fontAlgn="ctr"/>
+                      <a:endParaRPr lang="ja-JP" altLang="en-US" sz="1100" b="0" i="0" u="none" strike="noStrike" dirty="0">
+                        <a:solidFill>
+                          <a:srgbClr val="000000"/>
+                        </a:solidFill>
+                        <a:effectLst/>
+                        <a:latin typeface="メイリオ" panose="020B0604030504040204" pitchFamily="50" charset="-128"/>
+                        <a:ea typeface="メイリオ" panose="020B0604030504040204" pitchFamily="50" charset="-128"/>
+                      </a:endParaRPr>
+                    </a:p>
+                  </a:txBody>
+                  <a:tcPr marL="0" marR="0" marT="0" marB="0" anchor="ctr">
+                    <a:lnL>
+                      <a:noFill/>
+                    </a:lnL>
+                    <a:lnR>
+                      <a:noFill/>
+                    </a:lnR>
+                    <a:lnT>
+                      <a:noFill/>
+                    </a:lnT>
+                    <a:lnB>
+                      <a:noFill/>
+                    </a:lnB>
+                  </a:tcPr>
+                </a:tc>
+                <a:tc>
+                  <a:txBody>
+                    <a:bodyPr/>
+                    <a:lstStyle/>
+                    <a:p>
+                      <a:pPr algn="l" fontAlgn="ctr"/>
+                      <a:endParaRPr lang="ja-JP" altLang="en-US" sz="1100" b="0" i="0" u="none" strike="noStrike" dirty="0">
+                        <a:solidFill>
+                          <a:srgbClr val="000000"/>
+                        </a:solidFill>
+                        <a:effectLst/>
+                        <a:latin typeface="メイリオ" panose="020B0604030504040204" pitchFamily="50" charset="-128"/>
+                        <a:ea typeface="メイリオ" panose="020B0604030504040204" pitchFamily="50" charset="-128"/>
+                      </a:endParaRPr>
+                    </a:p>
+                  </a:txBody>
+                  <a:tcPr marL="0" marR="0" marT="0" marB="0" anchor="ctr">
+                    <a:lnL>
+                      <a:noFill/>
+                    </a:lnL>
+                    <a:lnR>
+                      <a:noFill/>
+                    </a:lnR>
+                    <a:lnT>
+                      <a:noFill/>
+                    </a:lnT>
+                    <a:lnB>
+                      <a:noFill/>
+                    </a:lnB>
+                  </a:tcPr>
+                </a:tc>
                 <a:extLst>
                   <a:ext uri="{0D108BD9-81ED-4DB2-BD59-A6C34878D82A}">
                     <a16:rowId xmlns:a16="http://schemas.microsoft.com/office/drawing/2014/main" val="3459092403"/>
@@ -23879,7 +24789,7 @@
                     <a:p>
                       <a:pPr algn="l" fontAlgn="ctr"/>
                       <a:r>
-                        <a:rPr lang="en-US" sz="1100" b="0" i="0" u="none" strike="noStrike">
+                        <a:rPr lang="en-US" sz="1100" b="0" i="0" u="none" strike="noStrike" dirty="0">
                           <a:solidFill>
                             <a:srgbClr val="000000"/>
                           </a:solidFill>
@@ -23931,7 +24841,7 @@
                     <a:p>
                       <a:pPr algn="l" fontAlgn="ctr"/>
                       <a:r>
-                        <a:rPr lang="ja-JP" altLang="en-US" sz="1100" b="0" i="0" u="none" strike="noStrike">
+                        <a:rPr lang="ja-JP" altLang="en-US" sz="1100" b="0" i="0" u="none" strike="noStrike" dirty="0">
                           <a:solidFill>
                             <a:srgbClr val="000000"/>
                           </a:solidFill>
@@ -23983,7 +24893,7 @@
                     <a:p>
                       <a:pPr algn="ctr" fontAlgn="ctr"/>
                       <a:r>
-                        <a:rPr lang="ja-JP" altLang="en-US" sz="1100" b="0" i="0" u="none" strike="noStrike">
+                        <a:rPr lang="ja-JP" altLang="en-US" sz="1100" b="0" i="0" u="none" strike="noStrike" dirty="0">
                           <a:solidFill>
                             <a:srgbClr val="000000"/>
                           </a:solidFill>
@@ -24041,7 +24951,7 @@
                     <a:p>
                       <a:pPr algn="ctr" fontAlgn="ctr"/>
                       <a:r>
-                        <a:rPr lang="en-US" altLang="ja-JP" sz="1100" b="0" i="0" u="none" strike="noStrike">
+                        <a:rPr lang="en-US" altLang="ja-JP" sz="1100" b="0" i="0" u="none" strike="noStrike" dirty="0">
                           <a:solidFill>
                             <a:srgbClr val="000000"/>
                           </a:solidFill>
@@ -24087,7 +24997,7 @@
                     <a:p>
                       <a:pPr algn="ctr" fontAlgn="ctr"/>
                       <a:r>
-                        <a:rPr lang="ja-JP" altLang="en-US" sz="1100" b="0" i="0" u="none" strike="noStrike">
+                        <a:rPr lang="ja-JP" altLang="en-US" sz="1100" b="0" i="0" u="none" strike="noStrike" dirty="0">
                           <a:solidFill>
                             <a:srgbClr val="000000"/>
                           </a:solidFill>
@@ -24144,7 +25054,7 @@
                     <a:lstStyle/>
                     <a:p>
                       <a:pPr algn="ctr" fontAlgn="ctr"/>
-                      <a:endParaRPr lang="ja-JP" altLang="en-US" sz="1100" b="0" i="0" u="none" strike="noStrike">
+                      <a:endParaRPr lang="ja-JP" altLang="en-US" sz="1100" b="0" i="0" u="none" strike="noStrike" dirty="0">
                         <a:solidFill>
                           <a:srgbClr val="000000"/>
                         </a:solidFill>
@@ -24181,69 +25091,7 @@
                     <a:lstStyle/>
                     <a:p>
                       <a:pPr algn="ctr" fontAlgn="ctr"/>
-                      <a:endParaRPr lang="ja-JP" altLang="en-US" sz="1100" b="0" i="0" u="none" strike="noStrike">
-                        <a:solidFill>
-                          <a:srgbClr val="000000"/>
-                        </a:solidFill>
-                        <a:effectLst/>
-                        <a:latin typeface="メイリオ" panose="020B0604030504040204" pitchFamily="50" charset="-128"/>
-                        <a:ea typeface="メイリオ" panose="020B0604030504040204" pitchFamily="50" charset="-128"/>
-                      </a:endParaRPr>
-                    </a:p>
-                  </a:txBody>
-                  <a:tcPr marL="0" marR="0" marT="0" marB="0" anchor="ctr">
-                    <a:lnL>
-                      <a:noFill/>
-                    </a:lnL>
-                    <a:lnR>
-                      <a:noFill/>
-                    </a:lnR>
-                    <a:lnT>
-                      <a:noFill/>
-                    </a:lnT>
-                    <a:lnB>
-                      <a:noFill/>
-                    </a:lnB>
-                  </a:tcPr>
-                </a:tc>
-                <a:tc>
-                  <a:txBody>
-                    <a:bodyPr/>
-                    <a:lstStyle/>
-                    <a:p>
-                      <a:pPr algn="l" fontAlgn="ctr"/>
-                      <a:endParaRPr lang="ja-JP" altLang="en-US" sz="1100" b="0" i="0" u="none" strike="noStrike">
-                        <a:solidFill>
-                          <a:srgbClr val="000000"/>
-                        </a:solidFill>
-                        <a:effectLst/>
-                        <a:latin typeface="メイリオ" panose="020B0604030504040204" pitchFamily="50" charset="-128"/>
-                        <a:ea typeface="メイリオ" panose="020B0604030504040204" pitchFamily="50" charset="-128"/>
-                      </a:endParaRPr>
-                    </a:p>
-                  </a:txBody>
-                  <a:tcPr marL="0" marR="0" marT="0" marB="0" anchor="ctr">
-                    <a:lnL>
-                      <a:noFill/>
-                    </a:lnL>
-                    <a:lnR>
-                      <a:noFill/>
-                    </a:lnR>
-                    <a:lnT>
-                      <a:noFill/>
-                    </a:lnT>
-                    <a:lnB>
-                      <a:noFill/>
-                    </a:lnB>
-                  </a:tcPr>
-                </a:tc>
-                <a:tc>
-                  <a:txBody>
-                    <a:bodyPr/>
-                    <a:lstStyle/>
-                    <a:p>
-                      <a:pPr algn="l" fontAlgn="ctr"/>
-                      <a:endParaRPr lang="ja-JP" altLang="en-US" sz="1100" b="0" i="0" u="none" strike="noStrike">
+                      <a:endParaRPr lang="ja-JP" altLang="en-US" sz="1100" b="0" i="0" u="none" strike="noStrike" dirty="0">
                         <a:solidFill>
                           <a:srgbClr val="000000"/>
                         </a:solidFill>
@@ -24330,6 +25178,68 @@
                     </a:lnB>
                   </a:tcPr>
                 </a:tc>
+                <a:tc>
+                  <a:txBody>
+                    <a:bodyPr/>
+                    <a:lstStyle/>
+                    <a:p>
+                      <a:pPr algn="l" fontAlgn="ctr"/>
+                      <a:endParaRPr lang="ja-JP" altLang="en-US" sz="1100" b="0" i="0" u="none" strike="noStrike" dirty="0">
+                        <a:solidFill>
+                          <a:srgbClr val="000000"/>
+                        </a:solidFill>
+                        <a:effectLst/>
+                        <a:latin typeface="メイリオ" panose="020B0604030504040204" pitchFamily="50" charset="-128"/>
+                        <a:ea typeface="メイリオ" panose="020B0604030504040204" pitchFamily="50" charset="-128"/>
+                      </a:endParaRPr>
+                    </a:p>
+                  </a:txBody>
+                  <a:tcPr marL="0" marR="0" marT="0" marB="0" anchor="ctr">
+                    <a:lnL>
+                      <a:noFill/>
+                    </a:lnL>
+                    <a:lnR>
+                      <a:noFill/>
+                    </a:lnR>
+                    <a:lnT>
+                      <a:noFill/>
+                    </a:lnT>
+                    <a:lnB>
+                      <a:noFill/>
+                    </a:lnB>
+                  </a:tcPr>
+                </a:tc>
+                <a:tc>
+                  <a:txBody>
+                    <a:bodyPr/>
+                    <a:lstStyle/>
+                    <a:p>
+                      <a:pPr algn="l" fontAlgn="ctr"/>
+                      <a:endParaRPr lang="ja-JP" altLang="en-US" sz="1100" b="0" i="0" u="none" strike="noStrike" dirty="0">
+                        <a:solidFill>
+                          <a:srgbClr val="000000"/>
+                        </a:solidFill>
+                        <a:effectLst/>
+                        <a:latin typeface="メイリオ" panose="020B0604030504040204" pitchFamily="50" charset="-128"/>
+                        <a:ea typeface="メイリオ" panose="020B0604030504040204" pitchFamily="50" charset="-128"/>
+                      </a:endParaRPr>
+                    </a:p>
+                  </a:txBody>
+                  <a:tcPr marL="0" marR="0" marT="0" marB="0" anchor="ctr">
+                    <a:lnL>
+                      <a:noFill/>
+                    </a:lnL>
+                    <a:lnR>
+                      <a:noFill/>
+                    </a:lnR>
+                    <a:lnT>
+                      <a:noFill/>
+                    </a:lnT>
+                    <a:lnB>
+                      <a:noFill/>
+                    </a:lnB>
+                  </a:tcPr>
+                </a:tc>
                 <a:extLst>
                   <a:ext uri="{0D108BD9-81ED-4DB2-BD59-A6C34878D82A}">
                     <a16:rowId xmlns:a16="http://schemas.microsoft.com/office/drawing/2014/main" val="1912230896"/>
@@ -24344,7 +25254,7 @@
                     <a:p>
                       <a:pPr algn="l" fontAlgn="ctr"/>
                       <a:r>
-                        <a:rPr lang="en-US" sz="1100" b="0" i="0" u="none" strike="noStrike">
+                        <a:rPr lang="en-US" sz="1100" b="0" i="0" u="none" strike="noStrike" dirty="0">
                           <a:solidFill>
                             <a:srgbClr val="000000"/>
                           </a:solidFill>
@@ -24396,7 +25306,7 @@
                     <a:p>
                       <a:pPr algn="l" fontAlgn="ctr"/>
                       <a:r>
-                        <a:rPr lang="ja-JP" altLang="en-US" sz="1100" b="0" i="0" u="none" strike="noStrike">
+                        <a:rPr lang="ja-JP" altLang="en-US" sz="1100" b="0" i="0" u="none" strike="noStrike" dirty="0">
                           <a:solidFill>
                             <a:srgbClr val="000000"/>
                           </a:solidFill>
@@ -24448,7 +25358,7 @@
                     <a:p>
                       <a:pPr algn="ctr" fontAlgn="ctr"/>
                       <a:r>
-                        <a:rPr lang="ja-JP" altLang="en-US" sz="1100" b="0" i="0" u="none" strike="noStrike">
+                        <a:rPr lang="ja-JP" altLang="en-US" sz="1100" b="0" i="0" u="none" strike="noStrike" dirty="0">
                           <a:solidFill>
                             <a:srgbClr val="000000"/>
                           </a:solidFill>
@@ -24506,7 +25416,7 @@
                     <a:p>
                       <a:pPr algn="ctr" fontAlgn="ctr"/>
                       <a:r>
-                        <a:rPr lang="en-US" altLang="ja-JP" sz="1100" b="0" i="0" u="none" strike="noStrike">
+                        <a:rPr lang="en-US" altLang="ja-JP" sz="1100" b="0" i="0" u="none" strike="noStrike" dirty="0">
                           <a:solidFill>
                             <a:srgbClr val="000000"/>
                           </a:solidFill>
@@ -24552,7 +25462,7 @@
                     <a:p>
                       <a:pPr algn="ctr" fontAlgn="ctr"/>
                       <a:r>
-                        <a:rPr lang="ja-JP" altLang="en-US" sz="1100" b="0" i="0" u="none" strike="noStrike">
+                        <a:rPr lang="ja-JP" altLang="en-US" sz="1100" b="0" i="0" u="none" strike="noStrike" dirty="0">
                           <a:solidFill>
                             <a:srgbClr val="000000"/>
                           </a:solidFill>
@@ -24609,7 +25519,7 @@
                     <a:lstStyle/>
                     <a:p>
                       <a:pPr algn="ctr" fontAlgn="ctr"/>
-                      <a:endParaRPr lang="ja-JP" altLang="en-US" sz="1100" b="0" i="0" u="none" strike="noStrike">
+                      <a:endParaRPr lang="ja-JP" altLang="en-US" sz="1100" b="0" i="0" u="none" strike="noStrike" dirty="0">
                         <a:solidFill>
                           <a:srgbClr val="000000"/>
                         </a:solidFill>
@@ -24646,7 +25556,7 @@
                     <a:lstStyle/>
                     <a:p>
                       <a:pPr algn="ctr" fontAlgn="ctr"/>
-                      <a:endParaRPr lang="ja-JP" altLang="en-US" sz="1100" b="0" i="0" u="none" strike="noStrike">
+                      <a:endParaRPr lang="ja-JP" altLang="en-US" sz="1100" b="0" i="0" u="none" strike="noStrike" dirty="0">
                         <a:solidFill>
                           <a:srgbClr val="000000"/>
                         </a:solidFill>
@@ -24677,7 +25587,7 @@
                     <a:lstStyle/>
                     <a:p>
                       <a:pPr algn="l" fontAlgn="ctr"/>
-                      <a:endParaRPr lang="ja-JP" altLang="en-US" sz="1100" b="0" i="0" u="none" strike="noStrike">
+                      <a:endParaRPr lang="ja-JP" altLang="en-US" sz="1100" b="0" i="0" u="none" strike="noStrike" dirty="0">
                         <a:solidFill>
                           <a:srgbClr val="000000"/>
                         </a:solidFill>
@@ -24708,7 +25618,7 @@
                     <a:lstStyle/>
                     <a:p>
                       <a:pPr algn="l" fontAlgn="ctr"/>
-                      <a:endParaRPr lang="ja-JP" altLang="en-US" sz="1100" b="0" i="0" u="none" strike="noStrike">
+                      <a:endParaRPr lang="ja-JP" altLang="en-US" sz="1100" b="0" i="0" u="none" strike="noStrike" dirty="0">
                         <a:solidFill>
                           <a:srgbClr val="000000"/>
                         </a:solidFill>
@@ -24739,7 +25649,7 @@
                     <a:lstStyle/>
                     <a:p>
                       <a:pPr algn="l" fontAlgn="ctr"/>
-                      <a:endParaRPr lang="ja-JP" altLang="en-US" sz="1100" b="0" i="0" u="none" strike="noStrike">
+                      <a:endParaRPr lang="ja-JP" altLang="en-US" sz="1100" b="0" i="0" u="none" strike="noStrike" dirty="0">
                         <a:solidFill>
                           <a:srgbClr val="000000"/>
                         </a:solidFill>
@@ -24770,7 +25680,7 @@
                     <a:lstStyle/>
                     <a:p>
                       <a:pPr algn="l" fontAlgn="ctr"/>
-                      <a:endParaRPr lang="ja-JP" altLang="en-US" sz="1100" b="0" i="0" u="none" strike="noStrike">
+                      <a:endParaRPr lang="ja-JP" altLang="en-US" sz="1100" b="0" i="0" u="none" strike="noStrike" dirty="0">
                         <a:solidFill>
                           <a:srgbClr val="000000"/>
                         </a:solidFill>
@@ -24809,7 +25719,7 @@
                     <a:p>
                       <a:pPr algn="l" fontAlgn="ctr"/>
                       <a:r>
-                        <a:rPr lang="en-US" sz="1100" b="0" i="0" u="none" strike="noStrike">
+                        <a:rPr lang="en-US" sz="1100" b="0" i="0" u="none" strike="noStrike" dirty="0">
                           <a:solidFill>
                             <a:srgbClr val="000000"/>
                           </a:solidFill>
@@ -24861,7 +25771,7 @@
                     <a:p>
                       <a:pPr algn="l" fontAlgn="ctr"/>
                       <a:r>
-                        <a:rPr lang="ja-JP" altLang="en-US" sz="1100" b="0" i="0" u="none" strike="noStrike">
+                        <a:rPr lang="ja-JP" altLang="en-US" sz="1100" b="0" i="0" u="none" strike="noStrike" dirty="0">
                           <a:solidFill>
                             <a:srgbClr val="000000"/>
                           </a:solidFill>
@@ -24913,7 +25823,7 @@
                     <a:p>
                       <a:pPr algn="ctr" fontAlgn="ctr"/>
                       <a:r>
-                        <a:rPr lang="ja-JP" altLang="en-US" sz="1100" b="0" i="0" u="none" strike="noStrike">
+                        <a:rPr lang="ja-JP" altLang="en-US" sz="1100" b="0" i="0" u="none" strike="noStrike" dirty="0">
                           <a:solidFill>
                             <a:srgbClr val="000000"/>
                           </a:solidFill>
@@ -24971,7 +25881,7 @@
                     <a:p>
                       <a:pPr algn="ctr" fontAlgn="ctr"/>
                       <a:r>
-                        <a:rPr lang="en-US" altLang="ja-JP" sz="1100" b="0" i="0" u="none" strike="noStrike">
+                        <a:rPr lang="en-US" altLang="ja-JP" sz="1100" b="0" i="0" u="none" strike="noStrike" dirty="0">
                           <a:solidFill>
                             <a:srgbClr val="000000"/>
                           </a:solidFill>
@@ -25017,7 +25927,7 @@
                     <a:p>
                       <a:pPr algn="ctr" fontAlgn="ctr"/>
                       <a:r>
-                        <a:rPr lang="ja-JP" altLang="en-US" sz="1100" b="0" i="0" u="none" strike="noStrike">
+                        <a:rPr lang="ja-JP" altLang="en-US" sz="1100" b="0" i="0" u="none" strike="noStrike" dirty="0">
                           <a:solidFill>
                             <a:srgbClr val="000000"/>
                           </a:solidFill>
@@ -25074,7 +25984,7 @@
                     <a:lstStyle/>
                     <a:p>
                       <a:pPr algn="ctr" fontAlgn="ctr"/>
-                      <a:endParaRPr lang="ja-JP" altLang="en-US" sz="1100" b="0" i="0" u="none" strike="noStrike">
+                      <a:endParaRPr lang="ja-JP" altLang="en-US" sz="1100" b="0" i="0" u="none" strike="noStrike" dirty="0">
                         <a:solidFill>
                           <a:srgbClr val="000000"/>
                         </a:solidFill>
@@ -25111,7 +26021,7 @@
                     <a:lstStyle/>
                     <a:p>
                       <a:pPr algn="ctr" fontAlgn="ctr"/>
-                      <a:endParaRPr lang="ja-JP" altLang="en-US" sz="1100" b="0" i="0" u="none" strike="noStrike">
+                      <a:endParaRPr lang="ja-JP" altLang="en-US" sz="1100" b="0" i="0" u="none" strike="noStrike" dirty="0">
                         <a:solidFill>
                           <a:srgbClr val="000000"/>
                         </a:solidFill>
@@ -25142,7 +26052,7 @@
                     <a:lstStyle/>
                     <a:p>
                       <a:pPr algn="l" fontAlgn="ctr"/>
-                      <a:endParaRPr lang="ja-JP" altLang="en-US" sz="1100" b="0" i="0" u="none" strike="noStrike">
+                      <a:endParaRPr lang="ja-JP" altLang="en-US" sz="1100" b="0" i="0" u="none" strike="noStrike" dirty="0">
                         <a:solidFill>
                           <a:srgbClr val="000000"/>
                         </a:solidFill>
@@ -25173,7 +26083,7 @@
                     <a:lstStyle/>
                     <a:p>
                       <a:pPr algn="l" fontAlgn="ctr"/>
-                      <a:endParaRPr lang="ja-JP" altLang="en-US" sz="1100" b="0" i="0" u="none" strike="noStrike">
+                      <a:endParaRPr lang="ja-JP" altLang="en-US" sz="1100" b="0" i="0" u="none" strike="noStrike" dirty="0">
                         <a:solidFill>
                           <a:srgbClr val="000000"/>
                         </a:solidFill>
@@ -25204,7 +26114,7 @@
                     <a:lstStyle/>
                     <a:p>
                       <a:pPr algn="l" fontAlgn="ctr"/>
-                      <a:endParaRPr lang="ja-JP" altLang="en-US" sz="1100" b="0" i="0" u="none" strike="noStrike">
+                      <a:endParaRPr lang="ja-JP" altLang="en-US" sz="1100" b="0" i="0" u="none" strike="noStrike" dirty="0">
                         <a:solidFill>
                           <a:srgbClr val="000000"/>
                         </a:solidFill>
@@ -25235,7 +26145,7 @@
                     <a:lstStyle/>
                     <a:p>
                       <a:pPr algn="l" fontAlgn="ctr"/>
-                      <a:endParaRPr lang="ja-JP" altLang="en-US" sz="1100" b="0" i="0" u="none" strike="noStrike">
+                      <a:endParaRPr lang="ja-JP" altLang="en-US" sz="1100" b="0" i="0" u="none" strike="noStrike" dirty="0">
                         <a:solidFill>
                           <a:srgbClr val="000000"/>
                         </a:solidFill>
@@ -25274,7 +26184,7 @@
                     <a:p>
                       <a:pPr algn="l" fontAlgn="ctr"/>
                       <a:r>
-                        <a:rPr lang="en-US" sz="1100" b="0" i="0" u="none" strike="noStrike">
+                        <a:rPr lang="en-US" sz="1100" b="0" i="0" u="none" strike="noStrike" dirty="0">
                           <a:solidFill>
                             <a:srgbClr val="000000"/>
                           </a:solidFill>
@@ -25326,7 +26236,7 @@
                     <a:p>
                       <a:pPr algn="l" fontAlgn="ctr"/>
                       <a:r>
-                        <a:rPr lang="ja-JP" altLang="en-US" sz="1100" b="0" i="0" u="none" strike="noStrike">
+                        <a:rPr lang="ja-JP" altLang="en-US" sz="1100" b="0" i="0" u="none" strike="noStrike" dirty="0">
                           <a:solidFill>
                             <a:srgbClr val="000000"/>
                           </a:solidFill>
@@ -25378,7 +26288,7 @@
                     <a:p>
                       <a:pPr algn="ctr" fontAlgn="ctr"/>
                       <a:r>
-                        <a:rPr lang="ja-JP" altLang="en-US" sz="1100" b="0" i="0" u="none" strike="noStrike">
+                        <a:rPr lang="ja-JP" altLang="en-US" sz="1100" b="0" i="0" u="none" strike="noStrike" dirty="0">
                           <a:solidFill>
                             <a:srgbClr val="000000"/>
                           </a:solidFill>
@@ -25436,7 +26346,7 @@
                     <a:p>
                       <a:pPr algn="ctr" fontAlgn="ctr"/>
                       <a:r>
-                        <a:rPr lang="en-US" altLang="ja-JP" sz="1100" b="0" i="0" u="none" strike="noStrike">
+                        <a:rPr lang="en-US" altLang="ja-JP" sz="1100" b="0" i="0" u="none" strike="noStrike" dirty="0">
                           <a:solidFill>
                             <a:srgbClr val="000000"/>
                           </a:solidFill>
@@ -25482,7 +26392,7 @@
                     <a:p>
                       <a:pPr algn="ctr" fontAlgn="ctr"/>
                       <a:r>
-                        <a:rPr lang="ja-JP" altLang="en-US" sz="1100" b="0" i="0" u="none" strike="noStrike">
+                        <a:rPr lang="ja-JP" altLang="en-US" sz="1100" b="0" i="0" u="none" strike="noStrike" dirty="0">
                           <a:solidFill>
                             <a:srgbClr val="000000"/>
                           </a:solidFill>
@@ -25539,7 +26449,7 @@
                     <a:lstStyle/>
                     <a:p>
                       <a:pPr algn="ctr" fontAlgn="ctr"/>
-                      <a:endParaRPr lang="ja-JP" altLang="en-US" sz="1100" b="0" i="0" u="none" strike="noStrike">
+                      <a:endParaRPr lang="ja-JP" altLang="en-US" sz="1100" b="0" i="0" u="none" strike="noStrike" dirty="0">
                         <a:solidFill>
                           <a:srgbClr val="000000"/>
                         </a:solidFill>
@@ -25576,7 +26486,7 @@
                     <a:lstStyle/>
                     <a:p>
                       <a:pPr algn="ctr" fontAlgn="ctr"/>
-                      <a:endParaRPr lang="ja-JP" altLang="en-US" sz="1100" b="0" i="0" u="none" strike="noStrike">
+                      <a:endParaRPr lang="ja-JP" altLang="en-US" sz="1100" b="0" i="0" u="none" strike="noStrike" dirty="0">
                         <a:solidFill>
                           <a:srgbClr val="000000"/>
                         </a:solidFill>
@@ -25607,7 +26517,7 @@
                     <a:lstStyle/>
                     <a:p>
                       <a:pPr algn="l" fontAlgn="ctr"/>
-                      <a:endParaRPr lang="ja-JP" altLang="en-US" sz="1100" b="0" i="0" u="none" strike="noStrike">
+                      <a:endParaRPr lang="ja-JP" altLang="en-US" sz="1100" b="0" i="0" u="none" strike="noStrike" dirty="0">
                         <a:solidFill>
                           <a:srgbClr val="000000"/>
                         </a:solidFill>
@@ -25638,7 +26548,7 @@
                     <a:lstStyle/>
                     <a:p>
                       <a:pPr algn="l" fontAlgn="ctr"/>
-                      <a:endParaRPr lang="ja-JP" altLang="en-US" sz="1100" b="0" i="0" u="none" strike="noStrike">
+                      <a:endParaRPr lang="ja-JP" altLang="en-US" sz="1100" b="0" i="0" u="none" strike="noStrike" dirty="0">
                         <a:solidFill>
                           <a:srgbClr val="000000"/>
                         </a:solidFill>
@@ -25669,7 +26579,7 @@
                     <a:lstStyle/>
                     <a:p>
                       <a:pPr algn="l" fontAlgn="ctr"/>
-                      <a:endParaRPr lang="ja-JP" altLang="en-US" sz="1100" b="0" i="0" u="none" strike="noStrike">
+                      <a:endParaRPr lang="ja-JP" altLang="en-US" sz="1100" b="0" i="0" u="none" strike="noStrike" dirty="0">
                         <a:solidFill>
                           <a:srgbClr val="000000"/>
                         </a:solidFill>
@@ -25700,7 +26610,7 @@
                     <a:lstStyle/>
                     <a:p>
                       <a:pPr algn="l" fontAlgn="ctr"/>
-                      <a:endParaRPr lang="ja-JP" altLang="en-US" sz="1100" b="0" i="0" u="none" strike="noStrike">
+                      <a:endParaRPr lang="ja-JP" altLang="en-US" sz="1100" b="0" i="0" u="none" strike="noStrike" dirty="0">
                         <a:solidFill>
                           <a:srgbClr val="000000"/>
                         </a:solidFill>
@@ -25739,7 +26649,7 @@
                     <a:p>
                       <a:pPr algn="l" fontAlgn="ctr"/>
                       <a:r>
-                        <a:rPr lang="en-US" sz="1100" b="0" i="0" u="none" strike="noStrike">
+                        <a:rPr lang="en-US" sz="1100" b="0" i="0" u="none" strike="noStrike" dirty="0">
                           <a:solidFill>
                             <a:srgbClr val="000000"/>
                           </a:solidFill>
@@ -25791,7 +26701,7 @@
                     <a:p>
                       <a:pPr algn="l" fontAlgn="ctr"/>
                       <a:r>
-                        <a:rPr lang="ja-JP" altLang="en-US" sz="1100" b="0" i="0" u="none" strike="noStrike">
+                        <a:rPr lang="ja-JP" altLang="en-US" sz="1100" b="0" i="0" u="none" strike="noStrike" dirty="0">
                           <a:solidFill>
                             <a:srgbClr val="000000"/>
                           </a:solidFill>
@@ -25843,7 +26753,7 @@
                     <a:p>
                       <a:pPr algn="ctr" fontAlgn="ctr"/>
                       <a:r>
-                        <a:rPr lang="ja-JP" altLang="en-US" sz="1100" b="0" i="0" u="none" strike="noStrike">
+                        <a:rPr lang="ja-JP" altLang="en-US" sz="1100" b="0" i="0" u="none" strike="noStrike" dirty="0">
                           <a:solidFill>
                             <a:srgbClr val="000000"/>
                           </a:solidFill>
@@ -25901,7 +26811,7 @@
                     <a:p>
                       <a:pPr algn="ctr" fontAlgn="ctr"/>
                       <a:r>
-                        <a:rPr lang="en-US" altLang="ja-JP" sz="1100" b="0" i="0" u="none" strike="noStrike">
+                        <a:rPr lang="en-US" altLang="ja-JP" sz="1100" b="0" i="0" u="none" strike="noStrike" dirty="0">
                           <a:solidFill>
                             <a:srgbClr val="000000"/>
                           </a:solidFill>
@@ -25947,7 +26857,7 @@
                     <a:p>
                       <a:pPr algn="ctr" fontAlgn="ctr"/>
                       <a:r>
-                        <a:rPr lang="ja-JP" altLang="en-US" sz="1100" b="0" i="0" u="none" strike="noStrike">
+                        <a:rPr lang="ja-JP" altLang="en-US" sz="1100" b="0" i="0" u="none" strike="noStrike" dirty="0">
                           <a:solidFill>
                             <a:srgbClr val="000000"/>
                           </a:solidFill>
@@ -26004,7 +26914,7 @@
                     <a:lstStyle/>
                     <a:p>
                       <a:pPr algn="ctr" fontAlgn="ctr"/>
-                      <a:endParaRPr lang="ja-JP" altLang="en-US" sz="1100" b="0" i="0" u="none" strike="noStrike">
+                      <a:endParaRPr lang="ja-JP" altLang="en-US" sz="1100" b="0" i="0" u="none" strike="noStrike" dirty="0">
                         <a:solidFill>
                           <a:srgbClr val="000000"/>
                         </a:solidFill>
@@ -26041,7 +26951,7 @@
                     <a:lstStyle/>
                     <a:p>
                       <a:pPr algn="ctr" fontAlgn="ctr"/>
-                      <a:endParaRPr lang="ja-JP" altLang="en-US" sz="1100" b="0" i="0" u="none" strike="noStrike">
+                      <a:endParaRPr lang="ja-JP" altLang="en-US" sz="1100" b="0" i="0" u="none" strike="noStrike" dirty="0">
                         <a:solidFill>
                           <a:srgbClr val="000000"/>
                         </a:solidFill>
@@ -26072,7 +26982,7 @@
                     <a:lstStyle/>
                     <a:p>
                       <a:pPr algn="l" fontAlgn="ctr"/>
-                      <a:endParaRPr lang="ja-JP" altLang="en-US" sz="1100" b="0" i="0" u="none" strike="noStrike">
+                      <a:endParaRPr lang="ja-JP" altLang="en-US" sz="1100" b="0" i="0" u="none" strike="noStrike" dirty="0">
                         <a:solidFill>
                           <a:srgbClr val="000000"/>
                         </a:solidFill>
@@ -26103,7 +27013,7 @@
                     <a:lstStyle/>
                     <a:p>
                       <a:pPr algn="l" fontAlgn="ctr"/>
-                      <a:endParaRPr lang="ja-JP" altLang="en-US" sz="1100" b="0" i="0" u="none" strike="noStrike">
+                      <a:endParaRPr lang="ja-JP" altLang="en-US" sz="1100" b="0" i="0" u="none" strike="noStrike" dirty="0">
                         <a:solidFill>
                           <a:srgbClr val="000000"/>
                         </a:solidFill>
@@ -26134,7 +27044,7 @@
                     <a:lstStyle/>
                     <a:p>
                       <a:pPr algn="l" fontAlgn="ctr"/>
-                      <a:endParaRPr lang="ja-JP" altLang="en-US" sz="1100" b="0" i="0" u="none" strike="noStrike">
+                      <a:endParaRPr lang="ja-JP" altLang="en-US" sz="1100" b="0" i="0" u="none" strike="noStrike" dirty="0">
                         <a:solidFill>
                           <a:srgbClr val="000000"/>
                         </a:solidFill>
@@ -26165,7 +27075,7 @@
                     <a:lstStyle/>
                     <a:p>
                       <a:pPr algn="l" fontAlgn="ctr"/>
-                      <a:endParaRPr lang="ja-JP" altLang="en-US" sz="1100" b="0" i="0" u="none" strike="noStrike">
+                      <a:endParaRPr lang="ja-JP" altLang="en-US" sz="1100" b="0" i="0" u="none" strike="noStrike" dirty="0">
                         <a:solidFill>
                           <a:srgbClr val="000000"/>
                         </a:solidFill>
@@ -26204,7 +27114,7 @@
                     <a:p>
                       <a:pPr algn="l" fontAlgn="ctr"/>
                       <a:r>
-                        <a:rPr lang="en-US" sz="1100" b="0" i="0" u="none" strike="noStrike">
+                        <a:rPr lang="en-US" sz="1100" b="0" i="0" u="none" strike="noStrike" dirty="0">
                           <a:solidFill>
                             <a:srgbClr val="000000"/>
                           </a:solidFill>
@@ -26256,7 +27166,7 @@
                     <a:p>
                       <a:pPr algn="l" fontAlgn="ctr"/>
                       <a:r>
-                        <a:rPr lang="ja-JP" altLang="en-US" sz="1100" b="0" i="0" u="none" strike="noStrike">
+                        <a:rPr lang="ja-JP" altLang="en-US" sz="1100" b="0" i="0" u="none" strike="noStrike" dirty="0">
                           <a:solidFill>
                             <a:srgbClr val="000000"/>
                           </a:solidFill>
@@ -26308,7 +27218,7 @@
                     <a:p>
                       <a:pPr algn="ctr" fontAlgn="ctr"/>
                       <a:r>
-                        <a:rPr lang="ja-JP" altLang="en-US" sz="1100" b="0" i="0" u="none" strike="noStrike">
+                        <a:rPr lang="ja-JP" altLang="en-US" sz="1100" b="0" i="0" u="none" strike="noStrike" dirty="0">
                           <a:solidFill>
                             <a:srgbClr val="000000"/>
                           </a:solidFill>
@@ -26366,7 +27276,7 @@
                     <a:p>
                       <a:pPr algn="ctr" fontAlgn="ctr"/>
                       <a:r>
-                        <a:rPr lang="en-US" altLang="ja-JP" sz="1100" b="0" i="0" u="none" strike="noStrike">
+                        <a:rPr lang="en-US" altLang="ja-JP" sz="1100" b="0" i="0" u="none" strike="noStrike" dirty="0">
                           <a:solidFill>
                             <a:srgbClr val="000000"/>
                           </a:solidFill>
@@ -26412,7 +27322,7 @@
                     <a:p>
                       <a:pPr algn="ctr" fontAlgn="ctr"/>
                       <a:r>
-                        <a:rPr lang="ja-JP" altLang="en-US" sz="1100" b="0" i="0" u="none" strike="noStrike">
+                        <a:rPr lang="ja-JP" altLang="en-US" sz="1100" b="0" i="0" u="none" strike="noStrike" dirty="0">
                           <a:solidFill>
                             <a:srgbClr val="000000"/>
                           </a:solidFill>
@@ -26469,7 +27379,7 @@
                     <a:lstStyle/>
                     <a:p>
                       <a:pPr algn="ctr" fontAlgn="ctr"/>
-                      <a:endParaRPr lang="ja-JP" altLang="en-US" sz="1100" b="0" i="0" u="none" strike="noStrike">
+                      <a:endParaRPr lang="ja-JP" altLang="en-US" sz="1100" b="0" i="0" u="none" strike="noStrike" dirty="0">
                         <a:solidFill>
                           <a:srgbClr val="000000"/>
                         </a:solidFill>
@@ -26506,7 +27416,7 @@
                     <a:lstStyle/>
                     <a:p>
                       <a:pPr algn="ctr" fontAlgn="ctr"/>
-                      <a:endParaRPr lang="ja-JP" altLang="en-US" sz="1100" b="0" i="0" u="none" strike="noStrike">
+                      <a:endParaRPr lang="ja-JP" altLang="en-US" sz="1100" b="0" i="0" u="none" strike="noStrike" dirty="0">
                         <a:solidFill>
                           <a:srgbClr val="000000"/>
                         </a:solidFill>
@@ -26537,7 +27447,7 @@
                     <a:lstStyle/>
                     <a:p>
                       <a:pPr algn="l" fontAlgn="ctr"/>
-                      <a:endParaRPr lang="ja-JP" altLang="en-US" sz="1100" b="0" i="0" u="none" strike="noStrike">
+                      <a:endParaRPr lang="ja-JP" altLang="en-US" sz="1100" b="0" i="0" u="none" strike="noStrike" dirty="0">
                         <a:solidFill>
                           <a:srgbClr val="000000"/>
                         </a:solidFill>
@@ -26568,7 +27478,7 @@
                     <a:lstStyle/>
                     <a:p>
                       <a:pPr algn="l" fontAlgn="ctr"/>
-                      <a:endParaRPr lang="ja-JP" altLang="en-US" sz="1100" b="0" i="0" u="none" strike="noStrike">
+                      <a:endParaRPr lang="ja-JP" altLang="en-US" sz="1100" b="0" i="0" u="none" strike="noStrike" dirty="0">
                         <a:solidFill>
                           <a:srgbClr val="000000"/>
                         </a:solidFill>
@@ -26599,7 +27509,7 @@
                     <a:lstStyle/>
                     <a:p>
                       <a:pPr algn="l" fontAlgn="ctr"/>
-                      <a:endParaRPr lang="ja-JP" altLang="en-US" sz="1100" b="0" i="0" u="none" strike="noStrike">
+                      <a:endParaRPr lang="ja-JP" altLang="en-US" sz="1100" b="0" i="0" u="none" strike="noStrike" dirty="0">
                         <a:solidFill>
                           <a:srgbClr val="000000"/>
                         </a:solidFill>
